--- a/SEC_Manuscript-Figures.pptx
+++ b/SEC_Manuscript-Figures.pptx
@@ -4357,10 +4357,10 @@
                     <a:lstStyle/>
                     <a:p>
                       <a:r>
-                        <a:rPr lang="en-US" smtClean="0"/>
+                        <a:rPr lang="en-US" dirty="0" smtClean="0"/>
                         <a:t>Within-population dynamics</a:t>
                       </a:r>
-                      <a:endParaRPr lang="en-US"/>
+                      <a:endParaRPr lang="en-US" dirty="0"/>
                     </a:p>
                   </p:txBody>
                 </p:sp>
@@ -4387,7 +4387,7 @@
                     <a:lstStyle/>
                     <a:p>
                       <a:r>
-                        <a:rPr lang="en-US" smtClean="0"/>
+                        <a:rPr lang="en-US" dirty="0" smtClean="0"/>
                         <a:t>Selection</a:t>
                       </a:r>
                     </a:p>
@@ -5507,7 +5507,7 @@
           <p:spPr>
             <a:xfrm>
               <a:off x="4787830" y="4637361"/>
-              <a:ext cx="1118319" cy="369332"/>
+              <a:ext cx="1111907" cy="369332"/>
             </a:xfrm>
             <a:prstGeom prst="rect">
               <a:avLst/>
@@ -5525,8 +5525,8 @@
                 <a:t>p</a:t>
               </a:r>
               <a:r>
-                <a:rPr lang="en-US" baseline="-25000" dirty="0" err="1" smtClean="0"/>
-                <a:t>A</a:t>
+                <a:rPr lang="en-US" baseline="-25000" dirty="0" err="1"/>
+                <a:t>B</a:t>
               </a:r>
               <a:r>
                 <a:rPr lang="en-US" baseline="-25000" dirty="0" smtClean="0"/>
@@ -5557,7 +5557,7 @@
           <p:spPr>
             <a:xfrm>
               <a:off x="7189160" y="4631309"/>
-              <a:ext cx="1118319" cy="369332"/>
+              <a:ext cx="1111907" cy="369332"/>
             </a:xfrm>
             <a:prstGeom prst="rect">
               <a:avLst/>
@@ -5575,8 +5575,8 @@
                 <a:t>p</a:t>
               </a:r>
               <a:r>
-                <a:rPr lang="en-US" baseline="-25000" dirty="0" err="1" smtClean="0"/>
-                <a:t>A</a:t>
+                <a:rPr lang="en-US" baseline="-25000" dirty="0" err="1"/>
+                <a:t>B</a:t>
               </a:r>
               <a:r>
                 <a:rPr lang="en-US" baseline="-25000" dirty="0" smtClean="0"/>
@@ -5607,7 +5607,7 @@
           <p:spPr>
             <a:xfrm>
               <a:off x="4809090" y="5431259"/>
-              <a:ext cx="1073435" cy="369332"/>
+              <a:ext cx="1067023" cy="369332"/>
             </a:xfrm>
             <a:prstGeom prst="rect">
               <a:avLst/>
@@ -5621,12 +5621,12 @@
             <a:lstStyle/>
             <a:p>
               <a:r>
-                <a:rPr lang="en-US" dirty="0" err="1"/>
+                <a:rPr lang="en-US" dirty="0" err="1" smtClean="0"/>
                 <a:t>q</a:t>
               </a:r>
               <a:r>
-                <a:rPr lang="en-US" baseline="-25000" dirty="0" err="1" smtClean="0"/>
-                <a:t>A</a:t>
+                <a:rPr lang="en-US" baseline="-25000" dirty="0" err="1"/>
+                <a:t>B</a:t>
               </a:r>
               <a:r>
                 <a:rPr lang="en-US" baseline="-25000" dirty="0" smtClean="0"/>
@@ -5661,7 +5661,7 @@
           <p:spPr>
             <a:xfrm>
               <a:off x="7205174" y="5431259"/>
-              <a:ext cx="1073435" cy="369332"/>
+              <a:ext cx="1067023" cy="369332"/>
             </a:xfrm>
             <a:prstGeom prst="rect">
               <a:avLst/>
@@ -5675,12 +5675,12 @@
             <a:lstStyle/>
             <a:p>
               <a:r>
-                <a:rPr lang="en-US" dirty="0" err="1"/>
+                <a:rPr lang="en-US" dirty="0" err="1" smtClean="0"/>
                 <a:t>q</a:t>
               </a:r>
               <a:r>
-                <a:rPr lang="en-US" baseline="-25000" dirty="0" err="1" smtClean="0"/>
-                <a:t>A</a:t>
+                <a:rPr lang="en-US" baseline="-25000" dirty="0" err="1"/>
+                <a:t>B</a:t>
               </a:r>
               <a:r>
                 <a:rPr lang="en-US" baseline="-25000" dirty="0" smtClean="0"/>

--- a/SEC_Manuscript-Figures.pptx
+++ b/SEC_Manuscript-Figures.pptx
@@ -6,6 +6,7 @@
   </p:sldMasterIdLst>
   <p:sldIdLst>
     <p:sldId id="257" r:id="rId2"/>
+    <p:sldId id="258" r:id="rId3"/>
   </p:sldIdLst>
   <p:sldSz cx="12192000" cy="6858000"/>
   <p:notesSz cx="6858000" cy="9144000"/>
@@ -104,6 +105,11 @@
       </a:defRPr>
     </a:lvl9pPr>
   </p:defaultTextStyle>
+  <p:extLst>
+    <p:ext uri="{EFAFB233-063F-42B5-8137-9DF3F51BA10A}">
+      <p15:sldGuideLst xmlns:p15="http://schemas.microsoft.com/office/powerpoint/2012/main"/>
+    </p:ext>
+  </p:extLst>
 </p:presentation>
 </file>
 
@@ -238,7 +244,7 @@
           <a:p>
             <a:fld id="{6D9C80F4-8888-534D-AD21-F6936D7DD69E}" type="datetimeFigureOut">
               <a:rPr lang="en-US" smtClean="0"/>
-              <a:t>12/14/17</a:t>
+              <a:t>12/18/17</a:t>
             </a:fld>
             <a:endParaRPr lang="en-US"/>
           </a:p>
@@ -408,7 +414,7 @@
           <a:p>
             <a:fld id="{6D9C80F4-8888-534D-AD21-F6936D7DD69E}" type="datetimeFigureOut">
               <a:rPr lang="en-US" smtClean="0"/>
-              <a:t>12/14/17</a:t>
+              <a:t>12/18/17</a:t>
             </a:fld>
             <a:endParaRPr lang="en-US"/>
           </a:p>
@@ -588,7 +594,7 @@
           <a:p>
             <a:fld id="{6D9C80F4-8888-534D-AD21-F6936D7DD69E}" type="datetimeFigureOut">
               <a:rPr lang="en-US" smtClean="0"/>
-              <a:t>12/14/17</a:t>
+              <a:t>12/18/17</a:t>
             </a:fld>
             <a:endParaRPr lang="en-US"/>
           </a:p>
@@ -758,7 +764,7 @@
           <a:p>
             <a:fld id="{6D9C80F4-8888-534D-AD21-F6936D7DD69E}" type="datetimeFigureOut">
               <a:rPr lang="en-US" smtClean="0"/>
-              <a:t>12/14/17</a:t>
+              <a:t>12/18/17</a:t>
             </a:fld>
             <a:endParaRPr lang="en-US"/>
           </a:p>
@@ -1004,7 +1010,7 @@
           <a:p>
             <a:fld id="{6D9C80F4-8888-534D-AD21-F6936D7DD69E}" type="datetimeFigureOut">
               <a:rPr lang="en-US" smtClean="0"/>
-              <a:t>12/14/17</a:t>
+              <a:t>12/18/17</a:t>
             </a:fld>
             <a:endParaRPr lang="en-US"/>
           </a:p>
@@ -1236,7 +1242,7 @@
           <a:p>
             <a:fld id="{6D9C80F4-8888-534D-AD21-F6936D7DD69E}" type="datetimeFigureOut">
               <a:rPr lang="en-US" smtClean="0"/>
-              <a:t>12/14/17</a:t>
+              <a:t>12/18/17</a:t>
             </a:fld>
             <a:endParaRPr lang="en-US"/>
           </a:p>
@@ -1603,7 +1609,7 @@
           <a:p>
             <a:fld id="{6D9C80F4-8888-534D-AD21-F6936D7DD69E}" type="datetimeFigureOut">
               <a:rPr lang="en-US" smtClean="0"/>
-              <a:t>12/14/17</a:t>
+              <a:t>12/18/17</a:t>
             </a:fld>
             <a:endParaRPr lang="en-US"/>
           </a:p>
@@ -1721,7 +1727,7 @@
           <a:p>
             <a:fld id="{6D9C80F4-8888-534D-AD21-F6936D7DD69E}" type="datetimeFigureOut">
               <a:rPr lang="en-US" smtClean="0"/>
-              <a:t>12/14/17</a:t>
+              <a:t>12/18/17</a:t>
             </a:fld>
             <a:endParaRPr lang="en-US"/>
           </a:p>
@@ -1816,7 +1822,7 @@
           <a:p>
             <a:fld id="{6D9C80F4-8888-534D-AD21-F6936D7DD69E}" type="datetimeFigureOut">
               <a:rPr lang="en-US" smtClean="0"/>
-              <a:t>12/14/17</a:t>
+              <a:t>12/18/17</a:t>
             </a:fld>
             <a:endParaRPr lang="en-US"/>
           </a:p>
@@ -2093,7 +2099,7 @@
           <a:p>
             <a:fld id="{6D9C80F4-8888-534D-AD21-F6936D7DD69E}" type="datetimeFigureOut">
               <a:rPr lang="en-US" smtClean="0"/>
-              <a:t>12/14/17</a:t>
+              <a:t>12/18/17</a:t>
             </a:fld>
             <a:endParaRPr lang="en-US"/>
           </a:p>
@@ -2346,7 +2352,7 @@
           <a:p>
             <a:fld id="{6D9C80F4-8888-534D-AD21-F6936D7DD69E}" type="datetimeFigureOut">
               <a:rPr lang="en-US" smtClean="0"/>
-              <a:t>12/14/17</a:t>
+              <a:t>12/18/17</a:t>
             </a:fld>
             <a:endParaRPr lang="en-US"/>
           </a:p>
@@ -2559,7 +2565,7 @@
           <a:p>
             <a:fld id="{6D9C80F4-8888-534D-AD21-F6936D7DD69E}" type="datetimeFigureOut">
               <a:rPr lang="en-US" smtClean="0"/>
-              <a:t>12/14/17</a:t>
+              <a:t>12/18/17</a:t>
             </a:fld>
             <a:endParaRPr lang="en-US"/>
           </a:p>
@@ -5731,11 +5737,7 @@
           <a:p>
             <a:r>
               <a:rPr lang="en-US" dirty="0" smtClean="0"/>
-              <a:t>Figure </a:t>
-            </a:r>
-            <a:r>
-              <a:rPr lang="en-US" dirty="0" smtClean="0"/>
-              <a:t>1</a:t>
+              <a:t>Figure 1</a:t>
             </a:r>
             <a:endParaRPr lang="en-US" dirty="0"/>
           </a:p>
@@ -5758,6 +5760,758 @@
       </p:par>
     </p:tnLst>
   </p:timing>
+</p:sld>
+</file>
+
+<file path=ppt/slides/slide2.xml><?xml version="1.0" encoding="utf-8"?>
+<p:sld xmlns:a="http://schemas.openxmlformats.org/drawingml/2006/main" xmlns:r="http://schemas.openxmlformats.org/officeDocument/2006/relationships" xmlns:p="http://schemas.openxmlformats.org/presentationml/2006/main">
+  <p:cSld>
+    <p:spTree>
+      <p:nvGrpSpPr>
+        <p:cNvPr id="1" name=""/>
+        <p:cNvGrpSpPr/>
+        <p:nvPr/>
+      </p:nvGrpSpPr>
+      <p:grpSpPr>
+        <a:xfrm>
+          <a:off x="0" y="0"/>
+          <a:ext cx="0" cy="0"/>
+          <a:chOff x="0" y="0"/>
+          <a:chExt cx="0" cy="0"/>
+        </a:xfrm>
+      </p:grpSpPr>
+      <p:grpSp>
+        <p:nvGrpSpPr>
+          <p:cNvPr id="44" name="Group 43"/>
+          <p:cNvGrpSpPr/>
+          <p:nvPr/>
+        </p:nvGrpSpPr>
+        <p:grpSpPr>
+          <a:xfrm>
+            <a:off x="1117413" y="1204579"/>
+            <a:ext cx="7152397" cy="3201746"/>
+            <a:chOff x="1117413" y="1204579"/>
+            <a:chExt cx="7152397" cy="3201746"/>
+          </a:xfrm>
+        </p:grpSpPr>
+        <p:cxnSp>
+          <p:nvCxnSpPr>
+            <p:cNvPr id="26" name="Straight Arrow Connector 25"/>
+            <p:cNvCxnSpPr/>
+            <p:nvPr/>
+          </p:nvCxnSpPr>
+          <p:spPr>
+            <a:xfrm>
+              <a:off x="2289070" y="1544989"/>
+              <a:ext cx="0" cy="2861336"/>
+            </a:xfrm>
+            <a:prstGeom prst="straightConnector1">
+              <a:avLst/>
+            </a:prstGeom>
+            <a:ln w="38100">
+              <a:solidFill>
+                <a:schemeClr val="tx1"/>
+              </a:solidFill>
+              <a:headEnd type="triangle"/>
+              <a:tailEnd type="triangle"/>
+            </a:ln>
+          </p:spPr>
+          <p:style>
+            <a:lnRef idx="1">
+              <a:schemeClr val="accent1"/>
+            </a:lnRef>
+            <a:fillRef idx="0">
+              <a:schemeClr val="accent1"/>
+            </a:fillRef>
+            <a:effectRef idx="0">
+              <a:schemeClr val="accent1"/>
+            </a:effectRef>
+            <a:fontRef idx="minor">
+              <a:schemeClr val="tx1"/>
+            </a:fontRef>
+          </p:style>
+        </p:cxnSp>
+        <p:sp>
+          <p:nvSpPr>
+            <p:cNvPr id="10" name="TextBox 9"/>
+            <p:cNvSpPr txBox="1"/>
+            <p:nvPr/>
+          </p:nvSpPr>
+          <p:spPr>
+            <a:xfrm>
+              <a:off x="1117413" y="3871941"/>
+              <a:ext cx="1124026" cy="307777"/>
+            </a:xfrm>
+            <a:prstGeom prst="rect">
+              <a:avLst/>
+            </a:prstGeom>
+            <a:noFill/>
+          </p:spPr>
+          <p:txBody>
+            <a:bodyPr wrap="none" rtlCol="0">
+              <a:spAutoFit/>
+            </a:bodyPr>
+            <a:lstStyle/>
+            <a:p>
+              <a:pPr algn="ctr"/>
+              <a:r>
+                <a:rPr lang="en-US" sz="1400" dirty="0" smtClean="0"/>
+                <a:t>–Maximum </a:t>
+              </a:r>
+              <a:r>
+                <a:rPr lang="en-US" sz="1400" i="1" dirty="0" smtClean="0"/>
+                <a:t>s</a:t>
+              </a:r>
+              <a:endParaRPr lang="en-US" sz="1400" i="1" dirty="0"/>
+            </a:p>
+          </p:txBody>
+        </p:sp>
+        <p:sp>
+          <p:nvSpPr>
+            <p:cNvPr id="11" name="TextBox 10"/>
+            <p:cNvSpPr txBox="1"/>
+            <p:nvPr/>
+          </p:nvSpPr>
+          <p:spPr>
+            <a:xfrm>
+              <a:off x="1162297" y="1743876"/>
+              <a:ext cx="1034257" cy="307777"/>
+            </a:xfrm>
+            <a:prstGeom prst="rect">
+              <a:avLst/>
+            </a:prstGeom>
+            <a:noFill/>
+          </p:spPr>
+          <p:txBody>
+            <a:bodyPr wrap="none" rtlCol="0">
+              <a:spAutoFit/>
+            </a:bodyPr>
+            <a:lstStyle/>
+            <a:p>
+              <a:pPr algn="ctr"/>
+              <a:r>
+                <a:rPr lang="en-US" sz="1400" dirty="0" smtClean="0"/>
+                <a:t>Maximum </a:t>
+              </a:r>
+              <a:r>
+                <a:rPr lang="en-US" sz="1400" i="1" dirty="0" smtClean="0"/>
+                <a:t>s</a:t>
+              </a:r>
+              <a:endParaRPr lang="en-US" sz="1400" i="1" dirty="0"/>
+            </a:p>
+          </p:txBody>
+        </p:sp>
+        <p:sp>
+          <p:nvSpPr>
+            <p:cNvPr id="12" name="Oval 11"/>
+            <p:cNvSpPr/>
+            <p:nvPr/>
+          </p:nvSpPr>
+          <p:spPr>
+            <a:xfrm>
+              <a:off x="2232561" y="3968141"/>
+              <a:ext cx="116977" cy="116977"/>
+            </a:xfrm>
+            <a:prstGeom prst="ellipse">
+              <a:avLst/>
+            </a:prstGeom>
+            <a:solidFill>
+              <a:schemeClr val="tx1"/>
+            </a:solidFill>
+            <a:ln>
+              <a:solidFill>
+                <a:schemeClr val="tx1"/>
+              </a:solidFill>
+            </a:ln>
+          </p:spPr>
+          <p:style>
+            <a:lnRef idx="2">
+              <a:schemeClr val="accent1">
+                <a:shade val="50000"/>
+              </a:schemeClr>
+            </a:lnRef>
+            <a:fillRef idx="1">
+              <a:schemeClr val="accent1"/>
+            </a:fillRef>
+            <a:effectRef idx="0">
+              <a:schemeClr val="accent1"/>
+            </a:effectRef>
+            <a:fontRef idx="minor">
+              <a:schemeClr val="lt1"/>
+            </a:fontRef>
+          </p:style>
+          <p:txBody>
+            <a:bodyPr rtlCol="0" anchor="ctr"/>
+            <a:lstStyle/>
+            <a:p>
+              <a:pPr algn="ctr"/>
+              <a:endParaRPr lang="en-US"/>
+            </a:p>
+          </p:txBody>
+        </p:sp>
+        <p:sp>
+          <p:nvSpPr>
+            <p:cNvPr id="13" name="Oval 12"/>
+            <p:cNvSpPr/>
+            <p:nvPr/>
+          </p:nvSpPr>
+          <p:spPr>
+            <a:xfrm>
+              <a:off x="5842655" y="1839277"/>
+              <a:ext cx="116977" cy="116977"/>
+            </a:xfrm>
+            <a:prstGeom prst="ellipse">
+              <a:avLst/>
+            </a:prstGeom>
+            <a:solidFill>
+              <a:schemeClr val="tx1"/>
+            </a:solidFill>
+            <a:ln>
+              <a:solidFill>
+                <a:schemeClr val="tx1"/>
+              </a:solidFill>
+            </a:ln>
+          </p:spPr>
+          <p:style>
+            <a:lnRef idx="2">
+              <a:schemeClr val="accent1">
+                <a:shade val="50000"/>
+              </a:schemeClr>
+            </a:lnRef>
+            <a:fillRef idx="1">
+              <a:schemeClr val="accent1"/>
+            </a:fillRef>
+            <a:effectRef idx="0">
+              <a:schemeClr val="accent1"/>
+            </a:effectRef>
+            <a:fontRef idx="minor">
+              <a:schemeClr val="lt1"/>
+            </a:fontRef>
+          </p:style>
+          <p:txBody>
+            <a:bodyPr rtlCol="0" anchor="ctr"/>
+            <a:lstStyle/>
+            <a:p>
+              <a:pPr algn="ctr"/>
+              <a:endParaRPr lang="en-US"/>
+            </a:p>
+          </p:txBody>
+        </p:sp>
+        <p:sp>
+          <p:nvSpPr>
+            <p:cNvPr id="14" name="TextBox 13"/>
+            <p:cNvSpPr txBox="1"/>
+            <p:nvPr/>
+          </p:nvSpPr>
+          <p:spPr>
+            <a:xfrm>
+              <a:off x="2256312" y="2980707"/>
+              <a:ext cx="276038" cy="307777"/>
+            </a:xfrm>
+            <a:prstGeom prst="rect">
+              <a:avLst/>
+            </a:prstGeom>
+            <a:noFill/>
+          </p:spPr>
+          <p:txBody>
+            <a:bodyPr wrap="none" rtlCol="0">
+              <a:spAutoFit/>
+            </a:bodyPr>
+            <a:lstStyle/>
+            <a:p>
+              <a:r>
+                <a:rPr lang="en-US" sz="1400" dirty="0" smtClean="0"/>
+                <a:t>0</a:t>
+              </a:r>
+              <a:endParaRPr lang="en-US" sz="1400" dirty="0"/>
+            </a:p>
+          </p:txBody>
+        </p:sp>
+        <p:cxnSp>
+          <p:nvCxnSpPr>
+            <p:cNvPr id="16" name="Straight Connector 15"/>
+            <p:cNvCxnSpPr/>
+            <p:nvPr/>
+          </p:nvCxnSpPr>
+          <p:spPr>
+            <a:xfrm>
+              <a:off x="4115688" y="2861954"/>
+              <a:ext cx="0" cy="184666"/>
+            </a:xfrm>
+            <a:prstGeom prst="line">
+              <a:avLst/>
+            </a:prstGeom>
+            <a:ln w="28575">
+              <a:solidFill>
+                <a:schemeClr val="tx1"/>
+              </a:solidFill>
+            </a:ln>
+          </p:spPr>
+          <p:style>
+            <a:lnRef idx="1">
+              <a:schemeClr val="accent1"/>
+            </a:lnRef>
+            <a:fillRef idx="0">
+              <a:schemeClr val="accent1"/>
+            </a:fillRef>
+            <a:effectRef idx="0">
+              <a:schemeClr val="accent1"/>
+            </a:effectRef>
+            <a:fontRef idx="minor">
+              <a:schemeClr val="tx1"/>
+            </a:fontRef>
+          </p:style>
+        </p:cxnSp>
+        <p:cxnSp>
+          <p:nvCxnSpPr>
+            <p:cNvPr id="17" name="Straight Connector 16"/>
+            <p:cNvCxnSpPr/>
+            <p:nvPr/>
+          </p:nvCxnSpPr>
+          <p:spPr>
+            <a:xfrm>
+              <a:off x="5906884" y="2871850"/>
+              <a:ext cx="0" cy="184666"/>
+            </a:xfrm>
+            <a:prstGeom prst="line">
+              <a:avLst/>
+            </a:prstGeom>
+            <a:ln w="28575">
+              <a:solidFill>
+                <a:schemeClr val="tx1"/>
+              </a:solidFill>
+            </a:ln>
+          </p:spPr>
+          <p:style>
+            <a:lnRef idx="1">
+              <a:schemeClr val="accent1"/>
+            </a:lnRef>
+            <a:fillRef idx="0">
+              <a:schemeClr val="accent1"/>
+            </a:fillRef>
+            <a:effectRef idx="0">
+              <a:schemeClr val="accent1"/>
+            </a:effectRef>
+            <a:fontRef idx="minor">
+              <a:schemeClr val="tx1"/>
+            </a:fontRef>
+          </p:style>
+        </p:cxnSp>
+        <p:sp>
+          <p:nvSpPr>
+            <p:cNvPr id="20" name="TextBox 19"/>
+            <p:cNvSpPr txBox="1"/>
+            <p:nvPr/>
+          </p:nvSpPr>
+          <p:spPr>
+            <a:xfrm>
+              <a:off x="3940627" y="2978727"/>
+              <a:ext cx="367408" cy="307777"/>
+            </a:xfrm>
+            <a:prstGeom prst="rect">
+              <a:avLst/>
+            </a:prstGeom>
+            <a:noFill/>
+          </p:spPr>
+          <p:txBody>
+            <a:bodyPr wrap="none" rtlCol="0">
+              <a:spAutoFit/>
+            </a:bodyPr>
+            <a:lstStyle/>
+            <a:p>
+              <a:r>
+                <a:rPr lang="en-US" sz="1400" dirty="0" smtClean="0"/>
+                <a:t>20</a:t>
+              </a:r>
+              <a:endParaRPr lang="en-US" sz="1400" dirty="0"/>
+            </a:p>
+          </p:txBody>
+        </p:sp>
+        <p:cxnSp>
+          <p:nvCxnSpPr>
+            <p:cNvPr id="23" name="Straight Arrow Connector 22"/>
+            <p:cNvCxnSpPr/>
+            <p:nvPr/>
+          </p:nvCxnSpPr>
+          <p:spPr>
+            <a:xfrm>
+              <a:off x="2289070" y="2954287"/>
+              <a:ext cx="3957351" cy="0"/>
+            </a:xfrm>
+            <a:prstGeom prst="straightConnector1">
+              <a:avLst/>
+            </a:prstGeom>
+            <a:ln w="38100">
+              <a:solidFill>
+                <a:schemeClr val="tx1"/>
+              </a:solidFill>
+              <a:tailEnd type="triangle"/>
+            </a:ln>
+          </p:spPr>
+          <p:style>
+            <a:lnRef idx="1">
+              <a:schemeClr val="accent1"/>
+            </a:lnRef>
+            <a:fillRef idx="0">
+              <a:schemeClr val="accent1"/>
+            </a:fillRef>
+            <a:effectRef idx="0">
+              <a:schemeClr val="accent1"/>
+            </a:effectRef>
+            <a:fontRef idx="minor">
+              <a:schemeClr val="tx1"/>
+            </a:fontRef>
+          </p:style>
+        </p:cxnSp>
+        <p:sp>
+          <p:nvSpPr>
+            <p:cNvPr id="24" name="TextBox 23"/>
+            <p:cNvSpPr txBox="1"/>
+            <p:nvPr/>
+          </p:nvSpPr>
+          <p:spPr>
+            <a:xfrm>
+              <a:off x="5721282" y="2978727"/>
+              <a:ext cx="367408" cy="307777"/>
+            </a:xfrm>
+            <a:prstGeom prst="rect">
+              <a:avLst/>
+            </a:prstGeom>
+            <a:noFill/>
+          </p:spPr>
+          <p:txBody>
+            <a:bodyPr wrap="none" rtlCol="0">
+              <a:spAutoFit/>
+            </a:bodyPr>
+            <a:lstStyle/>
+            <a:p>
+              <a:r>
+                <a:rPr lang="en-US" sz="1400" smtClean="0"/>
+                <a:t>39</a:t>
+              </a:r>
+              <a:endParaRPr lang="en-US" sz="1400" dirty="0"/>
+            </a:p>
+          </p:txBody>
+        </p:sp>
+        <p:cxnSp>
+          <p:nvCxnSpPr>
+            <p:cNvPr id="28" name="Straight Connector 27"/>
+            <p:cNvCxnSpPr>
+              <a:stCxn id="12" idx="6"/>
+              <a:endCxn id="13" idx="3"/>
+            </p:cNvCxnSpPr>
+            <p:nvPr/>
+          </p:nvCxnSpPr>
+          <p:spPr>
+            <a:xfrm flipV="1">
+              <a:off x="2349538" y="1939123"/>
+              <a:ext cx="3510248" cy="2087507"/>
+            </a:xfrm>
+            <a:prstGeom prst="line">
+              <a:avLst/>
+            </a:prstGeom>
+            <a:ln w="28575">
+              <a:solidFill>
+                <a:schemeClr val="tx1"/>
+              </a:solidFill>
+            </a:ln>
+          </p:spPr>
+          <p:style>
+            <a:lnRef idx="1">
+              <a:schemeClr val="accent1"/>
+            </a:lnRef>
+            <a:fillRef idx="0">
+              <a:schemeClr val="accent1"/>
+            </a:fillRef>
+            <a:effectRef idx="0">
+              <a:schemeClr val="accent1"/>
+            </a:effectRef>
+            <a:fontRef idx="minor">
+              <a:schemeClr val="tx1"/>
+            </a:fontRef>
+          </p:style>
+        </p:cxnSp>
+        <p:cxnSp>
+          <p:nvCxnSpPr>
+            <p:cNvPr id="35" name="Straight Connector 34"/>
+            <p:cNvCxnSpPr/>
+            <p:nvPr/>
+          </p:nvCxnSpPr>
+          <p:spPr>
+            <a:xfrm>
+              <a:off x="4126229" y="1544989"/>
+              <a:ext cx="0" cy="2861336"/>
+            </a:xfrm>
+            <a:prstGeom prst="line">
+              <a:avLst/>
+            </a:prstGeom>
+            <a:ln w="19050">
+              <a:solidFill>
+                <a:schemeClr val="tx1"/>
+              </a:solidFill>
+              <a:prstDash val="dash"/>
+            </a:ln>
+          </p:spPr>
+          <p:style>
+            <a:lnRef idx="1">
+              <a:schemeClr val="accent1"/>
+            </a:lnRef>
+            <a:fillRef idx="0">
+              <a:schemeClr val="accent1"/>
+            </a:fillRef>
+            <a:effectRef idx="0">
+              <a:schemeClr val="accent1"/>
+            </a:effectRef>
+            <a:fontRef idx="minor">
+              <a:schemeClr val="tx1"/>
+            </a:fontRef>
+          </p:style>
+        </p:cxnSp>
+        <p:sp>
+          <p:nvSpPr>
+            <p:cNvPr id="36" name="TextBox 35"/>
+            <p:cNvSpPr txBox="1"/>
+            <p:nvPr/>
+          </p:nvSpPr>
+          <p:spPr>
+            <a:xfrm>
+              <a:off x="6196614" y="2661899"/>
+              <a:ext cx="2073196" cy="584775"/>
+            </a:xfrm>
+            <a:prstGeom prst="rect">
+              <a:avLst/>
+            </a:prstGeom>
+            <a:noFill/>
+          </p:spPr>
+          <p:txBody>
+            <a:bodyPr wrap="none" rtlCol="0">
+              <a:spAutoFit/>
+            </a:bodyPr>
+            <a:lstStyle/>
+            <a:p>
+              <a:pPr algn="ctr"/>
+              <a:r>
+                <a:rPr lang="en-US" sz="1600" dirty="0" smtClean="0"/>
+                <a:t>Distance from </a:t>
+              </a:r>
+              <a:r>
+                <a:rPr lang="en-US" sz="1600" smtClean="0"/>
+                <a:t>starting </a:t>
+              </a:r>
+            </a:p>
+            <a:p>
+              <a:pPr algn="ctr"/>
+              <a:r>
+                <a:rPr lang="en-US" sz="1600" dirty="0" smtClean="0"/>
+                <a:t>rural population</a:t>
+              </a:r>
+              <a:endParaRPr lang="en-US" sz="1600" dirty="0"/>
+            </a:p>
+          </p:txBody>
+        </p:sp>
+        <p:sp>
+          <p:nvSpPr>
+            <p:cNvPr id="37" name="TextBox 36"/>
+            <p:cNvSpPr txBox="1"/>
+            <p:nvPr/>
+          </p:nvSpPr>
+          <p:spPr>
+            <a:xfrm>
+              <a:off x="2381309" y="1208154"/>
+              <a:ext cx="1652119" cy="584775"/>
+            </a:xfrm>
+            <a:prstGeom prst="rect">
+              <a:avLst/>
+            </a:prstGeom>
+            <a:noFill/>
+          </p:spPr>
+          <p:txBody>
+            <a:bodyPr wrap="none" rtlCol="0">
+              <a:spAutoFit/>
+            </a:bodyPr>
+            <a:lstStyle/>
+            <a:p>
+              <a:pPr algn="ctr"/>
+              <a:r>
+                <a:rPr lang="en-US" sz="1600" smtClean="0"/>
+                <a:t>Rural </a:t>
+              </a:r>
+            </a:p>
+            <a:p>
+              <a:pPr algn="ctr"/>
+              <a:r>
+                <a:rPr lang="en-US" sz="1600" dirty="0" smtClean="0"/>
+                <a:t>Selection for HCN</a:t>
+              </a:r>
+              <a:endParaRPr lang="en-US" sz="1600" dirty="0"/>
+            </a:p>
+          </p:txBody>
+        </p:sp>
+        <p:sp>
+          <p:nvSpPr>
+            <p:cNvPr id="38" name="TextBox 37"/>
+            <p:cNvSpPr txBox="1"/>
+            <p:nvPr/>
+          </p:nvSpPr>
+          <p:spPr>
+            <a:xfrm>
+              <a:off x="4308035" y="1204579"/>
+              <a:ext cx="2001317" cy="584775"/>
+            </a:xfrm>
+            <a:prstGeom prst="rect">
+              <a:avLst/>
+            </a:prstGeom>
+            <a:noFill/>
+          </p:spPr>
+          <p:txBody>
+            <a:bodyPr wrap="none" rtlCol="0">
+              <a:spAutoFit/>
+            </a:bodyPr>
+            <a:lstStyle/>
+            <a:p>
+              <a:pPr algn="ctr"/>
+              <a:r>
+                <a:rPr lang="en-US" sz="1600" dirty="0" smtClean="0"/>
+                <a:t>Urban</a:t>
+              </a:r>
+            </a:p>
+            <a:p>
+              <a:pPr algn="ctr"/>
+              <a:r>
+                <a:rPr lang="en-US" sz="1600" dirty="0" smtClean="0"/>
+                <a:t>Selection against HCN</a:t>
+              </a:r>
+              <a:endParaRPr lang="en-US" sz="1600" dirty="0"/>
+            </a:p>
+          </p:txBody>
+        </p:sp>
+        <p:sp>
+          <p:nvSpPr>
+            <p:cNvPr id="39" name="TextBox 38"/>
+            <p:cNvSpPr txBox="1"/>
+            <p:nvPr/>
+          </p:nvSpPr>
+          <p:spPr>
+            <a:xfrm rot="16200000">
+              <a:off x="1385642" y="2671395"/>
+              <a:ext cx="1186543" cy="584775"/>
+            </a:xfrm>
+            <a:prstGeom prst="rect">
+              <a:avLst/>
+            </a:prstGeom>
+            <a:noFill/>
+          </p:spPr>
+          <p:txBody>
+            <a:bodyPr wrap="none" rtlCol="0">
+              <a:spAutoFit/>
+            </a:bodyPr>
+            <a:lstStyle/>
+            <a:p>
+              <a:pPr algn="ctr"/>
+              <a:r>
+                <a:rPr lang="en-US" sz="1600" dirty="0" smtClean="0"/>
+                <a:t>Strength of </a:t>
+              </a:r>
+            </a:p>
+            <a:p>
+              <a:pPr algn="ctr"/>
+              <a:r>
+                <a:rPr lang="en-US" sz="1600" dirty="0" smtClean="0"/>
+                <a:t>selection (</a:t>
+              </a:r>
+              <a:r>
+                <a:rPr lang="en-US" sz="1600" i="1" dirty="0" smtClean="0"/>
+                <a:t>s</a:t>
+              </a:r>
+              <a:r>
+                <a:rPr lang="en-US" sz="1600" dirty="0" smtClean="0"/>
+                <a:t>)</a:t>
+              </a:r>
+              <a:endParaRPr lang="en-US" sz="1600" dirty="0"/>
+            </a:p>
+          </p:txBody>
+        </p:sp>
+        <p:cxnSp>
+          <p:nvCxnSpPr>
+            <p:cNvPr id="41" name="Straight Connector 40"/>
+            <p:cNvCxnSpPr/>
+            <p:nvPr/>
+          </p:nvCxnSpPr>
+          <p:spPr>
+            <a:xfrm>
+              <a:off x="2185059" y="1900053"/>
+              <a:ext cx="213757" cy="0"/>
+            </a:xfrm>
+            <a:prstGeom prst="line">
+              <a:avLst/>
+            </a:prstGeom>
+            <a:ln w="28575">
+              <a:solidFill>
+                <a:schemeClr val="tx1"/>
+              </a:solidFill>
+            </a:ln>
+          </p:spPr>
+          <p:style>
+            <a:lnRef idx="1">
+              <a:schemeClr val="accent1"/>
+            </a:lnRef>
+            <a:fillRef idx="0">
+              <a:schemeClr val="accent1"/>
+            </a:fillRef>
+            <a:effectRef idx="0">
+              <a:schemeClr val="accent1"/>
+            </a:effectRef>
+            <a:fontRef idx="minor">
+              <a:schemeClr val="tx1"/>
+            </a:fontRef>
+          </p:style>
+        </p:cxnSp>
+        <p:cxnSp>
+          <p:nvCxnSpPr>
+            <p:cNvPr id="43" name="Straight Connector 42"/>
+            <p:cNvCxnSpPr/>
+            <p:nvPr/>
+          </p:nvCxnSpPr>
+          <p:spPr>
+            <a:xfrm>
+              <a:off x="2194955" y="4035632"/>
+              <a:ext cx="213757" cy="0"/>
+            </a:xfrm>
+            <a:prstGeom prst="line">
+              <a:avLst/>
+            </a:prstGeom>
+            <a:ln w="28575">
+              <a:solidFill>
+                <a:schemeClr val="tx1"/>
+              </a:solidFill>
+            </a:ln>
+          </p:spPr>
+          <p:style>
+            <a:lnRef idx="1">
+              <a:schemeClr val="accent1"/>
+            </a:lnRef>
+            <a:fillRef idx="0">
+              <a:schemeClr val="accent1"/>
+            </a:fillRef>
+            <a:effectRef idx="0">
+              <a:schemeClr val="accent1"/>
+            </a:effectRef>
+            <a:fontRef idx="minor">
+              <a:schemeClr val="tx1"/>
+            </a:fontRef>
+          </p:style>
+        </p:cxnSp>
+      </p:grpSp>
+    </p:spTree>
+    <p:extLst>
+      <p:ext uri="{BB962C8B-B14F-4D97-AF65-F5344CB8AC3E}">
+        <p14:creationId xmlns:p14="http://schemas.microsoft.com/office/powerpoint/2010/main" val="1734675265"/>
+      </p:ext>
+    </p:extLst>
+  </p:cSld>
+  <p:clrMapOvr>
+    <a:masterClrMapping/>
+  </p:clrMapOvr>
 </p:sld>
 </file>
 

--- a/SEC_Manuscript-Figures.pptx
+++ b/SEC_Manuscript-Figures.pptx
@@ -2970,9 +2970,39 @@
           <a:chExt cx="0" cy="0"/>
         </a:xfrm>
       </p:grpSpPr>
+      <p:sp>
+        <p:nvSpPr>
+          <p:cNvPr id="74" name="TextBox 73"/>
+          <p:cNvSpPr txBox="1"/>
+          <p:nvPr/>
+        </p:nvSpPr>
+        <p:spPr>
+          <a:xfrm>
+            <a:off x="160868" y="304080"/>
+            <a:ext cx="936667" cy="369332"/>
+          </a:xfrm>
+          <a:prstGeom prst="rect">
+            <a:avLst/>
+          </a:prstGeom>
+          <a:noFill/>
+        </p:spPr>
+        <p:txBody>
+          <a:bodyPr wrap="none" rtlCol="0">
+            <a:spAutoFit/>
+          </a:bodyPr>
+          <a:lstStyle/>
+          <a:p>
+            <a:r>
+              <a:rPr lang="en-US" dirty="0" smtClean="0"/>
+              <a:t>Figure 1</a:t>
+            </a:r>
+            <a:endParaRPr lang="en-US" dirty="0"/>
+          </a:p>
+        </p:txBody>
+      </p:sp>
       <p:grpSp>
         <p:nvGrpSpPr>
-          <p:cNvPr id="5" name="Group 4"/>
+          <p:cNvPr id="12" name="Group 11"/>
           <p:cNvGrpSpPr/>
           <p:nvPr/>
         </p:nvGrpSpPr>
@@ -2986,53 +3016,1779 @@
         </p:grpSpPr>
         <p:grpSp>
           <p:nvGrpSpPr>
-            <p:cNvPr id="255" name="Group 254"/>
+            <p:cNvPr id="2" name="Group 1"/>
             <p:cNvGrpSpPr/>
             <p:nvPr/>
           </p:nvGrpSpPr>
           <p:grpSpPr>
             <a:xfrm>
-              <a:off x="1399050" y="603389"/>
-              <a:ext cx="8942811" cy="5994136"/>
-              <a:chOff x="1399050" y="603389"/>
-              <a:chExt cx="8942811" cy="5994136"/>
+              <a:off x="1399050" y="607050"/>
+              <a:ext cx="4327951" cy="2490814"/>
+              <a:chOff x="1399050" y="607050"/>
+              <a:chExt cx="4327951" cy="2490814"/>
+            </a:xfrm>
+          </p:grpSpPr>
+          <p:sp>
+            <p:nvSpPr>
+              <p:cNvPr id="243" name="Triangle 242"/>
+              <p:cNvSpPr/>
+              <p:nvPr/>
+            </p:nvSpPr>
+            <p:spPr>
+              <a:xfrm rot="5400000">
+                <a:off x="2763341" y="275258"/>
+                <a:ext cx="1540931" cy="3361086"/>
+              </a:xfrm>
+              <a:prstGeom prst="triangle">
+                <a:avLst/>
+              </a:prstGeom>
+              <a:solidFill>
+                <a:schemeClr val="bg1">
+                  <a:lumMod val="65000"/>
+                </a:schemeClr>
+              </a:solidFill>
+              <a:ln>
+                <a:noFill/>
+              </a:ln>
+            </p:spPr>
+            <p:style>
+              <a:lnRef idx="2">
+                <a:schemeClr val="accent1">
+                  <a:shade val="50000"/>
+                </a:schemeClr>
+              </a:lnRef>
+              <a:fillRef idx="1">
+                <a:schemeClr val="accent1"/>
+              </a:fillRef>
+              <a:effectRef idx="0">
+                <a:schemeClr val="accent1"/>
+              </a:effectRef>
+              <a:fontRef idx="minor">
+                <a:schemeClr val="lt1"/>
+              </a:fontRef>
+            </p:style>
+            <p:txBody>
+              <a:bodyPr rtlCol="0" anchor="ctr"/>
+              <a:lstStyle/>
+              <a:p>
+                <a:pPr algn="ctr"/>
+                <a:endParaRPr lang="en-US"/>
+              </a:p>
+            </p:txBody>
+          </p:sp>
+          <p:sp>
+            <p:nvSpPr>
+              <p:cNvPr id="4" name="Triangle 3"/>
+              <p:cNvSpPr/>
+              <p:nvPr/>
+            </p:nvSpPr>
+            <p:spPr>
+              <a:xfrm rot="5400000">
+                <a:off x="2781083" y="243726"/>
+                <a:ext cx="1561624" cy="3412271"/>
+              </a:xfrm>
+              <a:prstGeom prst="triangle">
+                <a:avLst/>
+              </a:prstGeom>
+              <a:noFill/>
+              <a:ln w="38100">
+                <a:solidFill>
+                  <a:schemeClr val="tx1"/>
+                </a:solidFill>
+              </a:ln>
+            </p:spPr>
+            <p:style>
+              <a:lnRef idx="2">
+                <a:schemeClr val="accent1">
+                  <a:shade val="50000"/>
+                </a:schemeClr>
+              </a:lnRef>
+              <a:fillRef idx="1">
+                <a:schemeClr val="accent1"/>
+              </a:fillRef>
+              <a:effectRef idx="0">
+                <a:schemeClr val="accent1"/>
+              </a:effectRef>
+              <a:fontRef idx="minor">
+                <a:schemeClr val="lt1"/>
+              </a:fontRef>
+            </p:style>
+            <p:txBody>
+              <a:bodyPr rtlCol="0" anchor="ctr"/>
+              <a:lstStyle/>
+              <a:p>
+                <a:pPr algn="ctr"/>
+                <a:endParaRPr lang="en-US"/>
+              </a:p>
+            </p:txBody>
+          </p:sp>
+          <p:cxnSp>
+            <p:nvCxnSpPr>
+              <p:cNvPr id="6" name="Straight Connector 5"/>
+              <p:cNvCxnSpPr/>
+              <p:nvPr/>
+            </p:nvCxnSpPr>
+            <p:spPr>
+              <a:xfrm>
+                <a:off x="2244067" y="1261872"/>
+                <a:ext cx="0" cy="1362795"/>
+              </a:xfrm>
+              <a:prstGeom prst="line">
+                <a:avLst/>
+              </a:prstGeom>
+              <a:ln w="12700">
+                <a:solidFill>
+                  <a:schemeClr val="tx1"/>
+                </a:solidFill>
+              </a:ln>
+            </p:spPr>
+            <p:style>
+              <a:lnRef idx="1">
+                <a:schemeClr val="accent1"/>
+              </a:lnRef>
+              <a:fillRef idx="0">
+                <a:schemeClr val="accent1"/>
+              </a:fillRef>
+              <a:effectRef idx="0">
+                <a:schemeClr val="accent1"/>
+              </a:effectRef>
+              <a:fontRef idx="minor">
+                <a:schemeClr val="tx1"/>
+              </a:fontRef>
+            </p:style>
+          </p:cxnSp>
+          <p:cxnSp>
+            <p:nvCxnSpPr>
+              <p:cNvPr id="10" name="Straight Connector 9"/>
+              <p:cNvCxnSpPr/>
+              <p:nvPr/>
+            </p:nvCxnSpPr>
+            <p:spPr>
+              <a:xfrm>
+                <a:off x="2566612" y="1315358"/>
+                <a:ext cx="0" cy="1241575"/>
+              </a:xfrm>
+              <a:prstGeom prst="line">
+                <a:avLst/>
+              </a:prstGeom>
+              <a:ln w="12700">
+                <a:solidFill>
+                  <a:schemeClr val="tx1"/>
+                </a:solidFill>
+              </a:ln>
+            </p:spPr>
+            <p:style>
+              <a:lnRef idx="1">
+                <a:schemeClr val="accent1"/>
+              </a:lnRef>
+              <a:fillRef idx="0">
+                <a:schemeClr val="accent1"/>
+              </a:fillRef>
+              <a:effectRef idx="0">
+                <a:schemeClr val="accent1"/>
+              </a:effectRef>
+              <a:fontRef idx="minor">
+                <a:schemeClr val="tx1"/>
+              </a:fontRef>
+            </p:style>
+          </p:cxnSp>
+          <p:cxnSp>
+            <p:nvCxnSpPr>
+              <p:cNvPr id="15" name="Straight Connector 14"/>
+              <p:cNvCxnSpPr/>
+              <p:nvPr/>
+            </p:nvCxnSpPr>
+            <p:spPr>
+              <a:xfrm>
+                <a:off x="2889157" y="1427967"/>
+                <a:ext cx="0" cy="1060430"/>
+              </a:xfrm>
+              <a:prstGeom prst="line">
+                <a:avLst/>
+              </a:prstGeom>
+              <a:ln w="12700">
+                <a:solidFill>
+                  <a:schemeClr val="tx1"/>
+                </a:solidFill>
+              </a:ln>
+            </p:spPr>
+            <p:style>
+              <a:lnRef idx="1">
+                <a:schemeClr val="accent1"/>
+              </a:lnRef>
+              <a:fillRef idx="0">
+                <a:schemeClr val="accent1"/>
+              </a:fillRef>
+              <a:effectRef idx="0">
+                <a:schemeClr val="accent1"/>
+              </a:effectRef>
+              <a:fontRef idx="minor">
+                <a:schemeClr val="tx1"/>
+              </a:fontRef>
+            </p:style>
+          </p:cxnSp>
+          <p:cxnSp>
+            <p:nvCxnSpPr>
+              <p:cNvPr id="22" name="Straight Connector 21"/>
+              <p:cNvCxnSpPr/>
+              <p:nvPr/>
+            </p:nvCxnSpPr>
+            <p:spPr>
+              <a:xfrm>
+                <a:off x="3211702" y="1490597"/>
+                <a:ext cx="0" cy="927051"/>
+              </a:xfrm>
+              <a:prstGeom prst="line">
+                <a:avLst/>
+              </a:prstGeom>
+              <a:ln w="12700">
+                <a:solidFill>
+                  <a:schemeClr val="tx1"/>
+                </a:solidFill>
+              </a:ln>
+            </p:spPr>
+            <p:style>
+              <a:lnRef idx="1">
+                <a:schemeClr val="accent1"/>
+              </a:lnRef>
+              <a:fillRef idx="0">
+                <a:schemeClr val="accent1"/>
+              </a:fillRef>
+              <a:effectRef idx="0">
+                <a:schemeClr val="accent1"/>
+              </a:effectRef>
+              <a:fontRef idx="minor">
+                <a:schemeClr val="tx1"/>
+              </a:fontRef>
+            </p:style>
+          </p:cxnSp>
+          <p:cxnSp>
+            <p:nvCxnSpPr>
+              <p:cNvPr id="29" name="Straight Connector 28"/>
+              <p:cNvCxnSpPr/>
+              <p:nvPr/>
+            </p:nvCxnSpPr>
+            <p:spPr>
+              <a:xfrm>
+                <a:off x="3856792" y="1640910"/>
+                <a:ext cx="0" cy="622019"/>
+              </a:xfrm>
+              <a:prstGeom prst="line">
+                <a:avLst/>
+              </a:prstGeom>
+              <a:ln w="12700">
+                <a:solidFill>
+                  <a:schemeClr val="tx1"/>
+                </a:solidFill>
+              </a:ln>
+            </p:spPr>
+            <p:style>
+              <a:lnRef idx="1">
+                <a:schemeClr val="accent1"/>
+              </a:lnRef>
+              <a:fillRef idx="0">
+                <a:schemeClr val="accent1"/>
+              </a:fillRef>
+              <a:effectRef idx="0">
+                <a:schemeClr val="accent1"/>
+              </a:effectRef>
+              <a:fontRef idx="minor">
+                <a:schemeClr val="tx1"/>
+              </a:fontRef>
+            </p:style>
+          </p:cxnSp>
+          <p:cxnSp>
+            <p:nvCxnSpPr>
+              <p:cNvPr id="31" name="Straight Connector 30"/>
+              <p:cNvCxnSpPr/>
+              <p:nvPr/>
+            </p:nvCxnSpPr>
+            <p:spPr>
+              <a:xfrm>
+                <a:off x="4179337" y="1716066"/>
+                <a:ext cx="0" cy="488640"/>
+              </a:xfrm>
+              <a:prstGeom prst="line">
+                <a:avLst/>
+              </a:prstGeom>
+              <a:ln w="12700">
+                <a:solidFill>
+                  <a:schemeClr val="tx1"/>
+                </a:solidFill>
+              </a:ln>
+            </p:spPr>
+            <p:style>
+              <a:lnRef idx="1">
+                <a:schemeClr val="accent1"/>
+              </a:lnRef>
+              <a:fillRef idx="0">
+                <a:schemeClr val="accent1"/>
+              </a:fillRef>
+              <a:effectRef idx="0">
+                <a:schemeClr val="accent1"/>
+              </a:effectRef>
+              <a:fontRef idx="minor">
+                <a:schemeClr val="tx1"/>
+              </a:fontRef>
+            </p:style>
+          </p:cxnSp>
+          <p:cxnSp>
+            <p:nvCxnSpPr>
+              <p:cNvPr id="34" name="Straight Connector 33"/>
+              <p:cNvCxnSpPr/>
+              <p:nvPr/>
+            </p:nvCxnSpPr>
+            <p:spPr>
+              <a:xfrm>
+                <a:off x="4501882" y="1774289"/>
+                <a:ext cx="0" cy="346447"/>
+              </a:xfrm>
+              <a:prstGeom prst="line">
+                <a:avLst/>
+              </a:prstGeom>
+              <a:ln w="12700">
+                <a:solidFill>
+                  <a:schemeClr val="tx1"/>
+                </a:solidFill>
+              </a:ln>
+            </p:spPr>
+            <p:style>
+              <a:lnRef idx="1">
+                <a:schemeClr val="accent1"/>
+              </a:lnRef>
+              <a:fillRef idx="0">
+                <a:schemeClr val="accent1"/>
+              </a:fillRef>
+              <a:effectRef idx="0">
+                <a:schemeClr val="accent1"/>
+              </a:effectRef>
+              <a:fontRef idx="minor">
+                <a:schemeClr val="tx1"/>
+              </a:fontRef>
+            </p:style>
+          </p:cxnSp>
+          <p:cxnSp>
+            <p:nvCxnSpPr>
+              <p:cNvPr id="36" name="Straight Connector 35"/>
+              <p:cNvCxnSpPr/>
+              <p:nvPr/>
+            </p:nvCxnSpPr>
+            <p:spPr>
+              <a:xfrm>
+                <a:off x="4824429" y="1849445"/>
+                <a:ext cx="0" cy="200541"/>
+              </a:xfrm>
+              <a:prstGeom prst="line">
+                <a:avLst/>
+              </a:prstGeom>
+              <a:ln w="12700">
+                <a:solidFill>
+                  <a:schemeClr val="tx1"/>
+                </a:solidFill>
+              </a:ln>
+            </p:spPr>
+            <p:style>
+              <a:lnRef idx="1">
+                <a:schemeClr val="accent1"/>
+              </a:lnRef>
+              <a:fillRef idx="0">
+                <a:schemeClr val="accent1"/>
+              </a:fillRef>
+              <a:effectRef idx="0">
+                <a:schemeClr val="accent1"/>
+              </a:effectRef>
+              <a:fontRef idx="minor">
+                <a:schemeClr val="tx1"/>
+              </a:fontRef>
+            </p:style>
+          </p:cxnSp>
+          <p:cxnSp>
+            <p:nvCxnSpPr>
+              <p:cNvPr id="181" name="Straight Connector 180"/>
+              <p:cNvCxnSpPr/>
+              <p:nvPr/>
+            </p:nvCxnSpPr>
+            <p:spPr>
+              <a:xfrm>
+                <a:off x="3534247" y="1553227"/>
+                <a:ext cx="0" cy="776614"/>
+              </a:xfrm>
+              <a:prstGeom prst="line">
+                <a:avLst/>
+              </a:prstGeom>
+              <a:ln w="12700">
+                <a:solidFill>
+                  <a:schemeClr val="tx1"/>
+                </a:solidFill>
+              </a:ln>
+            </p:spPr>
+            <p:style>
+              <a:lnRef idx="1">
+                <a:schemeClr val="accent1"/>
+              </a:lnRef>
+              <a:fillRef idx="0">
+                <a:schemeClr val="accent1"/>
+              </a:fillRef>
+              <a:effectRef idx="0">
+                <a:schemeClr val="accent1"/>
+              </a:effectRef>
+              <a:fontRef idx="minor">
+                <a:schemeClr val="tx1"/>
+              </a:fontRef>
+            </p:style>
+          </p:cxnSp>
+          <p:sp>
+            <p:nvSpPr>
+              <p:cNvPr id="217" name="TextBox 216"/>
+              <p:cNvSpPr txBox="1"/>
+              <p:nvPr/>
+            </p:nvSpPr>
+            <p:spPr>
+              <a:xfrm rot="18900000">
+                <a:off x="1869457" y="607050"/>
+                <a:ext cx="994183" cy="369332"/>
+              </a:xfrm>
+              <a:prstGeom prst="rect">
+                <a:avLst/>
+              </a:prstGeom>
+              <a:noFill/>
+            </p:spPr>
+            <p:txBody>
+              <a:bodyPr wrap="none" rtlCol="0">
+                <a:spAutoFit/>
+              </a:bodyPr>
+              <a:lstStyle/>
+              <a:p>
+                <a:pPr algn="ctr"/>
+                <a:r>
+                  <a:rPr lang="en-US" dirty="0"/>
+                  <a:t>K</a:t>
+                </a:r>
+                <a:r>
+                  <a:rPr lang="en-US" dirty="0" smtClean="0"/>
+                  <a:t> = 1000</a:t>
+                </a:r>
+                <a:endParaRPr lang="en-US" dirty="0"/>
+              </a:p>
+            </p:txBody>
+          </p:sp>
+          <p:sp>
+            <p:nvSpPr>
+              <p:cNvPr id="218" name="TextBox 217"/>
+              <p:cNvSpPr txBox="1"/>
+              <p:nvPr/>
+            </p:nvSpPr>
+            <p:spPr>
+              <a:xfrm rot="18900000">
+                <a:off x="4856058" y="1391900"/>
+                <a:ext cx="760144" cy="369332"/>
+              </a:xfrm>
+              <a:prstGeom prst="rect">
+                <a:avLst/>
+              </a:prstGeom>
+              <a:noFill/>
+            </p:spPr>
+            <p:txBody>
+              <a:bodyPr wrap="none" rtlCol="0">
+                <a:spAutoFit/>
+              </a:bodyPr>
+              <a:lstStyle/>
+              <a:p>
+                <a:pPr algn="ctr"/>
+                <a:r>
+                  <a:rPr lang="en-US" dirty="0"/>
+                  <a:t>K</a:t>
+                </a:r>
+                <a:r>
+                  <a:rPr lang="en-US" dirty="0" smtClean="0"/>
+                  <a:t> = 10</a:t>
+                </a:r>
+                <a:endParaRPr lang="en-US" dirty="0"/>
+              </a:p>
+            </p:txBody>
+          </p:sp>
+          <p:sp>
+            <p:nvSpPr>
+              <p:cNvPr id="219" name="TextBox 218"/>
+              <p:cNvSpPr txBox="1"/>
+              <p:nvPr/>
+            </p:nvSpPr>
+            <p:spPr>
+              <a:xfrm>
+                <a:off x="1399050" y="2728532"/>
+                <a:ext cx="670568" cy="369332"/>
+              </a:xfrm>
+              <a:prstGeom prst="rect">
+                <a:avLst/>
+              </a:prstGeom>
+              <a:noFill/>
+            </p:spPr>
+            <p:txBody>
+              <a:bodyPr wrap="none" rtlCol="0">
+                <a:spAutoFit/>
+              </a:bodyPr>
+              <a:lstStyle/>
+              <a:p>
+                <a:r>
+                  <a:rPr lang="en-US" dirty="0" smtClean="0"/>
+                  <a:t>Rural</a:t>
+                </a:r>
+                <a:endParaRPr lang="en-US" dirty="0"/>
+              </a:p>
+            </p:txBody>
+          </p:sp>
+          <p:sp>
+            <p:nvSpPr>
+              <p:cNvPr id="220" name="TextBox 219"/>
+              <p:cNvSpPr txBox="1"/>
+              <p:nvPr/>
+            </p:nvSpPr>
+            <p:spPr>
+              <a:xfrm>
+                <a:off x="4960444" y="1993505"/>
+                <a:ext cx="766557" cy="369332"/>
+              </a:xfrm>
+              <a:prstGeom prst="rect">
+                <a:avLst/>
+              </a:prstGeom>
+              <a:noFill/>
+            </p:spPr>
+            <p:txBody>
+              <a:bodyPr wrap="none" rtlCol="0">
+                <a:spAutoFit/>
+              </a:bodyPr>
+              <a:lstStyle/>
+              <a:p>
+                <a:r>
+                  <a:rPr lang="en-US" smtClean="0"/>
+                  <a:t>Urban</a:t>
+                </a:r>
+                <a:endParaRPr lang="en-US"/>
+              </a:p>
+            </p:txBody>
+          </p:sp>
+          <p:sp>
+            <p:nvSpPr>
+              <p:cNvPr id="234" name="TextBox 233"/>
+              <p:cNvSpPr txBox="1"/>
+              <p:nvPr/>
+            </p:nvSpPr>
+            <p:spPr>
+              <a:xfrm>
+                <a:off x="1553034" y="673412"/>
+                <a:ext cx="362600" cy="461665"/>
+              </a:xfrm>
+              <a:prstGeom prst="rect">
+                <a:avLst/>
+              </a:prstGeom>
+              <a:noFill/>
+            </p:spPr>
+            <p:txBody>
+              <a:bodyPr wrap="none" rtlCol="0">
+                <a:spAutoFit/>
+              </a:bodyPr>
+              <a:lstStyle/>
+              <a:p>
+                <a:r>
+                  <a:rPr lang="en-US" sz="2400" dirty="0" smtClean="0"/>
+                  <a:t>A</a:t>
+                </a:r>
+                <a:endParaRPr lang="en-US" sz="2400" dirty="0"/>
+              </a:p>
+            </p:txBody>
+          </p:sp>
+        </p:grpSp>
+        <p:grpSp>
+          <p:nvGrpSpPr>
+            <p:cNvPr id="7" name="Group 6"/>
+            <p:cNvGrpSpPr/>
+            <p:nvPr/>
+          </p:nvGrpSpPr>
+          <p:grpSpPr>
+            <a:xfrm>
+              <a:off x="5859339" y="603389"/>
+              <a:ext cx="4482522" cy="2722395"/>
+              <a:chOff x="5859339" y="603389"/>
+              <a:chExt cx="4482522" cy="2722395"/>
+            </a:xfrm>
+          </p:grpSpPr>
+          <p:sp>
+            <p:nvSpPr>
+              <p:cNvPr id="248" name="Rectangle 247"/>
+              <p:cNvSpPr/>
+              <p:nvPr/>
+            </p:nvSpPr>
+            <p:spPr>
+              <a:xfrm>
+                <a:off x="6694795" y="1404730"/>
+                <a:ext cx="342348" cy="1309663"/>
+              </a:xfrm>
+              <a:prstGeom prst="rect">
+                <a:avLst/>
+              </a:prstGeom>
+              <a:solidFill>
+                <a:schemeClr val="bg1">
+                  <a:lumMod val="65000"/>
+                </a:schemeClr>
+              </a:solidFill>
+              <a:ln>
+                <a:noFill/>
+              </a:ln>
+            </p:spPr>
+            <p:style>
+              <a:lnRef idx="2">
+                <a:schemeClr val="accent1">
+                  <a:shade val="50000"/>
+                </a:schemeClr>
+              </a:lnRef>
+              <a:fillRef idx="1">
+                <a:schemeClr val="accent1"/>
+              </a:fillRef>
+              <a:effectRef idx="0">
+                <a:schemeClr val="accent1"/>
+              </a:effectRef>
+              <a:fontRef idx="minor">
+                <a:schemeClr val="lt1"/>
+              </a:fontRef>
+            </p:style>
+            <p:txBody>
+              <a:bodyPr rtlCol="0" anchor="ctr"/>
+              <a:lstStyle/>
+              <a:p>
+                <a:pPr algn="ctr"/>
+                <a:endParaRPr lang="en-US"/>
+              </a:p>
+            </p:txBody>
+          </p:sp>
+          <p:sp>
+            <p:nvSpPr>
+              <p:cNvPr id="249" name="Rectangle 248"/>
+              <p:cNvSpPr/>
+              <p:nvPr/>
+            </p:nvSpPr>
+            <p:spPr>
+              <a:xfrm>
+                <a:off x="7039590" y="1616765"/>
+                <a:ext cx="342348" cy="1097627"/>
+              </a:xfrm>
+              <a:prstGeom prst="rect">
+                <a:avLst/>
+              </a:prstGeom>
+              <a:solidFill>
+                <a:schemeClr val="bg1">
+                  <a:lumMod val="65000"/>
+                </a:schemeClr>
+              </a:solidFill>
+              <a:ln>
+                <a:noFill/>
+              </a:ln>
+            </p:spPr>
+            <p:style>
+              <a:lnRef idx="2">
+                <a:schemeClr val="accent1">
+                  <a:shade val="50000"/>
+                </a:schemeClr>
+              </a:lnRef>
+              <a:fillRef idx="1">
+                <a:schemeClr val="accent1"/>
+              </a:fillRef>
+              <a:effectRef idx="0">
+                <a:schemeClr val="accent1"/>
+              </a:effectRef>
+              <a:fontRef idx="minor">
+                <a:schemeClr val="lt1"/>
+              </a:fontRef>
+            </p:style>
+            <p:txBody>
+              <a:bodyPr rtlCol="0" anchor="ctr"/>
+              <a:lstStyle/>
+              <a:p>
+                <a:pPr algn="ctr"/>
+                <a:endParaRPr lang="en-US"/>
+              </a:p>
+            </p:txBody>
+          </p:sp>
+          <p:sp>
+            <p:nvSpPr>
+              <p:cNvPr id="250" name="Rectangle 249"/>
+              <p:cNvSpPr/>
+              <p:nvPr/>
+            </p:nvSpPr>
+            <p:spPr>
+              <a:xfrm>
+                <a:off x="7384096" y="1842052"/>
+                <a:ext cx="322990" cy="872339"/>
+              </a:xfrm>
+              <a:prstGeom prst="rect">
+                <a:avLst/>
+              </a:prstGeom>
+              <a:solidFill>
+                <a:schemeClr val="bg1">
+                  <a:lumMod val="65000"/>
+                </a:schemeClr>
+              </a:solidFill>
+              <a:ln>
+                <a:noFill/>
+              </a:ln>
+            </p:spPr>
+            <p:style>
+              <a:lnRef idx="2">
+                <a:schemeClr val="accent1">
+                  <a:shade val="50000"/>
+                </a:schemeClr>
+              </a:lnRef>
+              <a:fillRef idx="1">
+                <a:schemeClr val="accent1"/>
+              </a:fillRef>
+              <a:effectRef idx="0">
+                <a:schemeClr val="accent1"/>
+              </a:effectRef>
+              <a:fontRef idx="minor">
+                <a:schemeClr val="lt1"/>
+              </a:fontRef>
+            </p:style>
+            <p:txBody>
+              <a:bodyPr rtlCol="0" anchor="ctr"/>
+              <a:lstStyle/>
+              <a:p>
+                <a:pPr algn="ctr"/>
+                <a:endParaRPr lang="en-US"/>
+              </a:p>
+            </p:txBody>
+          </p:sp>
+          <p:sp>
+            <p:nvSpPr>
+              <p:cNvPr id="251" name="Rectangle 250"/>
+              <p:cNvSpPr/>
+              <p:nvPr/>
+            </p:nvSpPr>
+            <p:spPr>
+              <a:xfrm>
+                <a:off x="7715400" y="2060713"/>
+                <a:ext cx="342348" cy="653678"/>
+              </a:xfrm>
+              <a:prstGeom prst="rect">
+                <a:avLst/>
+              </a:prstGeom>
+              <a:solidFill>
+                <a:schemeClr val="bg1">
+                  <a:lumMod val="65000"/>
+                </a:schemeClr>
+              </a:solidFill>
+              <a:ln>
+                <a:noFill/>
+              </a:ln>
+            </p:spPr>
+            <p:style>
+              <a:lnRef idx="2">
+                <a:schemeClr val="accent1">
+                  <a:shade val="50000"/>
+                </a:schemeClr>
+              </a:lnRef>
+              <a:fillRef idx="1">
+                <a:schemeClr val="accent1"/>
+              </a:fillRef>
+              <a:effectRef idx="0">
+                <a:schemeClr val="accent1"/>
+              </a:effectRef>
+              <a:fontRef idx="minor">
+                <a:schemeClr val="lt1"/>
+              </a:fontRef>
+            </p:style>
+            <p:txBody>
+              <a:bodyPr rtlCol="0" anchor="ctr"/>
+              <a:lstStyle/>
+              <a:p>
+                <a:pPr algn="ctr"/>
+                <a:endParaRPr lang="en-US"/>
+              </a:p>
+            </p:txBody>
+          </p:sp>
+          <p:sp>
+            <p:nvSpPr>
+              <p:cNvPr id="252" name="Rectangle 251"/>
+              <p:cNvSpPr/>
+              <p:nvPr/>
+            </p:nvSpPr>
+            <p:spPr>
+              <a:xfrm>
+                <a:off x="8046139" y="2272747"/>
+                <a:ext cx="342348" cy="441643"/>
+              </a:xfrm>
+              <a:prstGeom prst="rect">
+                <a:avLst/>
+              </a:prstGeom>
+              <a:solidFill>
+                <a:schemeClr val="bg1">
+                  <a:lumMod val="65000"/>
+                </a:schemeClr>
+              </a:solidFill>
+              <a:ln>
+                <a:noFill/>
+              </a:ln>
+            </p:spPr>
+            <p:style>
+              <a:lnRef idx="2">
+                <a:schemeClr val="accent1">
+                  <a:shade val="50000"/>
+                </a:schemeClr>
+              </a:lnRef>
+              <a:fillRef idx="1">
+                <a:schemeClr val="accent1"/>
+              </a:fillRef>
+              <a:effectRef idx="0">
+                <a:schemeClr val="accent1"/>
+              </a:effectRef>
+              <a:fontRef idx="minor">
+                <a:schemeClr val="lt1"/>
+              </a:fontRef>
+            </p:style>
+            <p:txBody>
+              <a:bodyPr rtlCol="0" anchor="ctr"/>
+              <a:lstStyle/>
+              <a:p>
+                <a:pPr algn="ctr"/>
+                <a:endParaRPr lang="en-US"/>
+              </a:p>
+            </p:txBody>
+          </p:sp>
+          <p:sp>
+            <p:nvSpPr>
+              <p:cNvPr id="240" name="Rectangle 239"/>
+              <p:cNvSpPr/>
+              <p:nvPr/>
+            </p:nvSpPr>
+            <p:spPr>
+              <a:xfrm>
+                <a:off x="6350000" y="1185333"/>
+                <a:ext cx="355600" cy="1528997"/>
+              </a:xfrm>
+              <a:prstGeom prst="rect">
+                <a:avLst/>
+              </a:prstGeom>
+              <a:solidFill>
+                <a:schemeClr val="bg1">
+                  <a:lumMod val="65000"/>
+                </a:schemeClr>
+              </a:solidFill>
+              <a:ln>
+                <a:noFill/>
+              </a:ln>
+            </p:spPr>
+            <p:style>
+              <a:lnRef idx="2">
+                <a:schemeClr val="accent1">
+                  <a:shade val="50000"/>
+                </a:schemeClr>
+              </a:lnRef>
+              <a:fillRef idx="1">
+                <a:schemeClr val="accent1"/>
+              </a:fillRef>
+              <a:effectRef idx="0">
+                <a:schemeClr val="accent1"/>
+              </a:effectRef>
+              <a:fontRef idx="minor">
+                <a:schemeClr val="lt1"/>
+              </a:fontRef>
+            </p:style>
+            <p:txBody>
+              <a:bodyPr rtlCol="0" anchor="ctr"/>
+              <a:lstStyle/>
+              <a:p>
+                <a:pPr algn="ctr"/>
+                <a:endParaRPr lang="en-US"/>
+              </a:p>
+            </p:txBody>
+          </p:sp>
+          <p:sp>
+            <p:nvSpPr>
+              <p:cNvPr id="167" name="Rectangle 166"/>
+              <p:cNvSpPr/>
+              <p:nvPr/>
+            </p:nvSpPr>
+            <p:spPr>
+              <a:xfrm>
+                <a:off x="6340050" y="1164920"/>
+                <a:ext cx="3412272" cy="1567671"/>
+              </a:xfrm>
+              <a:prstGeom prst="rect">
+                <a:avLst/>
+              </a:prstGeom>
+              <a:noFill/>
+              <a:ln w="38100">
+                <a:solidFill>
+                  <a:schemeClr val="tx1"/>
+                </a:solidFill>
+              </a:ln>
+            </p:spPr>
+            <p:style>
+              <a:lnRef idx="2">
+                <a:schemeClr val="accent1">
+                  <a:shade val="50000"/>
+                </a:schemeClr>
+              </a:lnRef>
+              <a:fillRef idx="1">
+                <a:schemeClr val="accent1"/>
+              </a:fillRef>
+              <a:effectRef idx="0">
+                <a:schemeClr val="accent1"/>
+              </a:effectRef>
+              <a:fontRef idx="minor">
+                <a:schemeClr val="lt1"/>
+              </a:fontRef>
+            </p:style>
+            <p:txBody>
+              <a:bodyPr rtlCol="0" anchor="ctr"/>
+              <a:lstStyle/>
+              <a:p>
+                <a:pPr algn="ctr"/>
+                <a:endParaRPr lang="en-US"/>
+              </a:p>
+            </p:txBody>
+          </p:sp>
+          <p:cxnSp>
+            <p:nvCxnSpPr>
+              <p:cNvPr id="168" name="Straight Connector 167"/>
+              <p:cNvCxnSpPr/>
+              <p:nvPr/>
+            </p:nvCxnSpPr>
+            <p:spPr>
+              <a:xfrm>
+                <a:off x="6699502" y="1162430"/>
+                <a:ext cx="3995" cy="1553227"/>
+              </a:xfrm>
+              <a:prstGeom prst="line">
+                <a:avLst/>
+              </a:prstGeom>
+              <a:ln w="12700">
+                <a:solidFill>
+                  <a:schemeClr val="tx1"/>
+                </a:solidFill>
+              </a:ln>
+            </p:spPr>
+            <p:style>
+              <a:lnRef idx="1">
+                <a:schemeClr val="accent1"/>
+              </a:lnRef>
+              <a:fillRef idx="0">
+                <a:schemeClr val="accent1"/>
+              </a:fillRef>
+              <a:effectRef idx="0">
+                <a:schemeClr val="accent1"/>
+              </a:effectRef>
+              <a:fontRef idx="minor">
+                <a:schemeClr val="tx1"/>
+              </a:fontRef>
+            </p:style>
+          </p:cxnSp>
+          <p:cxnSp>
+            <p:nvCxnSpPr>
+              <p:cNvPr id="191" name="Straight Connector 190"/>
+              <p:cNvCxnSpPr/>
+              <p:nvPr/>
+            </p:nvCxnSpPr>
+            <p:spPr>
+              <a:xfrm>
+                <a:off x="7036500" y="1175305"/>
+                <a:ext cx="3995" cy="1553227"/>
+              </a:xfrm>
+              <a:prstGeom prst="line">
+                <a:avLst/>
+              </a:prstGeom>
+              <a:ln w="12700">
+                <a:solidFill>
+                  <a:schemeClr val="tx1"/>
+                </a:solidFill>
+              </a:ln>
+            </p:spPr>
+            <p:style>
+              <a:lnRef idx="1">
+                <a:schemeClr val="accent1"/>
+              </a:lnRef>
+              <a:fillRef idx="0">
+                <a:schemeClr val="accent1"/>
+              </a:fillRef>
+              <a:effectRef idx="0">
+                <a:schemeClr val="accent1"/>
+              </a:effectRef>
+              <a:fontRef idx="minor">
+                <a:schemeClr val="tx1"/>
+              </a:fontRef>
+            </p:style>
+          </p:cxnSp>
+          <p:cxnSp>
+            <p:nvCxnSpPr>
+              <p:cNvPr id="192" name="Straight Connector 191"/>
+              <p:cNvCxnSpPr/>
+              <p:nvPr/>
+            </p:nvCxnSpPr>
+            <p:spPr>
+              <a:xfrm>
+                <a:off x="7373498" y="1172915"/>
+                <a:ext cx="3995" cy="1553227"/>
+              </a:xfrm>
+              <a:prstGeom prst="line">
+                <a:avLst/>
+              </a:prstGeom>
+              <a:ln w="12700">
+                <a:solidFill>
+                  <a:schemeClr val="tx1"/>
+                </a:solidFill>
+              </a:ln>
+            </p:spPr>
+            <p:style>
+              <a:lnRef idx="1">
+                <a:schemeClr val="accent1"/>
+              </a:lnRef>
+              <a:fillRef idx="0">
+                <a:schemeClr val="accent1"/>
+              </a:fillRef>
+              <a:effectRef idx="0">
+                <a:schemeClr val="accent1"/>
+              </a:effectRef>
+              <a:fontRef idx="minor">
+                <a:schemeClr val="tx1"/>
+              </a:fontRef>
+            </p:style>
+          </p:cxnSp>
+          <p:cxnSp>
+            <p:nvCxnSpPr>
+              <p:cNvPr id="194" name="Straight Connector 193"/>
+              <p:cNvCxnSpPr/>
+              <p:nvPr/>
+            </p:nvCxnSpPr>
+            <p:spPr>
+              <a:xfrm>
+                <a:off x="7710496" y="1172167"/>
+                <a:ext cx="3995" cy="1553227"/>
+              </a:xfrm>
+              <a:prstGeom prst="line">
+                <a:avLst/>
+              </a:prstGeom>
+              <a:ln w="12700">
+                <a:solidFill>
+                  <a:schemeClr val="tx1"/>
+                </a:solidFill>
+              </a:ln>
+            </p:spPr>
+            <p:style>
+              <a:lnRef idx="1">
+                <a:schemeClr val="accent1"/>
+              </a:lnRef>
+              <a:fillRef idx="0">
+                <a:schemeClr val="accent1"/>
+              </a:fillRef>
+              <a:effectRef idx="0">
+                <a:schemeClr val="accent1"/>
+              </a:effectRef>
+              <a:fontRef idx="minor">
+                <a:schemeClr val="tx1"/>
+              </a:fontRef>
+            </p:style>
+          </p:cxnSp>
+          <p:cxnSp>
+            <p:nvCxnSpPr>
+              <p:cNvPr id="195" name="Straight Connector 194"/>
+              <p:cNvCxnSpPr/>
+              <p:nvPr/>
+            </p:nvCxnSpPr>
+            <p:spPr>
+              <a:xfrm>
+                <a:off x="8047494" y="1173631"/>
+                <a:ext cx="3995" cy="1553227"/>
+              </a:xfrm>
+              <a:prstGeom prst="line">
+                <a:avLst/>
+              </a:prstGeom>
+              <a:ln w="12700">
+                <a:solidFill>
+                  <a:schemeClr val="tx1"/>
+                </a:solidFill>
+              </a:ln>
+            </p:spPr>
+            <p:style>
+              <a:lnRef idx="1">
+                <a:schemeClr val="accent1"/>
+              </a:lnRef>
+              <a:fillRef idx="0">
+                <a:schemeClr val="accent1"/>
+              </a:fillRef>
+              <a:effectRef idx="0">
+                <a:schemeClr val="accent1"/>
+              </a:effectRef>
+              <a:fontRef idx="minor">
+                <a:schemeClr val="tx1"/>
+              </a:fontRef>
+            </p:style>
+          </p:cxnSp>
+          <p:cxnSp>
+            <p:nvCxnSpPr>
+              <p:cNvPr id="196" name="Straight Connector 195"/>
+              <p:cNvCxnSpPr/>
+              <p:nvPr/>
+            </p:nvCxnSpPr>
+            <p:spPr>
+              <a:xfrm>
+                <a:off x="8384492" y="1162430"/>
+                <a:ext cx="3995" cy="1553227"/>
+              </a:xfrm>
+              <a:prstGeom prst="line">
+                <a:avLst/>
+              </a:prstGeom>
+              <a:ln w="12700">
+                <a:solidFill>
+                  <a:schemeClr val="tx1"/>
+                </a:solidFill>
+              </a:ln>
+            </p:spPr>
+            <p:style>
+              <a:lnRef idx="1">
+                <a:schemeClr val="accent1"/>
+              </a:lnRef>
+              <a:fillRef idx="0">
+                <a:schemeClr val="accent1"/>
+              </a:fillRef>
+              <a:effectRef idx="0">
+                <a:schemeClr val="accent1"/>
+              </a:effectRef>
+              <a:fontRef idx="minor">
+                <a:schemeClr val="tx1"/>
+              </a:fontRef>
+            </p:style>
+          </p:cxnSp>
+          <p:cxnSp>
+            <p:nvCxnSpPr>
+              <p:cNvPr id="197" name="Straight Connector 196"/>
+              <p:cNvCxnSpPr/>
+              <p:nvPr/>
+            </p:nvCxnSpPr>
+            <p:spPr>
+              <a:xfrm>
+                <a:off x="8721490" y="1162430"/>
+                <a:ext cx="3995" cy="1553227"/>
+              </a:xfrm>
+              <a:prstGeom prst="line">
+                <a:avLst/>
+              </a:prstGeom>
+              <a:ln w="12700">
+                <a:solidFill>
+                  <a:schemeClr val="tx1"/>
+                </a:solidFill>
+              </a:ln>
+            </p:spPr>
+            <p:style>
+              <a:lnRef idx="1">
+                <a:schemeClr val="accent1"/>
+              </a:lnRef>
+              <a:fillRef idx="0">
+                <a:schemeClr val="accent1"/>
+              </a:fillRef>
+              <a:effectRef idx="0">
+                <a:schemeClr val="accent1"/>
+              </a:effectRef>
+              <a:fontRef idx="minor">
+                <a:schemeClr val="tx1"/>
+              </a:fontRef>
+            </p:style>
+          </p:cxnSp>
+          <p:cxnSp>
+            <p:nvCxnSpPr>
+              <p:cNvPr id="198" name="Straight Connector 197"/>
+              <p:cNvCxnSpPr/>
+              <p:nvPr/>
+            </p:nvCxnSpPr>
+            <p:spPr>
+              <a:xfrm>
+                <a:off x="9395483" y="1167654"/>
+                <a:ext cx="3995" cy="1553227"/>
+              </a:xfrm>
+              <a:prstGeom prst="line">
+                <a:avLst/>
+              </a:prstGeom>
+              <a:ln w="12700">
+                <a:solidFill>
+                  <a:schemeClr val="tx1"/>
+                </a:solidFill>
+              </a:ln>
+            </p:spPr>
+            <p:style>
+              <a:lnRef idx="1">
+                <a:schemeClr val="accent1"/>
+              </a:lnRef>
+              <a:fillRef idx="0">
+                <a:schemeClr val="accent1"/>
+              </a:fillRef>
+              <a:effectRef idx="0">
+                <a:schemeClr val="accent1"/>
+              </a:effectRef>
+              <a:fontRef idx="minor">
+                <a:schemeClr val="tx1"/>
+              </a:fontRef>
+            </p:style>
+          </p:cxnSp>
+          <p:cxnSp>
+            <p:nvCxnSpPr>
+              <p:cNvPr id="199" name="Straight Connector 198"/>
+              <p:cNvCxnSpPr/>
+              <p:nvPr/>
+            </p:nvCxnSpPr>
+            <p:spPr>
+              <a:xfrm>
+                <a:off x="9058488" y="1161103"/>
+                <a:ext cx="3995" cy="1553227"/>
+              </a:xfrm>
+              <a:prstGeom prst="line">
+                <a:avLst/>
+              </a:prstGeom>
+              <a:ln w="12700">
+                <a:solidFill>
+                  <a:schemeClr val="tx1"/>
+                </a:solidFill>
+              </a:ln>
+            </p:spPr>
+            <p:style>
+              <a:lnRef idx="1">
+                <a:schemeClr val="accent1"/>
+              </a:lnRef>
+              <a:fillRef idx="0">
+                <a:schemeClr val="accent1"/>
+              </a:fillRef>
+              <a:effectRef idx="0">
+                <a:schemeClr val="accent1"/>
+              </a:effectRef>
+              <a:fontRef idx="minor">
+                <a:schemeClr val="tx1"/>
+              </a:fontRef>
+            </p:style>
+          </p:cxnSp>
+          <p:sp>
+            <p:nvSpPr>
+              <p:cNvPr id="212" name="TextBox 211"/>
+              <p:cNvSpPr txBox="1"/>
+              <p:nvPr/>
+            </p:nvSpPr>
+            <p:spPr>
+              <a:xfrm rot="18900000">
+                <a:off x="9347678" y="603389"/>
+                <a:ext cx="994183" cy="369332"/>
+              </a:xfrm>
+              <a:prstGeom prst="rect">
+                <a:avLst/>
+              </a:prstGeom>
+              <a:noFill/>
+            </p:spPr>
+            <p:txBody>
+              <a:bodyPr wrap="none" rtlCol="0">
+                <a:spAutoFit/>
+              </a:bodyPr>
+              <a:lstStyle/>
+              <a:p>
+                <a:pPr algn="ctr"/>
+                <a:r>
+                  <a:rPr lang="en-US" dirty="0"/>
+                  <a:t>K</a:t>
+                </a:r>
+                <a:r>
+                  <a:rPr lang="en-US" dirty="0" smtClean="0"/>
+                  <a:t> = 1000</a:t>
+                </a:r>
+                <a:endParaRPr lang="en-US" dirty="0"/>
+              </a:p>
+            </p:txBody>
+          </p:sp>
+          <p:sp>
+            <p:nvSpPr>
+              <p:cNvPr id="216" name="TextBox 215"/>
+              <p:cNvSpPr txBox="1"/>
+              <p:nvPr/>
+            </p:nvSpPr>
+            <p:spPr>
+              <a:xfrm rot="18900000">
+                <a:off x="6302330" y="606423"/>
+                <a:ext cx="994183" cy="369332"/>
+              </a:xfrm>
+              <a:prstGeom prst="rect">
+                <a:avLst/>
+              </a:prstGeom>
+              <a:noFill/>
+            </p:spPr>
+            <p:txBody>
+              <a:bodyPr wrap="none" rtlCol="0">
+                <a:spAutoFit/>
+              </a:bodyPr>
+              <a:lstStyle/>
+              <a:p>
+                <a:pPr algn="ctr"/>
+                <a:r>
+                  <a:rPr lang="en-US" dirty="0"/>
+                  <a:t>K</a:t>
+                </a:r>
+                <a:r>
+                  <a:rPr lang="en-US" dirty="0" smtClean="0"/>
+                  <a:t> = 1000</a:t>
+                </a:r>
+                <a:endParaRPr lang="en-US" dirty="0"/>
+              </a:p>
+            </p:txBody>
+          </p:sp>
+          <p:sp>
+            <p:nvSpPr>
+              <p:cNvPr id="221" name="TextBox 220"/>
+              <p:cNvSpPr txBox="1"/>
+              <p:nvPr/>
+            </p:nvSpPr>
+            <p:spPr>
+              <a:xfrm>
+                <a:off x="9461939" y="2723614"/>
+                <a:ext cx="766557" cy="369332"/>
+              </a:xfrm>
+              <a:prstGeom prst="rect">
+                <a:avLst/>
+              </a:prstGeom>
+              <a:noFill/>
+            </p:spPr>
+            <p:txBody>
+              <a:bodyPr wrap="none" rtlCol="0">
+                <a:spAutoFit/>
+              </a:bodyPr>
+              <a:lstStyle/>
+              <a:p>
+                <a:r>
+                  <a:rPr lang="en-US" smtClean="0"/>
+                  <a:t>Urban</a:t>
+                </a:r>
+                <a:endParaRPr lang="en-US"/>
+              </a:p>
+            </p:txBody>
+          </p:sp>
+          <p:sp>
+            <p:nvSpPr>
+              <p:cNvPr id="223" name="TextBox 222"/>
+              <p:cNvSpPr txBox="1"/>
+              <p:nvPr/>
+            </p:nvSpPr>
+            <p:spPr>
+              <a:xfrm>
+                <a:off x="5859339" y="2728532"/>
+                <a:ext cx="670568" cy="369332"/>
+              </a:xfrm>
+              <a:prstGeom prst="rect">
+                <a:avLst/>
+              </a:prstGeom>
+              <a:noFill/>
+            </p:spPr>
+            <p:txBody>
+              <a:bodyPr wrap="none" rtlCol="0">
+                <a:spAutoFit/>
+              </a:bodyPr>
+              <a:lstStyle/>
+              <a:p>
+                <a:r>
+                  <a:rPr lang="en-US" dirty="0" smtClean="0"/>
+                  <a:t>Rural</a:t>
+                </a:r>
+                <a:endParaRPr lang="en-US" dirty="0"/>
+              </a:p>
+            </p:txBody>
+          </p:sp>
+          <p:sp>
+            <p:nvSpPr>
+              <p:cNvPr id="227" name="U-Turn Arrow 226"/>
+              <p:cNvSpPr/>
+              <p:nvPr/>
+            </p:nvSpPr>
+            <p:spPr>
+              <a:xfrm flipV="1">
+                <a:off x="6541284" y="2751973"/>
+                <a:ext cx="321611" cy="269675"/>
+              </a:xfrm>
+              <a:prstGeom prst="uturnArrow">
+                <a:avLst>
+                  <a:gd name="adj1" fmla="val 3061"/>
+                  <a:gd name="adj2" fmla="val 9044"/>
+                  <a:gd name="adj3" fmla="val 9044"/>
+                  <a:gd name="adj4" fmla="val 43750"/>
+                  <a:gd name="adj5" fmla="val 100000"/>
+                </a:avLst>
+              </a:prstGeom>
+              <a:solidFill>
+                <a:schemeClr val="tx1"/>
+              </a:solidFill>
+              <a:ln>
+                <a:solidFill>
+                  <a:schemeClr val="tx1"/>
+                </a:solidFill>
+              </a:ln>
+            </p:spPr>
+            <p:style>
+              <a:lnRef idx="2">
+                <a:schemeClr val="accent1">
+                  <a:shade val="50000"/>
+                </a:schemeClr>
+              </a:lnRef>
+              <a:fillRef idx="1">
+                <a:schemeClr val="accent1"/>
+              </a:fillRef>
+              <a:effectRef idx="0">
+                <a:schemeClr val="accent1"/>
+              </a:effectRef>
+              <a:fontRef idx="minor">
+                <a:schemeClr val="lt1"/>
+              </a:fontRef>
+            </p:style>
+            <p:txBody>
+              <a:bodyPr rtlCol="0" anchor="ctr"/>
+              <a:lstStyle/>
+              <a:p>
+                <a:pPr algn="ctr"/>
+                <a:endParaRPr lang="en-US">
+                  <a:solidFill>
+                    <a:schemeClr val="tx1"/>
+                  </a:solidFill>
+                </a:endParaRPr>
+              </a:p>
+            </p:txBody>
+          </p:sp>
+          <p:sp>
+            <p:nvSpPr>
+              <p:cNvPr id="228" name="U-Turn Arrow 227"/>
+              <p:cNvSpPr/>
+              <p:nvPr/>
+            </p:nvSpPr>
+            <p:spPr>
+              <a:xfrm flipV="1">
+                <a:off x="7890683" y="2745879"/>
+                <a:ext cx="321611" cy="269675"/>
+              </a:xfrm>
+              <a:prstGeom prst="uturnArrow">
+                <a:avLst>
+                  <a:gd name="adj1" fmla="val 3061"/>
+                  <a:gd name="adj2" fmla="val 9044"/>
+                  <a:gd name="adj3" fmla="val 9044"/>
+                  <a:gd name="adj4" fmla="val 43750"/>
+                  <a:gd name="adj5" fmla="val 100000"/>
+                </a:avLst>
+              </a:prstGeom>
+              <a:solidFill>
+                <a:schemeClr val="tx1"/>
+              </a:solidFill>
+              <a:ln>
+                <a:solidFill>
+                  <a:schemeClr val="tx1"/>
+                </a:solidFill>
+              </a:ln>
+            </p:spPr>
+            <p:style>
+              <a:lnRef idx="2">
+                <a:schemeClr val="accent1">
+                  <a:shade val="50000"/>
+                </a:schemeClr>
+              </a:lnRef>
+              <a:fillRef idx="1">
+                <a:schemeClr val="accent1"/>
+              </a:fillRef>
+              <a:effectRef idx="0">
+                <a:schemeClr val="accent1"/>
+              </a:effectRef>
+              <a:fontRef idx="minor">
+                <a:schemeClr val="lt1"/>
+              </a:fontRef>
+            </p:style>
+            <p:txBody>
+              <a:bodyPr rtlCol="0" anchor="ctr"/>
+              <a:lstStyle/>
+              <a:p>
+                <a:pPr algn="ctr"/>
+                <a:endParaRPr lang="en-US">
+                  <a:solidFill>
+                    <a:schemeClr val="tx1"/>
+                  </a:solidFill>
+                </a:endParaRPr>
+              </a:p>
+            </p:txBody>
+          </p:sp>
+          <p:sp>
+            <p:nvSpPr>
+              <p:cNvPr id="229" name="U-Turn Arrow 228"/>
+              <p:cNvSpPr/>
+              <p:nvPr/>
+            </p:nvSpPr>
+            <p:spPr>
+              <a:xfrm flipV="1">
+                <a:off x="6869619" y="2751973"/>
+                <a:ext cx="321611" cy="269675"/>
+              </a:xfrm>
+              <a:prstGeom prst="uturnArrow">
+                <a:avLst>
+                  <a:gd name="adj1" fmla="val 3061"/>
+                  <a:gd name="adj2" fmla="val 9044"/>
+                  <a:gd name="adj3" fmla="val 9044"/>
+                  <a:gd name="adj4" fmla="val 43750"/>
+                  <a:gd name="adj5" fmla="val 100000"/>
+                </a:avLst>
+              </a:prstGeom>
+              <a:solidFill>
+                <a:schemeClr val="tx1"/>
+              </a:solidFill>
+              <a:ln>
+                <a:solidFill>
+                  <a:schemeClr val="tx1"/>
+                </a:solidFill>
+              </a:ln>
+            </p:spPr>
+            <p:style>
+              <a:lnRef idx="2">
+                <a:schemeClr val="accent1">
+                  <a:shade val="50000"/>
+                </a:schemeClr>
+              </a:lnRef>
+              <a:fillRef idx="1">
+                <a:schemeClr val="accent1"/>
+              </a:fillRef>
+              <a:effectRef idx="0">
+                <a:schemeClr val="accent1"/>
+              </a:effectRef>
+              <a:fontRef idx="minor">
+                <a:schemeClr val="lt1"/>
+              </a:fontRef>
+            </p:style>
+            <p:txBody>
+              <a:bodyPr rtlCol="0" anchor="ctr"/>
+              <a:lstStyle/>
+              <a:p>
+                <a:pPr algn="ctr"/>
+                <a:endParaRPr lang="en-US">
+                  <a:solidFill>
+                    <a:schemeClr val="tx1"/>
+                  </a:solidFill>
+                </a:endParaRPr>
+              </a:p>
+            </p:txBody>
+          </p:sp>
+          <p:sp>
+            <p:nvSpPr>
+              <p:cNvPr id="230" name="U-Turn Arrow 229"/>
+              <p:cNvSpPr/>
+              <p:nvPr/>
+            </p:nvSpPr>
+            <p:spPr>
+              <a:xfrm flipV="1">
+                <a:off x="7212692" y="2751973"/>
+                <a:ext cx="321611" cy="269675"/>
+              </a:xfrm>
+              <a:prstGeom prst="uturnArrow">
+                <a:avLst>
+                  <a:gd name="adj1" fmla="val 3061"/>
+                  <a:gd name="adj2" fmla="val 9044"/>
+                  <a:gd name="adj3" fmla="val 9044"/>
+                  <a:gd name="adj4" fmla="val 43750"/>
+                  <a:gd name="adj5" fmla="val 100000"/>
+                </a:avLst>
+              </a:prstGeom>
+              <a:solidFill>
+                <a:schemeClr val="tx1"/>
+              </a:solidFill>
+              <a:ln>
+                <a:solidFill>
+                  <a:schemeClr val="tx1"/>
+                </a:solidFill>
+              </a:ln>
+            </p:spPr>
+            <p:style>
+              <a:lnRef idx="2">
+                <a:schemeClr val="accent1">
+                  <a:shade val="50000"/>
+                </a:schemeClr>
+              </a:lnRef>
+              <a:fillRef idx="1">
+                <a:schemeClr val="accent1"/>
+              </a:fillRef>
+              <a:effectRef idx="0">
+                <a:schemeClr val="accent1"/>
+              </a:effectRef>
+              <a:fontRef idx="minor">
+                <a:schemeClr val="lt1"/>
+              </a:fontRef>
+            </p:style>
+            <p:txBody>
+              <a:bodyPr rtlCol="0" anchor="ctr"/>
+              <a:lstStyle/>
+              <a:p>
+                <a:pPr algn="ctr"/>
+                <a:endParaRPr lang="en-US">
+                  <a:solidFill>
+                    <a:schemeClr val="tx1"/>
+                  </a:solidFill>
+                </a:endParaRPr>
+              </a:p>
+            </p:txBody>
+          </p:sp>
+          <p:sp>
+            <p:nvSpPr>
+              <p:cNvPr id="231" name="U-Turn Arrow 230"/>
+              <p:cNvSpPr/>
+              <p:nvPr/>
+            </p:nvSpPr>
+            <p:spPr>
+              <a:xfrm flipV="1">
+                <a:off x="7549687" y="2751973"/>
+                <a:ext cx="321611" cy="269675"/>
+              </a:xfrm>
+              <a:prstGeom prst="uturnArrow">
+                <a:avLst>
+                  <a:gd name="adj1" fmla="val 3061"/>
+                  <a:gd name="adj2" fmla="val 9044"/>
+                  <a:gd name="adj3" fmla="val 9044"/>
+                  <a:gd name="adj4" fmla="val 43750"/>
+                  <a:gd name="adj5" fmla="val 100000"/>
+                </a:avLst>
+              </a:prstGeom>
+              <a:solidFill>
+                <a:schemeClr val="tx1"/>
+              </a:solidFill>
+              <a:ln>
+                <a:solidFill>
+                  <a:schemeClr val="tx1"/>
+                </a:solidFill>
+              </a:ln>
+            </p:spPr>
+            <p:style>
+              <a:lnRef idx="2">
+                <a:schemeClr val="accent1">
+                  <a:shade val="50000"/>
+                </a:schemeClr>
+              </a:lnRef>
+              <a:fillRef idx="1">
+                <a:schemeClr val="accent1"/>
+              </a:fillRef>
+              <a:effectRef idx="0">
+                <a:schemeClr val="accent1"/>
+              </a:effectRef>
+              <a:fontRef idx="minor">
+                <a:schemeClr val="lt1"/>
+              </a:fontRef>
+            </p:style>
+            <p:txBody>
+              <a:bodyPr rtlCol="0" anchor="ctr"/>
+              <a:lstStyle/>
+              <a:p>
+                <a:pPr algn="ctr"/>
+                <a:endParaRPr lang="en-US">
+                  <a:solidFill>
+                    <a:schemeClr val="tx1"/>
+                  </a:solidFill>
+                </a:endParaRPr>
+              </a:p>
+            </p:txBody>
+          </p:sp>
+          <p:sp>
+            <p:nvSpPr>
+              <p:cNvPr id="232" name="TextBox 231"/>
+              <p:cNvSpPr txBox="1"/>
+              <p:nvPr/>
+            </p:nvSpPr>
+            <p:spPr>
+              <a:xfrm>
+                <a:off x="6710414" y="2956452"/>
+                <a:ext cx="1349087" cy="369332"/>
+              </a:xfrm>
+              <a:prstGeom prst="rect">
+                <a:avLst/>
+              </a:prstGeom>
+              <a:noFill/>
+            </p:spPr>
+            <p:txBody>
+              <a:bodyPr wrap="none" rtlCol="0">
+                <a:spAutoFit/>
+              </a:bodyPr>
+              <a:lstStyle/>
+              <a:p>
+                <a:r>
+                  <a:rPr lang="en-US" smtClean="0"/>
+                  <a:t>Colonization</a:t>
+                </a:r>
+                <a:endParaRPr lang="en-US"/>
+              </a:p>
+            </p:txBody>
+          </p:sp>
+          <p:sp>
+            <p:nvSpPr>
+              <p:cNvPr id="235" name="TextBox 234"/>
+              <p:cNvSpPr txBox="1"/>
+              <p:nvPr/>
+            </p:nvSpPr>
+            <p:spPr>
+              <a:xfrm>
+                <a:off x="6005869" y="673412"/>
+                <a:ext cx="362600" cy="461665"/>
+              </a:xfrm>
+              <a:prstGeom prst="rect">
+                <a:avLst/>
+              </a:prstGeom>
+              <a:noFill/>
+            </p:spPr>
+            <p:txBody>
+              <a:bodyPr wrap="none" rtlCol="0">
+                <a:spAutoFit/>
+              </a:bodyPr>
+              <a:lstStyle/>
+              <a:p>
+                <a:r>
+                  <a:rPr lang="en-US" sz="2400" dirty="0" smtClean="0"/>
+                  <a:t>B</a:t>
+                </a:r>
+                <a:endParaRPr lang="en-US" sz="2400" dirty="0"/>
+              </a:p>
+            </p:txBody>
+          </p:sp>
+        </p:grpSp>
+        <p:grpSp>
+          <p:nvGrpSpPr>
+            <p:cNvPr id="11" name="Group 10"/>
+            <p:cNvGrpSpPr/>
+            <p:nvPr/>
+          </p:nvGrpSpPr>
+          <p:grpSpPr>
+            <a:xfrm>
+              <a:off x="1553034" y="3474674"/>
+              <a:ext cx="8215356" cy="3122851"/>
+              <a:chOff x="1553034" y="3474674"/>
+              <a:chExt cx="8215356" cy="3122851"/>
             </a:xfrm>
           </p:grpSpPr>
           <p:grpSp>
             <p:nvGrpSpPr>
-              <p:cNvPr id="253" name="Group 252"/>
+              <p:cNvPr id="166" name="Group 165"/>
               <p:cNvGrpSpPr/>
               <p:nvPr/>
             </p:nvGrpSpPr>
             <p:grpSpPr>
               <a:xfrm>
-                <a:off x="1399050" y="603389"/>
-                <a:ext cx="8942811" cy="5994136"/>
-                <a:chOff x="1399050" y="603389"/>
-                <a:chExt cx="8942811" cy="5994136"/>
+                <a:off x="1855759" y="3475692"/>
+                <a:ext cx="7912631" cy="3121833"/>
+                <a:chOff x="1285016" y="3219190"/>
+                <a:chExt cx="7912631" cy="3121833"/>
               </a:xfrm>
             </p:grpSpPr>
             <p:sp>
               <p:nvSpPr>
-                <p:cNvPr id="248" name="Rectangle 247"/>
+                <p:cNvPr id="126" name="Rounded Rectangle 125"/>
                 <p:cNvSpPr/>
                 <p:nvPr/>
               </p:nvSpPr>
               <p:spPr>
                 <a:xfrm>
-                  <a:off x="6694795" y="1404730"/>
-                  <a:ext cx="342348" cy="1309663"/>
+                  <a:off x="2329841" y="4672207"/>
+                  <a:ext cx="726511" cy="726511"/>
                 </a:xfrm>
-                <a:prstGeom prst="rect">
+                <a:prstGeom prst="roundRect">
                   <a:avLst/>
                 </a:prstGeom>
-                <a:solidFill>
-                  <a:schemeClr val="bg1">
-                    <a:lumMod val="65000"/>
-                  </a:schemeClr>
-                </a:solidFill>
-                <a:ln>
-                  <a:noFill/>
+                <a:noFill/>
+                <a:ln w="38100">
+                  <a:solidFill>
+                    <a:schemeClr val="tx1"/>
+                  </a:solidFill>
                 </a:ln>
               </p:spPr>
               <p:style>
@@ -3062,25 +4818,23 @@
             </p:sp>
             <p:sp>
               <p:nvSpPr>
-                <p:cNvPr id="249" name="Rectangle 248"/>
+                <p:cNvPr id="127" name="Rounded Rectangle 126"/>
                 <p:cNvSpPr/>
                 <p:nvPr/>
               </p:nvSpPr>
               <p:spPr>
                 <a:xfrm>
-                  <a:off x="7039590" y="1616765"/>
-                  <a:ext cx="342348" cy="1097627"/>
+                  <a:off x="4073044" y="4341311"/>
+                  <a:ext cx="1388302" cy="1388302"/>
                 </a:xfrm>
-                <a:prstGeom prst="rect">
+                <a:prstGeom prst="roundRect">
                   <a:avLst/>
                 </a:prstGeom>
-                <a:solidFill>
-                  <a:schemeClr val="bg1">
-                    <a:lumMod val="65000"/>
-                  </a:schemeClr>
-                </a:solidFill>
-                <a:ln>
-                  <a:noFill/>
+                <a:noFill/>
+                <a:ln w="38100">
+                  <a:solidFill>
+                    <a:schemeClr val="tx1"/>
+                  </a:solidFill>
                 </a:ln>
               </p:spPr>
               <p:style>
@@ -3110,25 +4864,523 @@
             </p:sp>
             <p:sp>
               <p:nvSpPr>
-                <p:cNvPr id="250" name="Rectangle 249"/>
+                <p:cNvPr id="128" name="Rounded Rectangle 127"/>
                 <p:cNvSpPr/>
                 <p:nvPr/>
               </p:nvSpPr>
               <p:spPr>
                 <a:xfrm>
-                  <a:off x="7384096" y="1842052"/>
-                  <a:ext cx="342348" cy="872339"/>
+                  <a:off x="6479759" y="4341311"/>
+                  <a:ext cx="1388302" cy="1388302"/>
+                </a:xfrm>
+                <a:prstGeom prst="roundRect">
+                  <a:avLst/>
+                </a:prstGeom>
+                <a:noFill/>
+                <a:ln w="38100">
+                  <a:solidFill>
+                    <a:schemeClr val="tx1"/>
+                  </a:solidFill>
+                </a:ln>
+              </p:spPr>
+              <p:style>
+                <a:lnRef idx="2">
+                  <a:schemeClr val="accent1">
+                    <a:shade val="50000"/>
+                  </a:schemeClr>
+                </a:lnRef>
+                <a:fillRef idx="1">
+                  <a:schemeClr val="accent1"/>
+                </a:fillRef>
+                <a:effectRef idx="0">
+                  <a:schemeClr val="accent1"/>
+                </a:effectRef>
+                <a:fontRef idx="minor">
+                  <a:schemeClr val="lt1"/>
+                </a:fontRef>
+              </p:style>
+              <p:txBody>
+                <a:bodyPr rtlCol="0" anchor="ctr"/>
+                <a:lstStyle/>
+                <a:p>
+                  <a:pPr algn="ctr"/>
+                  <a:endParaRPr lang="en-US"/>
+                </a:p>
+              </p:txBody>
+            </p:sp>
+            <p:cxnSp>
+              <p:nvCxnSpPr>
+                <p:cNvPr id="130" name="Straight Connector 129"/>
+                <p:cNvCxnSpPr/>
+                <p:nvPr/>
+              </p:nvCxnSpPr>
+              <p:spPr>
+                <a:xfrm>
+                  <a:off x="6475956" y="4797467"/>
+                  <a:ext cx="1390389" cy="0"/>
+                </a:xfrm>
+                <a:prstGeom prst="line">
+                  <a:avLst/>
+                </a:prstGeom>
+                <a:ln w="12700">
+                  <a:solidFill>
+                    <a:schemeClr val="tx1"/>
+                  </a:solidFill>
+                </a:ln>
+              </p:spPr>
+              <p:style>
+                <a:lnRef idx="1">
+                  <a:schemeClr val="accent1"/>
+                </a:lnRef>
+                <a:fillRef idx="0">
+                  <a:schemeClr val="accent1"/>
+                </a:fillRef>
+                <a:effectRef idx="0">
+                  <a:schemeClr val="accent1"/>
+                </a:effectRef>
+                <a:fontRef idx="minor">
+                  <a:schemeClr val="tx1"/>
+                </a:fontRef>
+              </p:style>
+            </p:cxnSp>
+            <p:cxnSp>
+              <p:nvCxnSpPr>
+                <p:cNvPr id="134" name="Straight Arrow Connector 133"/>
+                <p:cNvCxnSpPr/>
+                <p:nvPr/>
+              </p:nvCxnSpPr>
+              <p:spPr>
+                <a:xfrm flipV="1">
+                  <a:off x="6989522" y="3519814"/>
+                  <a:ext cx="0" cy="821497"/>
+                </a:xfrm>
+                <a:prstGeom prst="straightConnector1">
+                  <a:avLst/>
+                </a:prstGeom>
+                <a:ln w="38100">
+                  <a:solidFill>
+                    <a:schemeClr val="tx1"/>
+                  </a:solidFill>
+                  <a:tailEnd type="triangle"/>
+                </a:ln>
+              </p:spPr>
+              <p:style>
+                <a:lnRef idx="1">
+                  <a:schemeClr val="accent1"/>
+                </a:lnRef>
+                <a:fillRef idx="0">
+                  <a:schemeClr val="accent1"/>
+                </a:fillRef>
+                <a:effectRef idx="0">
+                  <a:schemeClr val="accent1"/>
+                </a:effectRef>
+                <a:fontRef idx="minor">
+                  <a:schemeClr val="tx1"/>
+                </a:fontRef>
+              </p:style>
+            </p:cxnSp>
+            <p:cxnSp>
+              <p:nvCxnSpPr>
+                <p:cNvPr id="136" name="Straight Arrow Connector 135"/>
+                <p:cNvCxnSpPr/>
+                <p:nvPr/>
+              </p:nvCxnSpPr>
+              <p:spPr>
+                <a:xfrm>
+                  <a:off x="7352778" y="3519814"/>
+                  <a:ext cx="0" cy="834023"/>
+                </a:xfrm>
+                <a:prstGeom prst="straightConnector1">
+                  <a:avLst/>
+                </a:prstGeom>
+                <a:ln w="38100">
+                  <a:solidFill>
+                    <a:schemeClr val="tx1"/>
+                  </a:solidFill>
+                  <a:tailEnd type="triangle"/>
+                </a:ln>
+              </p:spPr>
+              <p:style>
+                <a:lnRef idx="1">
+                  <a:schemeClr val="accent1"/>
+                </a:lnRef>
+                <a:fillRef idx="0">
+                  <a:schemeClr val="accent1"/>
+                </a:fillRef>
+                <a:effectRef idx="0">
+                  <a:schemeClr val="accent1"/>
+                </a:effectRef>
+                <a:fontRef idx="minor">
+                  <a:schemeClr val="tx1"/>
+                </a:fontRef>
+              </p:style>
+            </p:cxnSp>
+            <p:sp>
+              <p:nvSpPr>
+                <p:cNvPr id="137" name="TextBox 136"/>
+                <p:cNvSpPr txBox="1"/>
+                <p:nvPr/>
+              </p:nvSpPr>
+              <p:spPr>
+                <a:xfrm>
+                  <a:off x="6620486" y="3219190"/>
+                  <a:ext cx="1101327" cy="369332"/>
+                </a:xfrm>
+                <a:prstGeom prst="rect">
+                  <a:avLst/>
+                </a:prstGeom>
+                <a:noFill/>
+              </p:spPr>
+              <p:txBody>
+                <a:bodyPr wrap="none" rtlCol="0">
+                  <a:spAutoFit/>
+                </a:bodyPr>
+                <a:lstStyle/>
+                <a:p>
+                  <a:r>
+                    <a:rPr lang="en-US" smtClean="0"/>
+                    <a:t>Migration</a:t>
+                  </a:r>
+                  <a:endParaRPr lang="en-US"/>
+                </a:p>
+              </p:txBody>
+            </p:sp>
+            <p:cxnSp>
+              <p:nvCxnSpPr>
+                <p:cNvPr id="139" name="Straight Arrow Connector 138"/>
+                <p:cNvCxnSpPr>
+                  <a:stCxn id="128" idx="3"/>
+                </p:cNvCxnSpPr>
+                <p:nvPr/>
+              </p:nvCxnSpPr>
+              <p:spPr>
+                <a:xfrm>
+                  <a:off x="7868061" y="5035462"/>
+                  <a:ext cx="1313517" cy="0"/>
+                </a:xfrm>
+                <a:prstGeom prst="straightConnector1">
+                  <a:avLst/>
+                </a:prstGeom>
+                <a:ln w="38100">
+                  <a:solidFill>
+                    <a:schemeClr val="tx1"/>
+                  </a:solidFill>
+                  <a:tailEnd type="triangle"/>
+                </a:ln>
+              </p:spPr>
+              <p:style>
+                <a:lnRef idx="1">
+                  <a:schemeClr val="accent1"/>
+                </a:lnRef>
+                <a:fillRef idx="0">
+                  <a:schemeClr val="accent1"/>
+                </a:fillRef>
+                <a:effectRef idx="0">
+                  <a:schemeClr val="accent1"/>
+                </a:effectRef>
+                <a:fontRef idx="minor">
+                  <a:schemeClr val="tx1"/>
+                </a:fontRef>
+              </p:style>
+            </p:cxnSp>
+            <p:sp>
+              <p:nvSpPr>
+                <p:cNvPr id="140" name="TextBox 139"/>
+                <p:cNvSpPr txBox="1"/>
+                <p:nvPr/>
+              </p:nvSpPr>
+              <p:spPr>
+                <a:xfrm>
+                  <a:off x="7848560" y="4666130"/>
+                  <a:ext cx="1349087" cy="369332"/>
+                </a:xfrm>
+                <a:prstGeom prst="rect">
+                  <a:avLst/>
+                </a:prstGeom>
+                <a:noFill/>
+              </p:spPr>
+              <p:txBody>
+                <a:bodyPr wrap="none" rtlCol="0">
+                  <a:spAutoFit/>
+                </a:bodyPr>
+                <a:lstStyle/>
+                <a:p>
+                  <a:r>
+                    <a:rPr lang="en-US" smtClean="0"/>
+                    <a:t>Colonization</a:t>
+                  </a:r>
+                  <a:endParaRPr lang="en-US"/>
+                </a:p>
+              </p:txBody>
+            </p:sp>
+            <p:cxnSp>
+              <p:nvCxnSpPr>
+                <p:cNvPr id="142" name="Straight Arrow Connector 141"/>
+                <p:cNvCxnSpPr>
+                  <a:stCxn id="127" idx="3"/>
+                  <a:endCxn id="128" idx="1"/>
+                </p:cNvCxnSpPr>
+                <p:nvPr/>
+              </p:nvCxnSpPr>
+              <p:spPr>
+                <a:xfrm>
+                  <a:off x="5461346" y="5035462"/>
+                  <a:ext cx="1018413" cy="0"/>
+                </a:xfrm>
+                <a:prstGeom prst="straightConnector1">
+                  <a:avLst/>
+                </a:prstGeom>
+                <a:ln w="38100">
+                  <a:solidFill>
+                    <a:schemeClr val="tx1"/>
+                  </a:solidFill>
+                  <a:tailEnd type="triangle"/>
+                </a:ln>
+              </p:spPr>
+              <p:style>
+                <a:lnRef idx="1">
+                  <a:schemeClr val="accent1"/>
+                </a:lnRef>
+                <a:fillRef idx="0">
+                  <a:schemeClr val="accent1"/>
+                </a:fillRef>
+                <a:effectRef idx="0">
+                  <a:schemeClr val="accent1"/>
+                </a:effectRef>
+                <a:fontRef idx="minor">
+                  <a:schemeClr val="tx1"/>
+                </a:fontRef>
+              </p:style>
+            </p:cxnSp>
+            <p:cxnSp>
+              <p:nvCxnSpPr>
+                <p:cNvPr id="143" name="Straight Arrow Connector 142"/>
+                <p:cNvCxnSpPr/>
+                <p:nvPr/>
+              </p:nvCxnSpPr>
+              <p:spPr>
+                <a:xfrm>
+                  <a:off x="3054631" y="5035462"/>
+                  <a:ext cx="1018413" cy="0"/>
+                </a:xfrm>
+                <a:prstGeom prst="straightConnector1">
+                  <a:avLst/>
+                </a:prstGeom>
+                <a:ln w="38100">
+                  <a:solidFill>
+                    <a:schemeClr val="tx1"/>
+                  </a:solidFill>
+                  <a:tailEnd type="triangle"/>
+                </a:ln>
+              </p:spPr>
+              <p:style>
+                <a:lnRef idx="1">
+                  <a:schemeClr val="accent1"/>
+                </a:lnRef>
+                <a:fillRef idx="0">
+                  <a:schemeClr val="accent1"/>
+                </a:fillRef>
+                <a:effectRef idx="0">
+                  <a:schemeClr val="accent1"/>
+                </a:effectRef>
+                <a:fontRef idx="minor">
+                  <a:schemeClr val="tx1"/>
+                </a:fontRef>
+              </p:style>
+            </p:cxnSp>
+            <p:sp>
+              <p:nvSpPr>
+                <p:cNvPr id="159" name="Bent Arrow 158"/>
+                <p:cNvSpPr/>
+                <p:nvPr/>
+              </p:nvSpPr>
+              <p:spPr>
+                <a:xfrm rot="5400000">
+                  <a:off x="1774453" y="3668530"/>
+                  <a:ext cx="495637" cy="1474511"/>
+                </a:xfrm>
+                <a:prstGeom prst="bentArrow">
+                  <a:avLst>
+                    <a:gd name="adj1" fmla="val 0"/>
+                    <a:gd name="adj2" fmla="val 7309"/>
+                    <a:gd name="adj3" fmla="val 7309"/>
+                    <a:gd name="adj4" fmla="val 28586"/>
+                  </a:avLst>
+                </a:prstGeom>
+                <a:ln w="38100">
+                  <a:solidFill>
+                    <a:schemeClr val="tx1"/>
+                  </a:solidFill>
+                </a:ln>
+              </p:spPr>
+              <p:style>
+                <a:lnRef idx="2">
+                  <a:schemeClr val="accent1">
+                    <a:shade val="50000"/>
+                  </a:schemeClr>
+                </a:lnRef>
+                <a:fillRef idx="1">
+                  <a:schemeClr val="accent1"/>
+                </a:fillRef>
+                <a:effectRef idx="0">
+                  <a:schemeClr val="accent1"/>
+                </a:effectRef>
+                <a:fontRef idx="minor">
+                  <a:schemeClr val="lt1"/>
+                </a:fontRef>
+              </p:style>
+              <p:txBody>
+                <a:bodyPr rtlCol="0" anchor="ctr"/>
+                <a:lstStyle/>
+                <a:p>
+                  <a:pPr algn="ctr"/>
+                  <a:endParaRPr lang="en-US">
+                    <a:solidFill>
+                      <a:schemeClr val="tx1"/>
+                    </a:solidFill>
+                  </a:endParaRPr>
+                </a:p>
+              </p:txBody>
+            </p:sp>
+            <p:sp>
+              <p:nvSpPr>
+                <p:cNvPr id="160" name="TextBox 159"/>
+                <p:cNvSpPr txBox="1"/>
+                <p:nvPr/>
+              </p:nvSpPr>
+              <p:spPr>
+                <a:xfrm>
+                  <a:off x="1285016" y="3788635"/>
+                  <a:ext cx="1349087" cy="369332"/>
+                </a:xfrm>
+                <a:prstGeom prst="rect">
+                  <a:avLst/>
+                </a:prstGeom>
+                <a:noFill/>
+              </p:spPr>
+              <p:txBody>
+                <a:bodyPr wrap="none" rtlCol="0">
+                  <a:spAutoFit/>
+                </a:bodyPr>
+                <a:lstStyle/>
+                <a:p>
+                  <a:r>
+                    <a:rPr lang="en-US" smtClean="0"/>
+                    <a:t>Colonization</a:t>
+                  </a:r>
+                  <a:endParaRPr lang="en-US"/>
+                </a:p>
+              </p:txBody>
+            </p:sp>
+            <p:sp>
+              <p:nvSpPr>
+                <p:cNvPr id="161" name="TextBox 160"/>
+                <p:cNvSpPr txBox="1"/>
+                <p:nvPr/>
+              </p:nvSpPr>
+              <p:spPr>
+                <a:xfrm>
+                  <a:off x="3217055" y="4663093"/>
+                  <a:ext cx="693203" cy="369332"/>
+                </a:xfrm>
+                <a:prstGeom prst="rect">
+                  <a:avLst/>
+                </a:prstGeom>
+                <a:noFill/>
+              </p:spPr>
+              <p:txBody>
+                <a:bodyPr wrap="none" rtlCol="0">
+                  <a:spAutoFit/>
+                </a:bodyPr>
+                <a:lstStyle/>
+                <a:p>
+                  <a:r>
+                    <a:rPr lang="en-US" smtClean="0"/>
+                    <a:t>Grow</a:t>
+                  </a:r>
+                  <a:endParaRPr lang="en-US"/>
+                </a:p>
+              </p:txBody>
+            </p:sp>
+            <p:sp>
+              <p:nvSpPr>
+                <p:cNvPr id="162" name="U-Turn Arrow 161"/>
+                <p:cNvSpPr/>
+                <p:nvPr/>
+              </p:nvSpPr>
+              <p:spPr>
+                <a:xfrm rot="10800000">
+                  <a:off x="2646628" y="5417321"/>
+                  <a:ext cx="4601396" cy="923702"/>
+                </a:xfrm>
+                <a:prstGeom prst="uturnArrow">
+                  <a:avLst>
+                    <a:gd name="adj1" fmla="val 3200"/>
+                    <a:gd name="adj2" fmla="val 7797"/>
+                    <a:gd name="adj3" fmla="val 6786"/>
+                    <a:gd name="adj4" fmla="val 43750"/>
+                    <a:gd name="adj5" fmla="val 100000"/>
+                  </a:avLst>
+                </a:prstGeom>
+                <a:solidFill>
+                  <a:schemeClr val="tx1"/>
+                </a:solidFill>
+                <a:ln>
+                  <a:solidFill>
+                    <a:schemeClr val="tx1"/>
+                  </a:solidFill>
+                </a:ln>
+              </p:spPr>
+              <p:style>
+                <a:lnRef idx="2">
+                  <a:schemeClr val="accent1">
+                    <a:shade val="50000"/>
+                  </a:schemeClr>
+                </a:lnRef>
+                <a:fillRef idx="1">
+                  <a:schemeClr val="accent1"/>
+                </a:fillRef>
+                <a:effectRef idx="0">
+                  <a:schemeClr val="accent1"/>
+                </a:effectRef>
+                <a:fontRef idx="minor">
+                  <a:schemeClr val="lt1"/>
+                </a:fontRef>
+              </p:style>
+              <p:txBody>
+                <a:bodyPr rtlCol="0" anchor="ctr"/>
+                <a:lstStyle/>
+                <a:p>
+                  <a:pPr algn="ctr"/>
+                  <a:endParaRPr lang="en-US">
+                    <a:solidFill>
+                      <a:schemeClr val="tx1"/>
+                    </a:solidFill>
+                  </a:endParaRPr>
+                </a:p>
+              </p:txBody>
+            </p:sp>
+            <p:sp>
+              <p:nvSpPr>
+                <p:cNvPr id="163" name="Rectangle 162"/>
+                <p:cNvSpPr/>
+                <p:nvPr/>
+              </p:nvSpPr>
+              <p:spPr>
+                <a:xfrm>
+                  <a:off x="7055596" y="5160537"/>
+                  <a:ext cx="463463" cy="538620"/>
                 </a:xfrm>
                 <a:prstGeom prst="rect">
                   <a:avLst/>
                 </a:prstGeom>
                 <a:solidFill>
-                  <a:schemeClr val="bg1">
-                    <a:lumMod val="65000"/>
-                  </a:schemeClr>
+                  <a:schemeClr val="bg1"/>
                 </a:solidFill>
                 <a:ln>
-                  <a:noFill/>
+                  <a:solidFill>
+                    <a:schemeClr val="bg1"/>
+                  </a:solidFill>
                 </a:ln>
               </p:spPr>
               <p:style>
@@ -3158,2316 +5410,94 @@
             </p:sp>
             <p:sp>
               <p:nvSpPr>
-                <p:cNvPr id="251" name="Rectangle 250"/>
-                <p:cNvSpPr/>
+                <p:cNvPr id="164" name="TextBox 163"/>
+                <p:cNvSpPr txBox="1"/>
                 <p:nvPr/>
               </p:nvSpPr>
               <p:spPr>
                 <a:xfrm>
-                  <a:off x="7715400" y="2060713"/>
-                  <a:ext cx="342348" cy="653678"/>
+                  <a:off x="3524724" y="5967607"/>
+                  <a:ext cx="2845202" cy="369332"/>
                 </a:xfrm>
                 <a:prstGeom prst="rect">
                   <a:avLst/>
                 </a:prstGeom>
-                <a:solidFill>
-                  <a:schemeClr val="bg1">
-                    <a:lumMod val="65000"/>
-                  </a:schemeClr>
-                </a:solidFill>
-                <a:ln>
-                  <a:noFill/>
-                </a:ln>
+                <a:noFill/>
               </p:spPr>
-              <p:style>
-                <a:lnRef idx="2">
-                  <a:schemeClr val="accent1">
-                    <a:shade val="50000"/>
-                  </a:schemeClr>
-                </a:lnRef>
-                <a:fillRef idx="1">
-                  <a:schemeClr val="accent1"/>
-                </a:fillRef>
-                <a:effectRef idx="0">
-                  <a:schemeClr val="accent1"/>
-                </a:effectRef>
-                <a:fontRef idx="minor">
-                  <a:schemeClr val="lt1"/>
-                </a:fontRef>
-              </p:style>
               <p:txBody>
-                <a:bodyPr rtlCol="0" anchor="ctr"/>
+                <a:bodyPr wrap="none" rtlCol="0">
+                  <a:spAutoFit/>
+                </a:bodyPr>
                 <a:lstStyle/>
                 <a:p>
-                  <a:pPr algn="ctr"/>
-                  <a:endParaRPr lang="en-US"/>
+                  <a:r>
+                    <a:rPr lang="en-US" dirty="0" smtClean="0"/>
+                    <a:t>Within-population dynamics</a:t>
+                  </a:r>
+                  <a:endParaRPr lang="en-US" dirty="0"/>
                 </a:p>
               </p:txBody>
             </p:sp>
             <p:sp>
               <p:nvSpPr>
-                <p:cNvPr id="252" name="Rectangle 251"/>
-                <p:cNvSpPr/>
+                <p:cNvPr id="165" name="TextBox 164"/>
+                <p:cNvSpPr txBox="1"/>
                 <p:nvPr/>
               </p:nvSpPr>
               <p:spPr>
                 <a:xfrm>
-                  <a:off x="8046139" y="2272747"/>
-                  <a:ext cx="342348" cy="441643"/>
+                  <a:off x="5447812" y="4672394"/>
+                  <a:ext cx="1045479" cy="369332"/>
                 </a:xfrm>
                 <a:prstGeom prst="rect">
                   <a:avLst/>
                 </a:prstGeom>
-                <a:solidFill>
-                  <a:schemeClr val="bg1">
-                    <a:lumMod val="65000"/>
-                  </a:schemeClr>
-                </a:solidFill>
-                <a:ln>
-                  <a:noFill/>
-                </a:ln>
+                <a:noFill/>
               </p:spPr>
-              <p:style>
-                <a:lnRef idx="2">
-                  <a:schemeClr val="accent1">
-                    <a:shade val="50000"/>
-                  </a:schemeClr>
-                </a:lnRef>
-                <a:fillRef idx="1">
-                  <a:schemeClr val="accent1"/>
-                </a:fillRef>
-                <a:effectRef idx="0">
-                  <a:schemeClr val="accent1"/>
-                </a:effectRef>
-                <a:fontRef idx="minor">
-                  <a:schemeClr val="lt1"/>
-                </a:fontRef>
-              </p:style>
               <p:txBody>
-                <a:bodyPr rtlCol="0" anchor="ctr"/>
+                <a:bodyPr wrap="none" rtlCol="0">
+                  <a:spAutoFit/>
+                </a:bodyPr>
                 <a:lstStyle/>
                 <a:p>
-                  <a:pPr algn="ctr"/>
-                  <a:endParaRPr lang="en-US"/>
+                  <a:r>
+                    <a:rPr lang="en-US" dirty="0" smtClean="0"/>
+                    <a:t>Selection</a:t>
+                  </a:r>
                 </a:p>
               </p:txBody>
             </p:sp>
-            <p:grpSp>
-              <p:nvGrpSpPr>
-                <p:cNvPr id="244" name="Group 243"/>
-                <p:cNvGrpSpPr/>
-                <p:nvPr/>
-              </p:nvGrpSpPr>
-              <p:grpSpPr>
-                <a:xfrm>
-                  <a:off x="1399050" y="603389"/>
-                  <a:ext cx="8942811" cy="5994136"/>
-                  <a:chOff x="1399050" y="603389"/>
-                  <a:chExt cx="8942811" cy="5994136"/>
-                </a:xfrm>
-              </p:grpSpPr>
-              <p:sp>
-                <p:nvSpPr>
-                  <p:cNvPr id="243" name="Triangle 242"/>
-                  <p:cNvSpPr/>
-                  <p:nvPr/>
-                </p:nvSpPr>
-                <p:spPr>
-                  <a:xfrm rot="5400000">
-                    <a:off x="2763341" y="275258"/>
-                    <a:ext cx="1540931" cy="3361086"/>
-                  </a:xfrm>
-                  <a:prstGeom prst="triangle">
-                    <a:avLst/>
-                  </a:prstGeom>
-                  <a:solidFill>
-                    <a:schemeClr val="bg1">
-                      <a:lumMod val="65000"/>
-                    </a:schemeClr>
-                  </a:solidFill>
-                  <a:ln>
-                    <a:noFill/>
-                  </a:ln>
-                </p:spPr>
-                <p:style>
-                  <a:lnRef idx="2">
-                    <a:schemeClr val="accent1">
-                      <a:shade val="50000"/>
-                    </a:schemeClr>
-                  </a:lnRef>
-                  <a:fillRef idx="1">
-                    <a:schemeClr val="accent1"/>
-                  </a:fillRef>
-                  <a:effectRef idx="0">
-                    <a:schemeClr val="accent1"/>
-                  </a:effectRef>
-                  <a:fontRef idx="minor">
-                    <a:schemeClr val="lt1"/>
-                  </a:fontRef>
-                </p:style>
-                <p:txBody>
-                  <a:bodyPr rtlCol="0" anchor="ctr"/>
-                  <a:lstStyle/>
-                  <a:p>
-                    <a:pPr algn="ctr"/>
-                    <a:endParaRPr lang="en-US"/>
-                  </a:p>
-                </p:txBody>
-              </p:sp>
-              <p:sp>
-                <p:nvSpPr>
-                  <p:cNvPr id="240" name="Rectangle 239"/>
-                  <p:cNvSpPr/>
-                  <p:nvPr/>
-                </p:nvSpPr>
-                <p:spPr>
-                  <a:xfrm>
-                    <a:off x="6350000" y="1185333"/>
-                    <a:ext cx="355600" cy="1528997"/>
-                  </a:xfrm>
-                  <a:prstGeom prst="rect">
-                    <a:avLst/>
-                  </a:prstGeom>
-                  <a:solidFill>
-                    <a:schemeClr val="bg1">
-                      <a:lumMod val="65000"/>
-                    </a:schemeClr>
-                  </a:solidFill>
-                  <a:ln>
-                    <a:noFill/>
-                  </a:ln>
-                </p:spPr>
-                <p:style>
-                  <a:lnRef idx="2">
-                    <a:schemeClr val="accent1">
-                      <a:shade val="50000"/>
-                    </a:schemeClr>
-                  </a:lnRef>
-                  <a:fillRef idx="1">
-                    <a:schemeClr val="accent1"/>
-                  </a:fillRef>
-                  <a:effectRef idx="0">
-                    <a:schemeClr val="accent1"/>
-                  </a:effectRef>
-                  <a:fontRef idx="minor">
-                    <a:schemeClr val="lt1"/>
-                  </a:fontRef>
-                </p:style>
-                <p:txBody>
-                  <a:bodyPr rtlCol="0" anchor="ctr"/>
-                  <a:lstStyle/>
-                  <a:p>
-                    <a:pPr algn="ctr"/>
-                    <a:endParaRPr lang="en-US"/>
-                  </a:p>
-                </p:txBody>
-              </p:sp>
-              <p:sp>
-                <p:nvSpPr>
-                  <p:cNvPr id="4" name="Triangle 3"/>
-                  <p:cNvSpPr/>
-                  <p:nvPr/>
-                </p:nvSpPr>
-                <p:spPr>
-                  <a:xfrm rot="5400000">
-                    <a:off x="2781083" y="243726"/>
-                    <a:ext cx="1561624" cy="3412271"/>
-                  </a:xfrm>
-                  <a:prstGeom prst="triangle">
-                    <a:avLst/>
-                  </a:prstGeom>
-                  <a:noFill/>
-                  <a:ln w="38100">
-                    <a:solidFill>
-                      <a:schemeClr val="tx1"/>
-                    </a:solidFill>
-                  </a:ln>
-                </p:spPr>
-                <p:style>
-                  <a:lnRef idx="2">
-                    <a:schemeClr val="accent1">
-                      <a:shade val="50000"/>
-                    </a:schemeClr>
-                  </a:lnRef>
-                  <a:fillRef idx="1">
-                    <a:schemeClr val="accent1"/>
-                  </a:fillRef>
-                  <a:effectRef idx="0">
-                    <a:schemeClr val="accent1"/>
-                  </a:effectRef>
-                  <a:fontRef idx="minor">
-                    <a:schemeClr val="lt1"/>
-                  </a:fontRef>
-                </p:style>
-                <p:txBody>
-                  <a:bodyPr rtlCol="0" anchor="ctr"/>
-                  <a:lstStyle/>
-                  <a:p>
-                    <a:pPr algn="ctr"/>
-                    <a:endParaRPr lang="en-US"/>
-                  </a:p>
-                </p:txBody>
-              </p:sp>
-              <p:cxnSp>
-                <p:nvCxnSpPr>
-                  <p:cNvPr id="6" name="Straight Connector 5"/>
-                  <p:cNvCxnSpPr/>
-                  <p:nvPr/>
-                </p:nvCxnSpPr>
-                <p:spPr>
-                  <a:xfrm>
-                    <a:off x="2244067" y="1261872"/>
-                    <a:ext cx="0" cy="1362795"/>
-                  </a:xfrm>
-                  <a:prstGeom prst="line">
-                    <a:avLst/>
-                  </a:prstGeom>
-                  <a:ln w="12700">
-                    <a:solidFill>
-                      <a:schemeClr val="tx1"/>
-                    </a:solidFill>
-                  </a:ln>
-                </p:spPr>
-                <p:style>
-                  <a:lnRef idx="1">
-                    <a:schemeClr val="accent1"/>
-                  </a:lnRef>
-                  <a:fillRef idx="0">
-                    <a:schemeClr val="accent1"/>
-                  </a:fillRef>
-                  <a:effectRef idx="0">
-                    <a:schemeClr val="accent1"/>
-                  </a:effectRef>
-                  <a:fontRef idx="minor">
-                    <a:schemeClr val="tx1"/>
-                  </a:fontRef>
-                </p:style>
-              </p:cxnSp>
-              <p:cxnSp>
-                <p:nvCxnSpPr>
-                  <p:cNvPr id="10" name="Straight Connector 9"/>
-                  <p:cNvCxnSpPr/>
-                  <p:nvPr/>
-                </p:nvCxnSpPr>
-                <p:spPr>
-                  <a:xfrm>
-                    <a:off x="2566612" y="1315358"/>
-                    <a:ext cx="0" cy="1241575"/>
-                  </a:xfrm>
-                  <a:prstGeom prst="line">
-                    <a:avLst/>
-                  </a:prstGeom>
-                  <a:ln w="12700">
-                    <a:solidFill>
-                      <a:schemeClr val="tx1"/>
-                    </a:solidFill>
-                  </a:ln>
-                </p:spPr>
-                <p:style>
-                  <a:lnRef idx="1">
-                    <a:schemeClr val="accent1"/>
-                  </a:lnRef>
-                  <a:fillRef idx="0">
-                    <a:schemeClr val="accent1"/>
-                  </a:fillRef>
-                  <a:effectRef idx="0">
-                    <a:schemeClr val="accent1"/>
-                  </a:effectRef>
-                  <a:fontRef idx="minor">
-                    <a:schemeClr val="tx1"/>
-                  </a:fontRef>
-                </p:style>
-              </p:cxnSp>
-              <p:cxnSp>
-                <p:nvCxnSpPr>
-                  <p:cNvPr id="15" name="Straight Connector 14"/>
-                  <p:cNvCxnSpPr/>
-                  <p:nvPr/>
-                </p:nvCxnSpPr>
-                <p:spPr>
-                  <a:xfrm>
-                    <a:off x="2889157" y="1427967"/>
-                    <a:ext cx="0" cy="1060430"/>
-                  </a:xfrm>
-                  <a:prstGeom prst="line">
-                    <a:avLst/>
-                  </a:prstGeom>
-                  <a:ln w="12700">
-                    <a:solidFill>
-                      <a:schemeClr val="tx1"/>
-                    </a:solidFill>
-                  </a:ln>
-                </p:spPr>
-                <p:style>
-                  <a:lnRef idx="1">
-                    <a:schemeClr val="accent1"/>
-                  </a:lnRef>
-                  <a:fillRef idx="0">
-                    <a:schemeClr val="accent1"/>
-                  </a:fillRef>
-                  <a:effectRef idx="0">
-                    <a:schemeClr val="accent1"/>
-                  </a:effectRef>
-                  <a:fontRef idx="minor">
-                    <a:schemeClr val="tx1"/>
-                  </a:fontRef>
-                </p:style>
-              </p:cxnSp>
-              <p:cxnSp>
-                <p:nvCxnSpPr>
-                  <p:cNvPr id="22" name="Straight Connector 21"/>
-                  <p:cNvCxnSpPr/>
-                  <p:nvPr/>
-                </p:nvCxnSpPr>
-                <p:spPr>
-                  <a:xfrm>
-                    <a:off x="3211702" y="1490597"/>
-                    <a:ext cx="0" cy="927051"/>
-                  </a:xfrm>
-                  <a:prstGeom prst="line">
-                    <a:avLst/>
-                  </a:prstGeom>
-                  <a:ln w="12700">
-                    <a:solidFill>
-                      <a:schemeClr val="tx1"/>
-                    </a:solidFill>
-                  </a:ln>
-                </p:spPr>
-                <p:style>
-                  <a:lnRef idx="1">
-                    <a:schemeClr val="accent1"/>
-                  </a:lnRef>
-                  <a:fillRef idx="0">
-                    <a:schemeClr val="accent1"/>
-                  </a:fillRef>
-                  <a:effectRef idx="0">
-                    <a:schemeClr val="accent1"/>
-                  </a:effectRef>
-                  <a:fontRef idx="minor">
-                    <a:schemeClr val="tx1"/>
-                  </a:fontRef>
-                </p:style>
-              </p:cxnSp>
-              <p:cxnSp>
-                <p:nvCxnSpPr>
-                  <p:cNvPr id="29" name="Straight Connector 28"/>
-                  <p:cNvCxnSpPr/>
-                  <p:nvPr/>
-                </p:nvCxnSpPr>
-                <p:spPr>
-                  <a:xfrm>
-                    <a:off x="3856792" y="1640910"/>
-                    <a:ext cx="0" cy="622019"/>
-                  </a:xfrm>
-                  <a:prstGeom prst="line">
-                    <a:avLst/>
-                  </a:prstGeom>
-                  <a:ln w="12700">
-                    <a:solidFill>
-                      <a:schemeClr val="tx1"/>
-                    </a:solidFill>
-                  </a:ln>
-                </p:spPr>
-                <p:style>
-                  <a:lnRef idx="1">
-                    <a:schemeClr val="accent1"/>
-                  </a:lnRef>
-                  <a:fillRef idx="0">
-                    <a:schemeClr val="accent1"/>
-                  </a:fillRef>
-                  <a:effectRef idx="0">
-                    <a:schemeClr val="accent1"/>
-                  </a:effectRef>
-                  <a:fontRef idx="minor">
-                    <a:schemeClr val="tx1"/>
-                  </a:fontRef>
-                </p:style>
-              </p:cxnSp>
-              <p:cxnSp>
-                <p:nvCxnSpPr>
-                  <p:cNvPr id="31" name="Straight Connector 30"/>
-                  <p:cNvCxnSpPr/>
-                  <p:nvPr/>
-                </p:nvCxnSpPr>
-                <p:spPr>
-                  <a:xfrm>
-                    <a:off x="4179337" y="1716066"/>
-                    <a:ext cx="0" cy="488640"/>
-                  </a:xfrm>
-                  <a:prstGeom prst="line">
-                    <a:avLst/>
-                  </a:prstGeom>
-                  <a:ln w="12700">
-                    <a:solidFill>
-                      <a:schemeClr val="tx1"/>
-                    </a:solidFill>
-                  </a:ln>
-                </p:spPr>
-                <p:style>
-                  <a:lnRef idx="1">
-                    <a:schemeClr val="accent1"/>
-                  </a:lnRef>
-                  <a:fillRef idx="0">
-                    <a:schemeClr val="accent1"/>
-                  </a:fillRef>
-                  <a:effectRef idx="0">
-                    <a:schemeClr val="accent1"/>
-                  </a:effectRef>
-                  <a:fontRef idx="minor">
-                    <a:schemeClr val="tx1"/>
-                  </a:fontRef>
-                </p:style>
-              </p:cxnSp>
-              <p:cxnSp>
-                <p:nvCxnSpPr>
-                  <p:cNvPr id="34" name="Straight Connector 33"/>
-                  <p:cNvCxnSpPr/>
-                  <p:nvPr/>
-                </p:nvCxnSpPr>
-                <p:spPr>
-                  <a:xfrm>
-                    <a:off x="4501882" y="1774289"/>
-                    <a:ext cx="0" cy="346447"/>
-                  </a:xfrm>
-                  <a:prstGeom prst="line">
-                    <a:avLst/>
-                  </a:prstGeom>
-                  <a:ln w="12700">
-                    <a:solidFill>
-                      <a:schemeClr val="tx1"/>
-                    </a:solidFill>
-                  </a:ln>
-                </p:spPr>
-                <p:style>
-                  <a:lnRef idx="1">
-                    <a:schemeClr val="accent1"/>
-                  </a:lnRef>
-                  <a:fillRef idx="0">
-                    <a:schemeClr val="accent1"/>
-                  </a:fillRef>
-                  <a:effectRef idx="0">
-                    <a:schemeClr val="accent1"/>
-                  </a:effectRef>
-                  <a:fontRef idx="minor">
-                    <a:schemeClr val="tx1"/>
-                  </a:fontRef>
-                </p:style>
-              </p:cxnSp>
-              <p:cxnSp>
-                <p:nvCxnSpPr>
-                  <p:cNvPr id="36" name="Straight Connector 35"/>
-                  <p:cNvCxnSpPr/>
-                  <p:nvPr/>
-                </p:nvCxnSpPr>
-                <p:spPr>
-                  <a:xfrm>
-                    <a:off x="4824429" y="1849445"/>
-                    <a:ext cx="0" cy="200541"/>
-                  </a:xfrm>
-                  <a:prstGeom prst="line">
-                    <a:avLst/>
-                  </a:prstGeom>
-                  <a:ln w="12700">
-                    <a:solidFill>
-                      <a:schemeClr val="tx1"/>
-                    </a:solidFill>
-                  </a:ln>
-                </p:spPr>
-                <p:style>
-                  <a:lnRef idx="1">
-                    <a:schemeClr val="accent1"/>
-                  </a:lnRef>
-                  <a:fillRef idx="0">
-                    <a:schemeClr val="accent1"/>
-                  </a:fillRef>
-                  <a:effectRef idx="0">
-                    <a:schemeClr val="accent1"/>
-                  </a:effectRef>
-                  <a:fontRef idx="minor">
-                    <a:schemeClr val="tx1"/>
-                  </a:fontRef>
-                </p:style>
-              </p:cxnSp>
-              <p:grpSp>
-                <p:nvGrpSpPr>
-                  <p:cNvPr id="166" name="Group 165"/>
-                  <p:cNvGrpSpPr/>
-                  <p:nvPr/>
-                </p:nvGrpSpPr>
-                <p:grpSpPr>
-                  <a:xfrm>
-                    <a:off x="1855759" y="3475692"/>
-                    <a:ext cx="7912631" cy="3121833"/>
-                    <a:chOff x="1285016" y="3219190"/>
-                    <a:chExt cx="7912631" cy="3121833"/>
-                  </a:xfrm>
-                </p:grpSpPr>
-                <p:sp>
-                  <p:nvSpPr>
-                    <p:cNvPr id="126" name="Rounded Rectangle 125"/>
-                    <p:cNvSpPr/>
-                    <p:nvPr/>
-                  </p:nvSpPr>
-                  <p:spPr>
-                    <a:xfrm>
-                      <a:off x="2329841" y="4672207"/>
-                      <a:ext cx="726511" cy="726511"/>
-                    </a:xfrm>
-                    <a:prstGeom prst="roundRect">
-                      <a:avLst/>
-                    </a:prstGeom>
-                    <a:noFill/>
-                    <a:ln w="38100">
-                      <a:solidFill>
-                        <a:schemeClr val="tx1"/>
-                      </a:solidFill>
-                    </a:ln>
-                  </p:spPr>
-                  <p:style>
-                    <a:lnRef idx="2">
-                      <a:schemeClr val="accent1">
-                        <a:shade val="50000"/>
-                      </a:schemeClr>
-                    </a:lnRef>
-                    <a:fillRef idx="1">
-                      <a:schemeClr val="accent1"/>
-                    </a:fillRef>
-                    <a:effectRef idx="0">
-                      <a:schemeClr val="accent1"/>
-                    </a:effectRef>
-                    <a:fontRef idx="minor">
-                      <a:schemeClr val="lt1"/>
-                    </a:fontRef>
-                  </p:style>
-                  <p:txBody>
-                    <a:bodyPr rtlCol="0" anchor="ctr"/>
-                    <a:lstStyle/>
-                    <a:p>
-                      <a:pPr algn="ctr"/>
-                      <a:endParaRPr lang="en-US"/>
-                    </a:p>
-                  </p:txBody>
-                </p:sp>
-                <p:sp>
-                  <p:nvSpPr>
-                    <p:cNvPr id="127" name="Rounded Rectangle 126"/>
-                    <p:cNvSpPr/>
-                    <p:nvPr/>
-                  </p:nvSpPr>
-                  <p:spPr>
-                    <a:xfrm>
-                      <a:off x="4073044" y="4341311"/>
-                      <a:ext cx="1388302" cy="1388302"/>
-                    </a:xfrm>
-                    <a:prstGeom prst="roundRect">
-                      <a:avLst/>
-                    </a:prstGeom>
-                    <a:noFill/>
-                    <a:ln w="38100">
-                      <a:solidFill>
-                        <a:schemeClr val="tx1"/>
-                      </a:solidFill>
-                    </a:ln>
-                  </p:spPr>
-                  <p:style>
-                    <a:lnRef idx="2">
-                      <a:schemeClr val="accent1">
-                        <a:shade val="50000"/>
-                      </a:schemeClr>
-                    </a:lnRef>
-                    <a:fillRef idx="1">
-                      <a:schemeClr val="accent1"/>
-                    </a:fillRef>
-                    <a:effectRef idx="0">
-                      <a:schemeClr val="accent1"/>
-                    </a:effectRef>
-                    <a:fontRef idx="minor">
-                      <a:schemeClr val="lt1"/>
-                    </a:fontRef>
-                  </p:style>
-                  <p:txBody>
-                    <a:bodyPr rtlCol="0" anchor="ctr"/>
-                    <a:lstStyle/>
-                    <a:p>
-                      <a:pPr algn="ctr"/>
-                      <a:endParaRPr lang="en-US"/>
-                    </a:p>
-                  </p:txBody>
-                </p:sp>
-                <p:sp>
-                  <p:nvSpPr>
-                    <p:cNvPr id="128" name="Rounded Rectangle 127"/>
-                    <p:cNvSpPr/>
-                    <p:nvPr/>
-                  </p:nvSpPr>
-                  <p:spPr>
-                    <a:xfrm>
-                      <a:off x="6479759" y="4341311"/>
-                      <a:ext cx="1388302" cy="1388302"/>
-                    </a:xfrm>
-                    <a:prstGeom prst="roundRect">
-                      <a:avLst/>
-                    </a:prstGeom>
-                    <a:noFill/>
-                    <a:ln w="38100">
-                      <a:solidFill>
-                        <a:schemeClr val="tx1"/>
-                      </a:solidFill>
-                    </a:ln>
-                  </p:spPr>
-                  <p:style>
-                    <a:lnRef idx="2">
-                      <a:schemeClr val="accent1">
-                        <a:shade val="50000"/>
-                      </a:schemeClr>
-                    </a:lnRef>
-                    <a:fillRef idx="1">
-                      <a:schemeClr val="accent1"/>
-                    </a:fillRef>
-                    <a:effectRef idx="0">
-                      <a:schemeClr val="accent1"/>
-                    </a:effectRef>
-                    <a:fontRef idx="minor">
-                      <a:schemeClr val="lt1"/>
-                    </a:fontRef>
-                  </p:style>
-                  <p:txBody>
-                    <a:bodyPr rtlCol="0" anchor="ctr"/>
-                    <a:lstStyle/>
-                    <a:p>
-                      <a:pPr algn="ctr"/>
-                      <a:endParaRPr lang="en-US"/>
-                    </a:p>
-                  </p:txBody>
-                </p:sp>
-                <p:cxnSp>
-                  <p:nvCxnSpPr>
-                    <p:cNvPr id="130" name="Straight Connector 129"/>
-                    <p:cNvCxnSpPr/>
-                    <p:nvPr/>
-                  </p:nvCxnSpPr>
-                  <p:spPr>
-                    <a:xfrm>
-                      <a:off x="6475956" y="4797467"/>
-                      <a:ext cx="1390389" cy="0"/>
-                    </a:xfrm>
-                    <a:prstGeom prst="line">
-                      <a:avLst/>
-                    </a:prstGeom>
-                    <a:ln w="12700">
-                      <a:solidFill>
-                        <a:schemeClr val="tx1"/>
-                      </a:solidFill>
-                    </a:ln>
-                  </p:spPr>
-                  <p:style>
-                    <a:lnRef idx="1">
-                      <a:schemeClr val="accent1"/>
-                    </a:lnRef>
-                    <a:fillRef idx="0">
-                      <a:schemeClr val="accent1"/>
-                    </a:fillRef>
-                    <a:effectRef idx="0">
-                      <a:schemeClr val="accent1"/>
-                    </a:effectRef>
-                    <a:fontRef idx="minor">
-                      <a:schemeClr val="tx1"/>
-                    </a:fontRef>
-                  </p:style>
-                </p:cxnSp>
-                <p:cxnSp>
-                  <p:nvCxnSpPr>
-                    <p:cNvPr id="134" name="Straight Arrow Connector 133"/>
-                    <p:cNvCxnSpPr/>
-                    <p:nvPr/>
-                  </p:nvCxnSpPr>
-                  <p:spPr>
-                    <a:xfrm flipV="1">
-                      <a:off x="6989522" y="3519814"/>
-                      <a:ext cx="0" cy="821497"/>
-                    </a:xfrm>
-                    <a:prstGeom prst="straightConnector1">
-                      <a:avLst/>
-                    </a:prstGeom>
-                    <a:ln w="38100">
-                      <a:solidFill>
-                        <a:schemeClr val="tx1"/>
-                      </a:solidFill>
-                      <a:tailEnd type="triangle"/>
-                    </a:ln>
-                  </p:spPr>
-                  <p:style>
-                    <a:lnRef idx="1">
-                      <a:schemeClr val="accent1"/>
-                    </a:lnRef>
-                    <a:fillRef idx="0">
-                      <a:schemeClr val="accent1"/>
-                    </a:fillRef>
-                    <a:effectRef idx="0">
-                      <a:schemeClr val="accent1"/>
-                    </a:effectRef>
-                    <a:fontRef idx="minor">
-                      <a:schemeClr val="tx1"/>
-                    </a:fontRef>
-                  </p:style>
-                </p:cxnSp>
-                <p:cxnSp>
-                  <p:nvCxnSpPr>
-                    <p:cNvPr id="136" name="Straight Arrow Connector 135"/>
-                    <p:cNvCxnSpPr/>
-                    <p:nvPr/>
-                  </p:nvCxnSpPr>
-                  <p:spPr>
-                    <a:xfrm>
-                      <a:off x="7352778" y="3519814"/>
-                      <a:ext cx="0" cy="834023"/>
-                    </a:xfrm>
-                    <a:prstGeom prst="straightConnector1">
-                      <a:avLst/>
-                    </a:prstGeom>
-                    <a:ln w="38100">
-                      <a:solidFill>
-                        <a:schemeClr val="tx1"/>
-                      </a:solidFill>
-                      <a:tailEnd type="triangle"/>
-                    </a:ln>
-                  </p:spPr>
-                  <p:style>
-                    <a:lnRef idx="1">
-                      <a:schemeClr val="accent1"/>
-                    </a:lnRef>
-                    <a:fillRef idx="0">
-                      <a:schemeClr val="accent1"/>
-                    </a:fillRef>
-                    <a:effectRef idx="0">
-                      <a:schemeClr val="accent1"/>
-                    </a:effectRef>
-                    <a:fontRef idx="minor">
-                      <a:schemeClr val="tx1"/>
-                    </a:fontRef>
-                  </p:style>
-                </p:cxnSp>
-                <p:sp>
-                  <p:nvSpPr>
-                    <p:cNvPr id="137" name="TextBox 136"/>
-                    <p:cNvSpPr txBox="1"/>
-                    <p:nvPr/>
-                  </p:nvSpPr>
-                  <p:spPr>
-                    <a:xfrm>
-                      <a:off x="6620486" y="3219190"/>
-                      <a:ext cx="1101327" cy="369332"/>
-                    </a:xfrm>
-                    <a:prstGeom prst="rect">
-                      <a:avLst/>
-                    </a:prstGeom>
-                    <a:noFill/>
-                  </p:spPr>
-                  <p:txBody>
-                    <a:bodyPr wrap="none" rtlCol="0">
-                      <a:spAutoFit/>
-                    </a:bodyPr>
-                    <a:lstStyle/>
-                    <a:p>
-                      <a:r>
-                        <a:rPr lang="en-US" smtClean="0"/>
-                        <a:t>Migration</a:t>
-                      </a:r>
-                      <a:endParaRPr lang="en-US"/>
-                    </a:p>
-                  </p:txBody>
-                </p:sp>
-                <p:cxnSp>
-                  <p:nvCxnSpPr>
-                    <p:cNvPr id="139" name="Straight Arrow Connector 138"/>
-                    <p:cNvCxnSpPr>
-                      <a:stCxn id="128" idx="3"/>
-                    </p:cNvCxnSpPr>
-                    <p:nvPr/>
-                  </p:nvCxnSpPr>
-                  <p:spPr>
-                    <a:xfrm>
-                      <a:off x="7868061" y="5035462"/>
-                      <a:ext cx="1313517" cy="0"/>
-                    </a:xfrm>
-                    <a:prstGeom prst="straightConnector1">
-                      <a:avLst/>
-                    </a:prstGeom>
-                    <a:ln w="38100">
-                      <a:solidFill>
-                        <a:schemeClr val="tx1"/>
-                      </a:solidFill>
-                      <a:tailEnd type="triangle"/>
-                    </a:ln>
-                  </p:spPr>
-                  <p:style>
-                    <a:lnRef idx="1">
-                      <a:schemeClr val="accent1"/>
-                    </a:lnRef>
-                    <a:fillRef idx="0">
-                      <a:schemeClr val="accent1"/>
-                    </a:fillRef>
-                    <a:effectRef idx="0">
-                      <a:schemeClr val="accent1"/>
-                    </a:effectRef>
-                    <a:fontRef idx="minor">
-                      <a:schemeClr val="tx1"/>
-                    </a:fontRef>
-                  </p:style>
-                </p:cxnSp>
-                <p:sp>
-                  <p:nvSpPr>
-                    <p:cNvPr id="140" name="TextBox 139"/>
-                    <p:cNvSpPr txBox="1"/>
-                    <p:nvPr/>
-                  </p:nvSpPr>
-                  <p:spPr>
-                    <a:xfrm>
-                      <a:off x="7848560" y="4666130"/>
-                      <a:ext cx="1349087" cy="369332"/>
-                    </a:xfrm>
-                    <a:prstGeom prst="rect">
-                      <a:avLst/>
-                    </a:prstGeom>
-                    <a:noFill/>
-                  </p:spPr>
-                  <p:txBody>
-                    <a:bodyPr wrap="none" rtlCol="0">
-                      <a:spAutoFit/>
-                    </a:bodyPr>
-                    <a:lstStyle/>
-                    <a:p>
-                      <a:r>
-                        <a:rPr lang="en-US" smtClean="0"/>
-                        <a:t>Colonization</a:t>
-                      </a:r>
-                      <a:endParaRPr lang="en-US"/>
-                    </a:p>
-                  </p:txBody>
-                </p:sp>
-                <p:cxnSp>
-                  <p:nvCxnSpPr>
-                    <p:cNvPr id="142" name="Straight Arrow Connector 141"/>
-                    <p:cNvCxnSpPr>
-                      <a:stCxn id="127" idx="3"/>
-                      <a:endCxn id="128" idx="1"/>
-                    </p:cNvCxnSpPr>
-                    <p:nvPr/>
-                  </p:nvCxnSpPr>
-                  <p:spPr>
-                    <a:xfrm>
-                      <a:off x="5461346" y="5035462"/>
-                      <a:ext cx="1018413" cy="0"/>
-                    </a:xfrm>
-                    <a:prstGeom prst="straightConnector1">
-                      <a:avLst/>
-                    </a:prstGeom>
-                    <a:ln w="38100">
-                      <a:solidFill>
-                        <a:schemeClr val="tx1"/>
-                      </a:solidFill>
-                      <a:tailEnd type="triangle"/>
-                    </a:ln>
-                  </p:spPr>
-                  <p:style>
-                    <a:lnRef idx="1">
-                      <a:schemeClr val="accent1"/>
-                    </a:lnRef>
-                    <a:fillRef idx="0">
-                      <a:schemeClr val="accent1"/>
-                    </a:fillRef>
-                    <a:effectRef idx="0">
-                      <a:schemeClr val="accent1"/>
-                    </a:effectRef>
-                    <a:fontRef idx="minor">
-                      <a:schemeClr val="tx1"/>
-                    </a:fontRef>
-                  </p:style>
-                </p:cxnSp>
-                <p:cxnSp>
-                  <p:nvCxnSpPr>
-                    <p:cNvPr id="143" name="Straight Arrow Connector 142"/>
-                    <p:cNvCxnSpPr/>
-                    <p:nvPr/>
-                  </p:nvCxnSpPr>
-                  <p:spPr>
-                    <a:xfrm>
-                      <a:off x="3054631" y="5035462"/>
-                      <a:ext cx="1018413" cy="0"/>
-                    </a:xfrm>
-                    <a:prstGeom prst="straightConnector1">
-                      <a:avLst/>
-                    </a:prstGeom>
-                    <a:ln w="38100">
-                      <a:solidFill>
-                        <a:schemeClr val="tx1"/>
-                      </a:solidFill>
-                      <a:tailEnd type="triangle"/>
-                    </a:ln>
-                  </p:spPr>
-                  <p:style>
-                    <a:lnRef idx="1">
-                      <a:schemeClr val="accent1"/>
-                    </a:lnRef>
-                    <a:fillRef idx="0">
-                      <a:schemeClr val="accent1"/>
-                    </a:fillRef>
-                    <a:effectRef idx="0">
-                      <a:schemeClr val="accent1"/>
-                    </a:effectRef>
-                    <a:fontRef idx="minor">
-                      <a:schemeClr val="tx1"/>
-                    </a:fontRef>
-                  </p:style>
-                </p:cxnSp>
-                <p:sp>
-                  <p:nvSpPr>
-                    <p:cNvPr id="159" name="Bent Arrow 158"/>
-                    <p:cNvSpPr/>
-                    <p:nvPr/>
-                  </p:nvSpPr>
-                  <p:spPr>
-                    <a:xfrm rot="5400000">
-                      <a:off x="1774453" y="3668530"/>
-                      <a:ext cx="495637" cy="1474511"/>
-                    </a:xfrm>
-                    <a:prstGeom prst="bentArrow">
-                      <a:avLst>
-                        <a:gd name="adj1" fmla="val 0"/>
-                        <a:gd name="adj2" fmla="val 7309"/>
-                        <a:gd name="adj3" fmla="val 7309"/>
-                        <a:gd name="adj4" fmla="val 28586"/>
-                      </a:avLst>
-                    </a:prstGeom>
-                    <a:ln w="38100">
-                      <a:solidFill>
-                        <a:schemeClr val="tx1"/>
-                      </a:solidFill>
-                    </a:ln>
-                  </p:spPr>
-                  <p:style>
-                    <a:lnRef idx="2">
-                      <a:schemeClr val="accent1">
-                        <a:shade val="50000"/>
-                      </a:schemeClr>
-                    </a:lnRef>
-                    <a:fillRef idx="1">
-                      <a:schemeClr val="accent1"/>
-                    </a:fillRef>
-                    <a:effectRef idx="0">
-                      <a:schemeClr val="accent1"/>
-                    </a:effectRef>
-                    <a:fontRef idx="minor">
-                      <a:schemeClr val="lt1"/>
-                    </a:fontRef>
-                  </p:style>
-                  <p:txBody>
-                    <a:bodyPr rtlCol="0" anchor="ctr"/>
-                    <a:lstStyle/>
-                    <a:p>
-                      <a:pPr algn="ctr"/>
-                      <a:endParaRPr lang="en-US">
-                        <a:solidFill>
-                          <a:schemeClr val="tx1"/>
-                        </a:solidFill>
-                      </a:endParaRPr>
-                    </a:p>
-                  </p:txBody>
-                </p:sp>
-                <p:sp>
-                  <p:nvSpPr>
-                    <p:cNvPr id="160" name="TextBox 159"/>
-                    <p:cNvSpPr txBox="1"/>
-                    <p:nvPr/>
-                  </p:nvSpPr>
-                  <p:spPr>
-                    <a:xfrm>
-                      <a:off x="1285016" y="3788635"/>
-                      <a:ext cx="1349087" cy="369332"/>
-                    </a:xfrm>
-                    <a:prstGeom prst="rect">
-                      <a:avLst/>
-                    </a:prstGeom>
-                    <a:noFill/>
-                  </p:spPr>
-                  <p:txBody>
-                    <a:bodyPr wrap="none" rtlCol="0">
-                      <a:spAutoFit/>
-                    </a:bodyPr>
-                    <a:lstStyle/>
-                    <a:p>
-                      <a:r>
-                        <a:rPr lang="en-US" smtClean="0"/>
-                        <a:t>Colonization</a:t>
-                      </a:r>
-                      <a:endParaRPr lang="en-US"/>
-                    </a:p>
-                  </p:txBody>
-                </p:sp>
-                <p:sp>
-                  <p:nvSpPr>
-                    <p:cNvPr id="161" name="TextBox 160"/>
-                    <p:cNvSpPr txBox="1"/>
-                    <p:nvPr/>
-                  </p:nvSpPr>
-                  <p:spPr>
-                    <a:xfrm>
-                      <a:off x="3217055" y="4663093"/>
-                      <a:ext cx="693203" cy="369332"/>
-                    </a:xfrm>
-                    <a:prstGeom prst="rect">
-                      <a:avLst/>
-                    </a:prstGeom>
-                    <a:noFill/>
-                  </p:spPr>
-                  <p:txBody>
-                    <a:bodyPr wrap="none" rtlCol="0">
-                      <a:spAutoFit/>
-                    </a:bodyPr>
-                    <a:lstStyle/>
-                    <a:p>
-                      <a:r>
-                        <a:rPr lang="en-US" smtClean="0"/>
-                        <a:t>Grow</a:t>
-                      </a:r>
-                      <a:endParaRPr lang="en-US"/>
-                    </a:p>
-                  </p:txBody>
-                </p:sp>
-                <p:sp>
-                  <p:nvSpPr>
-                    <p:cNvPr id="162" name="U-Turn Arrow 161"/>
-                    <p:cNvSpPr/>
-                    <p:nvPr/>
-                  </p:nvSpPr>
-                  <p:spPr>
-                    <a:xfrm rot="10800000">
-                      <a:off x="2646628" y="5417321"/>
-                      <a:ext cx="4601396" cy="923702"/>
-                    </a:xfrm>
-                    <a:prstGeom prst="uturnArrow">
-                      <a:avLst>
-                        <a:gd name="adj1" fmla="val 3200"/>
-                        <a:gd name="adj2" fmla="val 7797"/>
-                        <a:gd name="adj3" fmla="val 6786"/>
-                        <a:gd name="adj4" fmla="val 43750"/>
-                        <a:gd name="adj5" fmla="val 100000"/>
-                      </a:avLst>
-                    </a:prstGeom>
-                    <a:solidFill>
-                      <a:schemeClr val="tx1"/>
-                    </a:solidFill>
-                    <a:ln>
-                      <a:solidFill>
-                        <a:schemeClr val="tx1"/>
-                      </a:solidFill>
-                    </a:ln>
-                  </p:spPr>
-                  <p:style>
-                    <a:lnRef idx="2">
-                      <a:schemeClr val="accent1">
-                        <a:shade val="50000"/>
-                      </a:schemeClr>
-                    </a:lnRef>
-                    <a:fillRef idx="1">
-                      <a:schemeClr val="accent1"/>
-                    </a:fillRef>
-                    <a:effectRef idx="0">
-                      <a:schemeClr val="accent1"/>
-                    </a:effectRef>
-                    <a:fontRef idx="minor">
-                      <a:schemeClr val="lt1"/>
-                    </a:fontRef>
-                  </p:style>
-                  <p:txBody>
-                    <a:bodyPr rtlCol="0" anchor="ctr"/>
-                    <a:lstStyle/>
-                    <a:p>
-                      <a:pPr algn="ctr"/>
-                      <a:endParaRPr lang="en-US">
-                        <a:solidFill>
-                          <a:schemeClr val="tx1"/>
-                        </a:solidFill>
-                      </a:endParaRPr>
-                    </a:p>
-                  </p:txBody>
-                </p:sp>
-                <p:sp>
-                  <p:nvSpPr>
-                    <p:cNvPr id="163" name="Rectangle 162"/>
-                    <p:cNvSpPr/>
-                    <p:nvPr/>
-                  </p:nvSpPr>
-                  <p:spPr>
-                    <a:xfrm>
-                      <a:off x="7055596" y="5160537"/>
-                      <a:ext cx="463463" cy="538620"/>
-                    </a:xfrm>
-                    <a:prstGeom prst="rect">
-                      <a:avLst/>
-                    </a:prstGeom>
-                    <a:solidFill>
-                      <a:schemeClr val="bg1"/>
-                    </a:solidFill>
-                    <a:ln>
-                      <a:solidFill>
-                        <a:schemeClr val="bg1"/>
-                      </a:solidFill>
-                    </a:ln>
-                  </p:spPr>
-                  <p:style>
-                    <a:lnRef idx="2">
-                      <a:schemeClr val="accent1">
-                        <a:shade val="50000"/>
-                      </a:schemeClr>
-                    </a:lnRef>
-                    <a:fillRef idx="1">
-                      <a:schemeClr val="accent1"/>
-                    </a:fillRef>
-                    <a:effectRef idx="0">
-                      <a:schemeClr val="accent1"/>
-                    </a:effectRef>
-                    <a:fontRef idx="minor">
-                      <a:schemeClr val="lt1"/>
-                    </a:fontRef>
-                  </p:style>
-                  <p:txBody>
-                    <a:bodyPr rtlCol="0" anchor="ctr"/>
-                    <a:lstStyle/>
-                    <a:p>
-                      <a:pPr algn="ctr"/>
-                      <a:endParaRPr lang="en-US"/>
-                    </a:p>
-                  </p:txBody>
-                </p:sp>
-                <p:sp>
-                  <p:nvSpPr>
-                    <p:cNvPr id="164" name="TextBox 163"/>
-                    <p:cNvSpPr txBox="1"/>
-                    <p:nvPr/>
-                  </p:nvSpPr>
-                  <p:spPr>
-                    <a:xfrm>
-                      <a:off x="3524724" y="5967607"/>
-                      <a:ext cx="2845202" cy="369332"/>
-                    </a:xfrm>
-                    <a:prstGeom prst="rect">
-                      <a:avLst/>
-                    </a:prstGeom>
-                    <a:noFill/>
-                  </p:spPr>
-                  <p:txBody>
-                    <a:bodyPr wrap="none" rtlCol="0">
-                      <a:spAutoFit/>
-                    </a:bodyPr>
-                    <a:lstStyle/>
-                    <a:p>
-                      <a:r>
-                        <a:rPr lang="en-US" dirty="0" smtClean="0"/>
-                        <a:t>Within-population dynamics</a:t>
-                      </a:r>
-                      <a:endParaRPr lang="en-US" dirty="0"/>
-                    </a:p>
-                  </p:txBody>
-                </p:sp>
-                <p:sp>
-                  <p:nvSpPr>
-                    <p:cNvPr id="165" name="TextBox 164"/>
-                    <p:cNvSpPr txBox="1"/>
-                    <p:nvPr/>
-                  </p:nvSpPr>
-                  <p:spPr>
-                    <a:xfrm>
-                      <a:off x="5447812" y="4672394"/>
-                      <a:ext cx="1045479" cy="369332"/>
-                    </a:xfrm>
-                    <a:prstGeom prst="rect">
-                      <a:avLst/>
-                    </a:prstGeom>
-                    <a:noFill/>
-                  </p:spPr>
-                  <p:txBody>
-                    <a:bodyPr wrap="none" rtlCol="0">
-                      <a:spAutoFit/>
-                    </a:bodyPr>
-                    <a:lstStyle/>
-                    <a:p>
-                      <a:r>
-                        <a:rPr lang="en-US" dirty="0" smtClean="0"/>
-                        <a:t>Selection</a:t>
-                      </a:r>
-                    </a:p>
-                  </p:txBody>
-                </p:sp>
-              </p:grpSp>
-              <p:sp>
-                <p:nvSpPr>
-                  <p:cNvPr id="167" name="Rectangle 166"/>
-                  <p:cNvSpPr/>
-                  <p:nvPr/>
-                </p:nvSpPr>
-                <p:spPr>
-                  <a:xfrm>
-                    <a:off x="6340050" y="1164920"/>
-                    <a:ext cx="3412272" cy="1567671"/>
-                  </a:xfrm>
-                  <a:prstGeom prst="rect">
-                    <a:avLst/>
-                  </a:prstGeom>
-                  <a:noFill/>
-                  <a:ln w="38100">
-                    <a:solidFill>
-                      <a:schemeClr val="tx1"/>
-                    </a:solidFill>
-                  </a:ln>
-                </p:spPr>
-                <p:style>
-                  <a:lnRef idx="2">
-                    <a:schemeClr val="accent1">
-                      <a:shade val="50000"/>
-                    </a:schemeClr>
-                  </a:lnRef>
-                  <a:fillRef idx="1">
-                    <a:schemeClr val="accent1"/>
-                  </a:fillRef>
-                  <a:effectRef idx="0">
-                    <a:schemeClr val="accent1"/>
-                  </a:effectRef>
-                  <a:fontRef idx="minor">
-                    <a:schemeClr val="lt1"/>
-                  </a:fontRef>
-                </p:style>
-                <p:txBody>
-                  <a:bodyPr rtlCol="0" anchor="ctr"/>
-                  <a:lstStyle/>
-                  <a:p>
-                    <a:pPr algn="ctr"/>
-                    <a:endParaRPr lang="en-US"/>
-                  </a:p>
-                </p:txBody>
-              </p:sp>
-              <p:cxnSp>
-                <p:nvCxnSpPr>
-                  <p:cNvPr id="168" name="Straight Connector 167"/>
-                  <p:cNvCxnSpPr/>
-                  <p:nvPr/>
-                </p:nvCxnSpPr>
-                <p:spPr>
-                  <a:xfrm>
-                    <a:off x="6699502" y="1162430"/>
-                    <a:ext cx="3995" cy="1553227"/>
-                  </a:xfrm>
-                  <a:prstGeom prst="line">
-                    <a:avLst/>
-                  </a:prstGeom>
-                  <a:ln w="12700">
-                    <a:solidFill>
-                      <a:schemeClr val="tx1"/>
-                    </a:solidFill>
-                  </a:ln>
-                </p:spPr>
-                <p:style>
-                  <a:lnRef idx="1">
-                    <a:schemeClr val="accent1"/>
-                  </a:lnRef>
-                  <a:fillRef idx="0">
-                    <a:schemeClr val="accent1"/>
-                  </a:fillRef>
-                  <a:effectRef idx="0">
-                    <a:schemeClr val="accent1"/>
-                  </a:effectRef>
-                  <a:fontRef idx="minor">
-                    <a:schemeClr val="tx1"/>
-                  </a:fontRef>
-                </p:style>
-              </p:cxnSp>
-              <p:cxnSp>
-                <p:nvCxnSpPr>
-                  <p:cNvPr id="181" name="Straight Connector 180"/>
-                  <p:cNvCxnSpPr/>
-                  <p:nvPr/>
-                </p:nvCxnSpPr>
-                <p:spPr>
-                  <a:xfrm>
-                    <a:off x="3534247" y="1553227"/>
-                    <a:ext cx="0" cy="776614"/>
-                  </a:xfrm>
-                  <a:prstGeom prst="line">
-                    <a:avLst/>
-                  </a:prstGeom>
-                  <a:ln w="12700">
-                    <a:solidFill>
-                      <a:schemeClr val="tx1"/>
-                    </a:solidFill>
-                  </a:ln>
-                </p:spPr>
-                <p:style>
-                  <a:lnRef idx="1">
-                    <a:schemeClr val="accent1"/>
-                  </a:lnRef>
-                  <a:fillRef idx="0">
-                    <a:schemeClr val="accent1"/>
-                  </a:fillRef>
-                  <a:effectRef idx="0">
-                    <a:schemeClr val="accent1"/>
-                  </a:effectRef>
-                  <a:fontRef idx="minor">
-                    <a:schemeClr val="tx1"/>
-                  </a:fontRef>
-                </p:style>
-              </p:cxnSp>
-              <p:cxnSp>
-                <p:nvCxnSpPr>
-                  <p:cNvPr id="191" name="Straight Connector 190"/>
-                  <p:cNvCxnSpPr/>
-                  <p:nvPr/>
-                </p:nvCxnSpPr>
-                <p:spPr>
-                  <a:xfrm>
-                    <a:off x="7036500" y="1175305"/>
-                    <a:ext cx="3995" cy="1553227"/>
-                  </a:xfrm>
-                  <a:prstGeom prst="line">
-                    <a:avLst/>
-                  </a:prstGeom>
-                  <a:ln w="12700">
-                    <a:solidFill>
-                      <a:schemeClr val="tx1"/>
-                    </a:solidFill>
-                  </a:ln>
-                </p:spPr>
-                <p:style>
-                  <a:lnRef idx="1">
-                    <a:schemeClr val="accent1"/>
-                  </a:lnRef>
-                  <a:fillRef idx="0">
-                    <a:schemeClr val="accent1"/>
-                  </a:fillRef>
-                  <a:effectRef idx="0">
-                    <a:schemeClr val="accent1"/>
-                  </a:effectRef>
-                  <a:fontRef idx="minor">
-                    <a:schemeClr val="tx1"/>
-                  </a:fontRef>
-                </p:style>
-              </p:cxnSp>
-              <p:cxnSp>
-                <p:nvCxnSpPr>
-                  <p:cNvPr id="192" name="Straight Connector 191"/>
-                  <p:cNvCxnSpPr/>
-                  <p:nvPr/>
-                </p:nvCxnSpPr>
-                <p:spPr>
-                  <a:xfrm>
-                    <a:off x="7373498" y="1172915"/>
-                    <a:ext cx="3995" cy="1553227"/>
-                  </a:xfrm>
-                  <a:prstGeom prst="line">
-                    <a:avLst/>
-                  </a:prstGeom>
-                  <a:ln w="12700">
-                    <a:solidFill>
-                      <a:schemeClr val="tx1"/>
-                    </a:solidFill>
-                  </a:ln>
-                </p:spPr>
-                <p:style>
-                  <a:lnRef idx="1">
-                    <a:schemeClr val="accent1"/>
-                  </a:lnRef>
-                  <a:fillRef idx="0">
-                    <a:schemeClr val="accent1"/>
-                  </a:fillRef>
-                  <a:effectRef idx="0">
-                    <a:schemeClr val="accent1"/>
-                  </a:effectRef>
-                  <a:fontRef idx="minor">
-                    <a:schemeClr val="tx1"/>
-                  </a:fontRef>
-                </p:style>
-              </p:cxnSp>
-              <p:cxnSp>
-                <p:nvCxnSpPr>
-                  <p:cNvPr id="194" name="Straight Connector 193"/>
-                  <p:cNvCxnSpPr/>
-                  <p:nvPr/>
-                </p:nvCxnSpPr>
-                <p:spPr>
-                  <a:xfrm>
-                    <a:off x="7710496" y="1172167"/>
-                    <a:ext cx="3995" cy="1553227"/>
-                  </a:xfrm>
-                  <a:prstGeom prst="line">
-                    <a:avLst/>
-                  </a:prstGeom>
-                  <a:ln w="12700">
-                    <a:solidFill>
-                      <a:schemeClr val="tx1"/>
-                    </a:solidFill>
-                  </a:ln>
-                </p:spPr>
-                <p:style>
-                  <a:lnRef idx="1">
-                    <a:schemeClr val="accent1"/>
-                  </a:lnRef>
-                  <a:fillRef idx="0">
-                    <a:schemeClr val="accent1"/>
-                  </a:fillRef>
-                  <a:effectRef idx="0">
-                    <a:schemeClr val="accent1"/>
-                  </a:effectRef>
-                  <a:fontRef idx="minor">
-                    <a:schemeClr val="tx1"/>
-                  </a:fontRef>
-                </p:style>
-              </p:cxnSp>
-              <p:cxnSp>
-                <p:nvCxnSpPr>
-                  <p:cNvPr id="195" name="Straight Connector 194"/>
-                  <p:cNvCxnSpPr/>
-                  <p:nvPr/>
-                </p:nvCxnSpPr>
-                <p:spPr>
-                  <a:xfrm>
-                    <a:off x="8047494" y="1173631"/>
-                    <a:ext cx="3995" cy="1553227"/>
-                  </a:xfrm>
-                  <a:prstGeom prst="line">
-                    <a:avLst/>
-                  </a:prstGeom>
-                  <a:ln w="12700">
-                    <a:solidFill>
-                      <a:schemeClr val="tx1"/>
-                    </a:solidFill>
-                  </a:ln>
-                </p:spPr>
-                <p:style>
-                  <a:lnRef idx="1">
-                    <a:schemeClr val="accent1"/>
-                  </a:lnRef>
-                  <a:fillRef idx="0">
-                    <a:schemeClr val="accent1"/>
-                  </a:fillRef>
-                  <a:effectRef idx="0">
-                    <a:schemeClr val="accent1"/>
-                  </a:effectRef>
-                  <a:fontRef idx="minor">
-                    <a:schemeClr val="tx1"/>
-                  </a:fontRef>
-                </p:style>
-              </p:cxnSp>
-              <p:cxnSp>
-                <p:nvCxnSpPr>
-                  <p:cNvPr id="196" name="Straight Connector 195"/>
-                  <p:cNvCxnSpPr/>
-                  <p:nvPr/>
-                </p:nvCxnSpPr>
-                <p:spPr>
-                  <a:xfrm>
-                    <a:off x="8384492" y="1162430"/>
-                    <a:ext cx="3995" cy="1553227"/>
-                  </a:xfrm>
-                  <a:prstGeom prst="line">
-                    <a:avLst/>
-                  </a:prstGeom>
-                  <a:ln w="12700">
-                    <a:solidFill>
-                      <a:schemeClr val="tx1"/>
-                    </a:solidFill>
-                  </a:ln>
-                </p:spPr>
-                <p:style>
-                  <a:lnRef idx="1">
-                    <a:schemeClr val="accent1"/>
-                  </a:lnRef>
-                  <a:fillRef idx="0">
-                    <a:schemeClr val="accent1"/>
-                  </a:fillRef>
-                  <a:effectRef idx="0">
-                    <a:schemeClr val="accent1"/>
-                  </a:effectRef>
-                  <a:fontRef idx="minor">
-                    <a:schemeClr val="tx1"/>
-                  </a:fontRef>
-                </p:style>
-              </p:cxnSp>
-              <p:cxnSp>
-                <p:nvCxnSpPr>
-                  <p:cNvPr id="197" name="Straight Connector 196"/>
-                  <p:cNvCxnSpPr/>
-                  <p:nvPr/>
-                </p:nvCxnSpPr>
-                <p:spPr>
-                  <a:xfrm>
-                    <a:off x="8721490" y="1162430"/>
-                    <a:ext cx="3995" cy="1553227"/>
-                  </a:xfrm>
-                  <a:prstGeom prst="line">
-                    <a:avLst/>
-                  </a:prstGeom>
-                  <a:ln w="12700">
-                    <a:solidFill>
-                      <a:schemeClr val="tx1"/>
-                    </a:solidFill>
-                  </a:ln>
-                </p:spPr>
-                <p:style>
-                  <a:lnRef idx="1">
-                    <a:schemeClr val="accent1"/>
-                  </a:lnRef>
-                  <a:fillRef idx="0">
-                    <a:schemeClr val="accent1"/>
-                  </a:fillRef>
-                  <a:effectRef idx="0">
-                    <a:schemeClr val="accent1"/>
-                  </a:effectRef>
-                  <a:fontRef idx="minor">
-                    <a:schemeClr val="tx1"/>
-                  </a:fontRef>
-                </p:style>
-              </p:cxnSp>
-              <p:cxnSp>
-                <p:nvCxnSpPr>
-                  <p:cNvPr id="198" name="Straight Connector 197"/>
-                  <p:cNvCxnSpPr/>
-                  <p:nvPr/>
-                </p:nvCxnSpPr>
-                <p:spPr>
-                  <a:xfrm>
-                    <a:off x="9395483" y="1167654"/>
-                    <a:ext cx="3995" cy="1553227"/>
-                  </a:xfrm>
-                  <a:prstGeom prst="line">
-                    <a:avLst/>
-                  </a:prstGeom>
-                  <a:ln w="12700">
-                    <a:solidFill>
-                      <a:schemeClr val="tx1"/>
-                    </a:solidFill>
-                  </a:ln>
-                </p:spPr>
-                <p:style>
-                  <a:lnRef idx="1">
-                    <a:schemeClr val="accent1"/>
-                  </a:lnRef>
-                  <a:fillRef idx="0">
-                    <a:schemeClr val="accent1"/>
-                  </a:fillRef>
-                  <a:effectRef idx="0">
-                    <a:schemeClr val="accent1"/>
-                  </a:effectRef>
-                  <a:fontRef idx="minor">
-                    <a:schemeClr val="tx1"/>
-                  </a:fontRef>
-                </p:style>
-              </p:cxnSp>
-              <p:cxnSp>
-                <p:nvCxnSpPr>
-                  <p:cNvPr id="199" name="Straight Connector 198"/>
-                  <p:cNvCxnSpPr/>
-                  <p:nvPr/>
-                </p:nvCxnSpPr>
-                <p:spPr>
-                  <a:xfrm>
-                    <a:off x="9058488" y="1161103"/>
-                    <a:ext cx="3995" cy="1553227"/>
-                  </a:xfrm>
-                  <a:prstGeom prst="line">
-                    <a:avLst/>
-                  </a:prstGeom>
-                  <a:ln w="12700">
-                    <a:solidFill>
-                      <a:schemeClr val="tx1"/>
-                    </a:solidFill>
-                  </a:ln>
-                </p:spPr>
-                <p:style>
-                  <a:lnRef idx="1">
-                    <a:schemeClr val="accent1"/>
-                  </a:lnRef>
-                  <a:fillRef idx="0">
-                    <a:schemeClr val="accent1"/>
-                  </a:fillRef>
-                  <a:effectRef idx="0">
-                    <a:schemeClr val="accent1"/>
-                  </a:effectRef>
-                  <a:fontRef idx="minor">
-                    <a:schemeClr val="tx1"/>
-                  </a:fontRef>
-                </p:style>
-              </p:cxnSp>
-              <p:sp>
-                <p:nvSpPr>
-                  <p:cNvPr id="212" name="TextBox 211"/>
-                  <p:cNvSpPr txBox="1"/>
-                  <p:nvPr/>
-                </p:nvSpPr>
-                <p:spPr>
-                  <a:xfrm rot="18900000">
-                    <a:off x="9347678" y="603389"/>
-                    <a:ext cx="994183" cy="369332"/>
-                  </a:xfrm>
-                  <a:prstGeom prst="rect">
-                    <a:avLst/>
-                  </a:prstGeom>
-                  <a:noFill/>
-                </p:spPr>
-                <p:txBody>
-                  <a:bodyPr wrap="none" rtlCol="0">
-                    <a:spAutoFit/>
-                  </a:bodyPr>
-                  <a:lstStyle/>
-                  <a:p>
-                    <a:pPr algn="ctr"/>
-                    <a:r>
-                      <a:rPr lang="en-US" dirty="0"/>
-                      <a:t>K</a:t>
-                    </a:r>
-                    <a:r>
-                      <a:rPr lang="en-US" dirty="0" smtClean="0"/>
-                      <a:t> = 1000</a:t>
-                    </a:r>
-                    <a:endParaRPr lang="en-US" dirty="0"/>
-                  </a:p>
-                </p:txBody>
-              </p:sp>
-              <p:sp>
-                <p:nvSpPr>
-                  <p:cNvPr id="216" name="TextBox 215"/>
-                  <p:cNvSpPr txBox="1"/>
-                  <p:nvPr/>
-                </p:nvSpPr>
-                <p:spPr>
-                  <a:xfrm rot="18900000">
-                    <a:off x="6302330" y="606423"/>
-                    <a:ext cx="994183" cy="369332"/>
-                  </a:xfrm>
-                  <a:prstGeom prst="rect">
-                    <a:avLst/>
-                  </a:prstGeom>
-                  <a:noFill/>
-                </p:spPr>
-                <p:txBody>
-                  <a:bodyPr wrap="none" rtlCol="0">
-                    <a:spAutoFit/>
-                  </a:bodyPr>
-                  <a:lstStyle/>
-                  <a:p>
-                    <a:pPr algn="ctr"/>
-                    <a:r>
-                      <a:rPr lang="en-US" dirty="0"/>
-                      <a:t>K</a:t>
-                    </a:r>
-                    <a:r>
-                      <a:rPr lang="en-US" dirty="0" smtClean="0"/>
-                      <a:t> = 1000</a:t>
-                    </a:r>
-                    <a:endParaRPr lang="en-US" dirty="0"/>
-                  </a:p>
-                </p:txBody>
-              </p:sp>
-              <p:sp>
-                <p:nvSpPr>
-                  <p:cNvPr id="217" name="TextBox 216"/>
-                  <p:cNvSpPr txBox="1"/>
-                  <p:nvPr/>
-                </p:nvSpPr>
-                <p:spPr>
-                  <a:xfrm rot="18900000">
-                    <a:off x="1869457" y="607050"/>
-                    <a:ext cx="994183" cy="369332"/>
-                  </a:xfrm>
-                  <a:prstGeom prst="rect">
-                    <a:avLst/>
-                  </a:prstGeom>
-                  <a:noFill/>
-                </p:spPr>
-                <p:txBody>
-                  <a:bodyPr wrap="none" rtlCol="0">
-                    <a:spAutoFit/>
-                  </a:bodyPr>
-                  <a:lstStyle/>
-                  <a:p>
-                    <a:pPr algn="ctr"/>
-                    <a:r>
-                      <a:rPr lang="en-US" dirty="0"/>
-                      <a:t>K</a:t>
-                    </a:r>
-                    <a:r>
-                      <a:rPr lang="en-US" dirty="0" smtClean="0"/>
-                      <a:t> = 1000</a:t>
-                    </a:r>
-                    <a:endParaRPr lang="en-US" dirty="0"/>
-                  </a:p>
-                </p:txBody>
-              </p:sp>
-              <p:sp>
-                <p:nvSpPr>
-                  <p:cNvPr id="218" name="TextBox 217"/>
-                  <p:cNvSpPr txBox="1"/>
-                  <p:nvPr/>
-                </p:nvSpPr>
-                <p:spPr>
-                  <a:xfrm rot="18900000">
-                    <a:off x="4856058" y="1391900"/>
-                    <a:ext cx="760144" cy="369332"/>
-                  </a:xfrm>
-                  <a:prstGeom prst="rect">
-                    <a:avLst/>
-                  </a:prstGeom>
-                  <a:noFill/>
-                </p:spPr>
-                <p:txBody>
-                  <a:bodyPr wrap="none" rtlCol="0">
-                    <a:spAutoFit/>
-                  </a:bodyPr>
-                  <a:lstStyle/>
-                  <a:p>
-                    <a:pPr algn="ctr"/>
-                    <a:r>
-                      <a:rPr lang="en-US" dirty="0"/>
-                      <a:t>K</a:t>
-                    </a:r>
-                    <a:r>
-                      <a:rPr lang="en-US" dirty="0" smtClean="0"/>
-                      <a:t> = 10</a:t>
-                    </a:r>
-                    <a:endParaRPr lang="en-US" dirty="0"/>
-                  </a:p>
-                </p:txBody>
-              </p:sp>
-              <p:sp>
-                <p:nvSpPr>
-                  <p:cNvPr id="219" name="TextBox 218"/>
-                  <p:cNvSpPr txBox="1"/>
-                  <p:nvPr/>
-                </p:nvSpPr>
-                <p:spPr>
-                  <a:xfrm>
-                    <a:off x="1399050" y="2728532"/>
-                    <a:ext cx="670568" cy="369332"/>
-                  </a:xfrm>
-                  <a:prstGeom prst="rect">
-                    <a:avLst/>
-                  </a:prstGeom>
-                  <a:noFill/>
-                </p:spPr>
-                <p:txBody>
-                  <a:bodyPr wrap="none" rtlCol="0">
-                    <a:spAutoFit/>
-                  </a:bodyPr>
-                  <a:lstStyle/>
-                  <a:p>
-                    <a:r>
-                      <a:rPr lang="en-US" dirty="0" smtClean="0"/>
-                      <a:t>Rural</a:t>
-                    </a:r>
-                    <a:endParaRPr lang="en-US" dirty="0"/>
-                  </a:p>
-                </p:txBody>
-              </p:sp>
-              <p:sp>
-                <p:nvSpPr>
-                  <p:cNvPr id="220" name="TextBox 219"/>
-                  <p:cNvSpPr txBox="1"/>
-                  <p:nvPr/>
-                </p:nvSpPr>
-                <p:spPr>
-                  <a:xfrm>
-                    <a:off x="4960444" y="1993505"/>
-                    <a:ext cx="766557" cy="369332"/>
-                  </a:xfrm>
-                  <a:prstGeom prst="rect">
-                    <a:avLst/>
-                  </a:prstGeom>
-                  <a:noFill/>
-                </p:spPr>
-                <p:txBody>
-                  <a:bodyPr wrap="none" rtlCol="0">
-                    <a:spAutoFit/>
-                  </a:bodyPr>
-                  <a:lstStyle/>
-                  <a:p>
-                    <a:r>
-                      <a:rPr lang="en-US" smtClean="0"/>
-                      <a:t>Urban</a:t>
-                    </a:r>
-                    <a:endParaRPr lang="en-US"/>
-                  </a:p>
-                </p:txBody>
-              </p:sp>
-              <p:sp>
-                <p:nvSpPr>
-                  <p:cNvPr id="221" name="TextBox 220"/>
-                  <p:cNvSpPr txBox="1"/>
-                  <p:nvPr/>
-                </p:nvSpPr>
-                <p:spPr>
-                  <a:xfrm>
-                    <a:off x="9461939" y="2723614"/>
-                    <a:ext cx="766557" cy="369332"/>
-                  </a:xfrm>
-                  <a:prstGeom prst="rect">
-                    <a:avLst/>
-                  </a:prstGeom>
-                  <a:noFill/>
-                </p:spPr>
-                <p:txBody>
-                  <a:bodyPr wrap="none" rtlCol="0">
-                    <a:spAutoFit/>
-                  </a:bodyPr>
-                  <a:lstStyle/>
-                  <a:p>
-                    <a:r>
-                      <a:rPr lang="en-US" smtClean="0"/>
-                      <a:t>Urban</a:t>
-                    </a:r>
-                    <a:endParaRPr lang="en-US"/>
-                  </a:p>
-                </p:txBody>
-              </p:sp>
-              <p:sp>
-                <p:nvSpPr>
-                  <p:cNvPr id="223" name="TextBox 222"/>
-                  <p:cNvSpPr txBox="1"/>
-                  <p:nvPr/>
-                </p:nvSpPr>
-                <p:spPr>
-                  <a:xfrm>
-                    <a:off x="5859339" y="2728532"/>
-                    <a:ext cx="670568" cy="369332"/>
-                  </a:xfrm>
-                  <a:prstGeom prst="rect">
-                    <a:avLst/>
-                  </a:prstGeom>
-                  <a:noFill/>
-                </p:spPr>
-                <p:txBody>
-                  <a:bodyPr wrap="none" rtlCol="0">
-                    <a:spAutoFit/>
-                  </a:bodyPr>
-                  <a:lstStyle/>
-                  <a:p>
-                    <a:r>
-                      <a:rPr lang="en-US" dirty="0" smtClean="0"/>
-                      <a:t>Rural</a:t>
-                    </a:r>
-                    <a:endParaRPr lang="en-US" dirty="0"/>
-                  </a:p>
-                </p:txBody>
-              </p:sp>
-              <p:sp>
-                <p:nvSpPr>
-                  <p:cNvPr id="227" name="U-Turn Arrow 226"/>
-                  <p:cNvSpPr/>
-                  <p:nvPr/>
-                </p:nvSpPr>
-                <p:spPr>
-                  <a:xfrm flipV="1">
-                    <a:off x="6541284" y="2751973"/>
-                    <a:ext cx="321611" cy="269675"/>
-                  </a:xfrm>
-                  <a:prstGeom prst="uturnArrow">
-                    <a:avLst>
-                      <a:gd name="adj1" fmla="val 3061"/>
-                      <a:gd name="adj2" fmla="val 9044"/>
-                      <a:gd name="adj3" fmla="val 9044"/>
-                      <a:gd name="adj4" fmla="val 43750"/>
-                      <a:gd name="adj5" fmla="val 100000"/>
-                    </a:avLst>
-                  </a:prstGeom>
-                  <a:solidFill>
-                    <a:schemeClr val="tx1"/>
-                  </a:solidFill>
-                  <a:ln>
-                    <a:solidFill>
-                      <a:schemeClr val="tx1"/>
-                    </a:solidFill>
-                  </a:ln>
-                </p:spPr>
-                <p:style>
-                  <a:lnRef idx="2">
-                    <a:schemeClr val="accent1">
-                      <a:shade val="50000"/>
-                    </a:schemeClr>
-                  </a:lnRef>
-                  <a:fillRef idx="1">
-                    <a:schemeClr val="accent1"/>
-                  </a:fillRef>
-                  <a:effectRef idx="0">
-                    <a:schemeClr val="accent1"/>
-                  </a:effectRef>
-                  <a:fontRef idx="minor">
-                    <a:schemeClr val="lt1"/>
-                  </a:fontRef>
-                </p:style>
-                <p:txBody>
-                  <a:bodyPr rtlCol="0" anchor="ctr"/>
-                  <a:lstStyle/>
-                  <a:p>
-                    <a:pPr algn="ctr"/>
-                    <a:endParaRPr lang="en-US">
-                      <a:solidFill>
-                        <a:schemeClr val="tx1"/>
-                      </a:solidFill>
-                    </a:endParaRPr>
-                  </a:p>
-                </p:txBody>
-              </p:sp>
-              <p:sp>
-                <p:nvSpPr>
-                  <p:cNvPr id="228" name="U-Turn Arrow 227"/>
-                  <p:cNvSpPr/>
-                  <p:nvPr/>
-                </p:nvSpPr>
-                <p:spPr>
-                  <a:xfrm flipV="1">
-                    <a:off x="7890683" y="2745879"/>
-                    <a:ext cx="321611" cy="269675"/>
-                  </a:xfrm>
-                  <a:prstGeom prst="uturnArrow">
-                    <a:avLst>
-                      <a:gd name="adj1" fmla="val 3061"/>
-                      <a:gd name="adj2" fmla="val 9044"/>
-                      <a:gd name="adj3" fmla="val 9044"/>
-                      <a:gd name="adj4" fmla="val 43750"/>
-                      <a:gd name="adj5" fmla="val 100000"/>
-                    </a:avLst>
-                  </a:prstGeom>
-                  <a:solidFill>
-                    <a:schemeClr val="tx1"/>
-                  </a:solidFill>
-                  <a:ln>
-                    <a:solidFill>
-                      <a:schemeClr val="tx1"/>
-                    </a:solidFill>
-                  </a:ln>
-                </p:spPr>
-                <p:style>
-                  <a:lnRef idx="2">
-                    <a:schemeClr val="accent1">
-                      <a:shade val="50000"/>
-                    </a:schemeClr>
-                  </a:lnRef>
-                  <a:fillRef idx="1">
-                    <a:schemeClr val="accent1"/>
-                  </a:fillRef>
-                  <a:effectRef idx="0">
-                    <a:schemeClr val="accent1"/>
-                  </a:effectRef>
-                  <a:fontRef idx="minor">
-                    <a:schemeClr val="lt1"/>
-                  </a:fontRef>
-                </p:style>
-                <p:txBody>
-                  <a:bodyPr rtlCol="0" anchor="ctr"/>
-                  <a:lstStyle/>
-                  <a:p>
-                    <a:pPr algn="ctr"/>
-                    <a:endParaRPr lang="en-US">
-                      <a:solidFill>
-                        <a:schemeClr val="tx1"/>
-                      </a:solidFill>
-                    </a:endParaRPr>
-                  </a:p>
-                </p:txBody>
-              </p:sp>
-              <p:sp>
-                <p:nvSpPr>
-                  <p:cNvPr id="229" name="U-Turn Arrow 228"/>
-                  <p:cNvSpPr/>
-                  <p:nvPr/>
-                </p:nvSpPr>
-                <p:spPr>
-                  <a:xfrm flipV="1">
-                    <a:off x="6869619" y="2751973"/>
-                    <a:ext cx="321611" cy="269675"/>
-                  </a:xfrm>
-                  <a:prstGeom prst="uturnArrow">
-                    <a:avLst>
-                      <a:gd name="adj1" fmla="val 3061"/>
-                      <a:gd name="adj2" fmla="val 9044"/>
-                      <a:gd name="adj3" fmla="val 9044"/>
-                      <a:gd name="adj4" fmla="val 43750"/>
-                      <a:gd name="adj5" fmla="val 100000"/>
-                    </a:avLst>
-                  </a:prstGeom>
-                  <a:solidFill>
-                    <a:schemeClr val="tx1"/>
-                  </a:solidFill>
-                  <a:ln>
-                    <a:solidFill>
-                      <a:schemeClr val="tx1"/>
-                    </a:solidFill>
-                  </a:ln>
-                </p:spPr>
-                <p:style>
-                  <a:lnRef idx="2">
-                    <a:schemeClr val="accent1">
-                      <a:shade val="50000"/>
-                    </a:schemeClr>
-                  </a:lnRef>
-                  <a:fillRef idx="1">
-                    <a:schemeClr val="accent1"/>
-                  </a:fillRef>
-                  <a:effectRef idx="0">
-                    <a:schemeClr val="accent1"/>
-                  </a:effectRef>
-                  <a:fontRef idx="minor">
-                    <a:schemeClr val="lt1"/>
-                  </a:fontRef>
-                </p:style>
-                <p:txBody>
-                  <a:bodyPr rtlCol="0" anchor="ctr"/>
-                  <a:lstStyle/>
-                  <a:p>
-                    <a:pPr algn="ctr"/>
-                    <a:endParaRPr lang="en-US">
-                      <a:solidFill>
-                        <a:schemeClr val="tx1"/>
-                      </a:solidFill>
-                    </a:endParaRPr>
-                  </a:p>
-                </p:txBody>
-              </p:sp>
-              <p:sp>
-                <p:nvSpPr>
-                  <p:cNvPr id="230" name="U-Turn Arrow 229"/>
-                  <p:cNvSpPr/>
-                  <p:nvPr/>
-                </p:nvSpPr>
-                <p:spPr>
-                  <a:xfrm flipV="1">
-                    <a:off x="7212692" y="2751973"/>
-                    <a:ext cx="321611" cy="269675"/>
-                  </a:xfrm>
-                  <a:prstGeom prst="uturnArrow">
-                    <a:avLst>
-                      <a:gd name="adj1" fmla="val 3061"/>
-                      <a:gd name="adj2" fmla="val 9044"/>
-                      <a:gd name="adj3" fmla="val 9044"/>
-                      <a:gd name="adj4" fmla="val 43750"/>
-                      <a:gd name="adj5" fmla="val 100000"/>
-                    </a:avLst>
-                  </a:prstGeom>
-                  <a:solidFill>
-                    <a:schemeClr val="tx1"/>
-                  </a:solidFill>
-                  <a:ln>
-                    <a:solidFill>
-                      <a:schemeClr val="tx1"/>
-                    </a:solidFill>
-                  </a:ln>
-                </p:spPr>
-                <p:style>
-                  <a:lnRef idx="2">
-                    <a:schemeClr val="accent1">
-                      <a:shade val="50000"/>
-                    </a:schemeClr>
-                  </a:lnRef>
-                  <a:fillRef idx="1">
-                    <a:schemeClr val="accent1"/>
-                  </a:fillRef>
-                  <a:effectRef idx="0">
-                    <a:schemeClr val="accent1"/>
-                  </a:effectRef>
-                  <a:fontRef idx="minor">
-                    <a:schemeClr val="lt1"/>
-                  </a:fontRef>
-                </p:style>
-                <p:txBody>
-                  <a:bodyPr rtlCol="0" anchor="ctr"/>
-                  <a:lstStyle/>
-                  <a:p>
-                    <a:pPr algn="ctr"/>
-                    <a:endParaRPr lang="en-US">
-                      <a:solidFill>
-                        <a:schemeClr val="tx1"/>
-                      </a:solidFill>
-                    </a:endParaRPr>
-                  </a:p>
-                </p:txBody>
-              </p:sp>
-              <p:sp>
-                <p:nvSpPr>
-                  <p:cNvPr id="231" name="U-Turn Arrow 230"/>
-                  <p:cNvSpPr/>
-                  <p:nvPr/>
-                </p:nvSpPr>
-                <p:spPr>
-                  <a:xfrm flipV="1">
-                    <a:off x="7549687" y="2751973"/>
-                    <a:ext cx="321611" cy="269675"/>
-                  </a:xfrm>
-                  <a:prstGeom prst="uturnArrow">
-                    <a:avLst>
-                      <a:gd name="adj1" fmla="val 3061"/>
-                      <a:gd name="adj2" fmla="val 9044"/>
-                      <a:gd name="adj3" fmla="val 9044"/>
-                      <a:gd name="adj4" fmla="val 43750"/>
-                      <a:gd name="adj5" fmla="val 100000"/>
-                    </a:avLst>
-                  </a:prstGeom>
-                  <a:solidFill>
-                    <a:schemeClr val="tx1"/>
-                  </a:solidFill>
-                  <a:ln>
-                    <a:solidFill>
-                      <a:schemeClr val="tx1"/>
-                    </a:solidFill>
-                  </a:ln>
-                </p:spPr>
-                <p:style>
-                  <a:lnRef idx="2">
-                    <a:schemeClr val="accent1">
-                      <a:shade val="50000"/>
-                    </a:schemeClr>
-                  </a:lnRef>
-                  <a:fillRef idx="1">
-                    <a:schemeClr val="accent1"/>
-                  </a:fillRef>
-                  <a:effectRef idx="0">
-                    <a:schemeClr val="accent1"/>
-                  </a:effectRef>
-                  <a:fontRef idx="minor">
-                    <a:schemeClr val="lt1"/>
-                  </a:fontRef>
-                </p:style>
-                <p:txBody>
-                  <a:bodyPr rtlCol="0" anchor="ctr"/>
-                  <a:lstStyle/>
-                  <a:p>
-                    <a:pPr algn="ctr"/>
-                    <a:endParaRPr lang="en-US">
-                      <a:solidFill>
-                        <a:schemeClr val="tx1"/>
-                      </a:solidFill>
-                    </a:endParaRPr>
-                  </a:p>
-                </p:txBody>
-              </p:sp>
-              <p:sp>
-                <p:nvSpPr>
-                  <p:cNvPr id="232" name="TextBox 231"/>
-                  <p:cNvSpPr txBox="1"/>
-                  <p:nvPr/>
-                </p:nvSpPr>
-                <p:spPr>
-                  <a:xfrm>
-                    <a:off x="6710414" y="2956452"/>
-                    <a:ext cx="1349087" cy="369332"/>
-                  </a:xfrm>
-                  <a:prstGeom prst="rect">
-                    <a:avLst/>
-                  </a:prstGeom>
-                  <a:noFill/>
-                </p:spPr>
-                <p:txBody>
-                  <a:bodyPr wrap="none" rtlCol="0">
-                    <a:spAutoFit/>
-                  </a:bodyPr>
-                  <a:lstStyle/>
-                  <a:p>
-                    <a:r>
-                      <a:rPr lang="en-US" smtClean="0"/>
-                      <a:t>Colonization</a:t>
-                    </a:r>
-                    <a:endParaRPr lang="en-US"/>
-                  </a:p>
-                </p:txBody>
-              </p:sp>
-              <p:sp>
-                <p:nvSpPr>
-                  <p:cNvPr id="234" name="TextBox 233"/>
-                  <p:cNvSpPr txBox="1"/>
-                  <p:nvPr/>
-                </p:nvSpPr>
-                <p:spPr>
-                  <a:xfrm>
-                    <a:off x="1553034" y="673412"/>
-                    <a:ext cx="362600" cy="461665"/>
-                  </a:xfrm>
-                  <a:prstGeom prst="rect">
-                    <a:avLst/>
-                  </a:prstGeom>
-                  <a:noFill/>
-                </p:spPr>
-                <p:txBody>
-                  <a:bodyPr wrap="none" rtlCol="0">
-                    <a:spAutoFit/>
-                  </a:bodyPr>
-                  <a:lstStyle/>
-                  <a:p>
-                    <a:r>
-                      <a:rPr lang="en-US" sz="2400" dirty="0" smtClean="0"/>
-                      <a:t>A</a:t>
-                    </a:r>
-                    <a:endParaRPr lang="en-US" sz="2400" dirty="0"/>
-                  </a:p>
-                </p:txBody>
-              </p:sp>
-              <p:sp>
-                <p:nvSpPr>
-                  <p:cNvPr id="235" name="TextBox 234"/>
-                  <p:cNvSpPr txBox="1"/>
-                  <p:nvPr/>
-                </p:nvSpPr>
-                <p:spPr>
-                  <a:xfrm>
-                    <a:off x="6005869" y="673412"/>
-                    <a:ext cx="362600" cy="461665"/>
-                  </a:xfrm>
-                  <a:prstGeom prst="rect">
-                    <a:avLst/>
-                  </a:prstGeom>
-                  <a:noFill/>
-                </p:spPr>
-                <p:txBody>
-                  <a:bodyPr wrap="none" rtlCol="0">
-                    <a:spAutoFit/>
-                  </a:bodyPr>
-                  <a:lstStyle/>
-                  <a:p>
-                    <a:r>
-                      <a:rPr lang="en-US" sz="2400" dirty="0" smtClean="0"/>
-                      <a:t>B</a:t>
-                    </a:r>
-                    <a:endParaRPr lang="en-US" sz="2400" dirty="0"/>
-                  </a:p>
-                </p:txBody>
-              </p:sp>
-              <p:sp>
-                <p:nvSpPr>
-                  <p:cNvPr id="236" name="TextBox 235"/>
-                  <p:cNvSpPr txBox="1"/>
-                  <p:nvPr/>
-                </p:nvSpPr>
-                <p:spPr>
-                  <a:xfrm>
-                    <a:off x="1553034" y="3845024"/>
-                    <a:ext cx="348172" cy="461665"/>
-                  </a:xfrm>
-                  <a:prstGeom prst="rect">
-                    <a:avLst/>
-                  </a:prstGeom>
-                  <a:noFill/>
-                </p:spPr>
-                <p:txBody>
-                  <a:bodyPr wrap="none" rtlCol="0">
-                    <a:spAutoFit/>
-                  </a:bodyPr>
-                  <a:lstStyle/>
-                  <a:p>
-                    <a:r>
-                      <a:rPr lang="en-US" sz="2400" dirty="0" smtClean="0"/>
-                      <a:t>C</a:t>
-                    </a:r>
-                    <a:endParaRPr lang="en-US" sz="2400" dirty="0"/>
-                  </a:p>
-                </p:txBody>
-              </p:sp>
-            </p:grpSp>
           </p:grpSp>
+          <p:sp>
+            <p:nvSpPr>
+              <p:cNvPr id="236" name="TextBox 235"/>
+              <p:cNvSpPr txBox="1"/>
+              <p:nvPr/>
+            </p:nvSpPr>
+            <p:spPr>
+              <a:xfrm>
+                <a:off x="1553034" y="3845024"/>
+                <a:ext cx="348172" cy="461665"/>
+              </a:xfrm>
+              <a:prstGeom prst="rect">
+                <a:avLst/>
+              </a:prstGeom>
+              <a:noFill/>
+            </p:spPr>
+            <p:txBody>
+              <a:bodyPr wrap="none" rtlCol="0">
+                <a:spAutoFit/>
+              </a:bodyPr>
+              <a:lstStyle/>
+              <a:p>
+                <a:r>
+                  <a:rPr lang="en-US" sz="2400" dirty="0" smtClean="0"/>
+                  <a:t>C</a:t>
+                </a:r>
+                <a:endParaRPr lang="en-US" sz="2400" dirty="0"/>
+              </a:p>
+            </p:txBody>
+          </p:sp>
           <p:cxnSp>
             <p:nvCxnSpPr>
               <p:cNvPr id="254" name="Straight Connector 253"/>
@@ -5503,246 +5533,336 @@
               </a:fontRef>
             </p:style>
           </p:cxnSp>
+          <p:sp>
+            <p:nvSpPr>
+              <p:cNvPr id="3" name="TextBox 2"/>
+              <p:cNvSpPr txBox="1"/>
+              <p:nvPr/>
+            </p:nvSpPr>
+            <p:spPr>
+              <a:xfrm>
+                <a:off x="4787830" y="4637361"/>
+                <a:ext cx="1111907" cy="369332"/>
+              </a:xfrm>
+              <a:prstGeom prst="rect">
+                <a:avLst/>
+              </a:prstGeom>
+              <a:noFill/>
+            </p:spPr>
+            <p:txBody>
+              <a:bodyPr wrap="none" rtlCol="0">
+                <a:spAutoFit/>
+              </a:bodyPr>
+              <a:lstStyle/>
+              <a:p>
+                <a:r>
+                  <a:rPr lang="en-US" dirty="0" err="1" smtClean="0"/>
+                  <a:t>p</a:t>
+                </a:r>
+                <a:r>
+                  <a:rPr lang="en-US" baseline="-25000" dirty="0" err="1"/>
+                  <a:t>B</a:t>
+                </a:r>
+                <a:r>
+                  <a:rPr lang="en-US" baseline="-25000" dirty="0" smtClean="0"/>
+                  <a:t> </a:t>
+                </a:r>
+                <a:r>
+                  <a:rPr lang="en-US" dirty="0" smtClean="0"/>
+                  <a:t>(e.g. </a:t>
+                </a:r>
+                <a:r>
+                  <a:rPr lang="en-US" i="1" dirty="0" smtClean="0"/>
+                  <a:t>Li</a:t>
+                </a:r>
+                <a:r>
+                  <a:rPr lang="en-US" dirty="0" smtClean="0"/>
+                  <a:t>)</a:t>
+                </a:r>
+                <a:endParaRPr lang="en-US" i="1" baseline="-25000" dirty="0"/>
+              </a:p>
+            </p:txBody>
+          </p:sp>
+          <p:sp>
+            <p:nvSpPr>
+              <p:cNvPr id="77" name="TextBox 76"/>
+              <p:cNvSpPr txBox="1"/>
+              <p:nvPr/>
+            </p:nvSpPr>
+            <p:spPr>
+              <a:xfrm>
+                <a:off x="7189160" y="4631309"/>
+                <a:ext cx="1111907" cy="369332"/>
+              </a:xfrm>
+              <a:prstGeom prst="rect">
+                <a:avLst/>
+              </a:prstGeom>
+              <a:noFill/>
+            </p:spPr>
+            <p:txBody>
+              <a:bodyPr wrap="none" rtlCol="0">
+                <a:spAutoFit/>
+              </a:bodyPr>
+              <a:lstStyle/>
+              <a:p>
+                <a:r>
+                  <a:rPr lang="en-US" dirty="0" err="1" smtClean="0"/>
+                  <a:t>p</a:t>
+                </a:r>
+                <a:r>
+                  <a:rPr lang="en-US" baseline="-25000" dirty="0" err="1"/>
+                  <a:t>B</a:t>
+                </a:r>
+                <a:r>
+                  <a:rPr lang="en-US" baseline="-25000" dirty="0" smtClean="0"/>
+                  <a:t> </a:t>
+                </a:r>
+                <a:r>
+                  <a:rPr lang="en-US" dirty="0" smtClean="0"/>
+                  <a:t>(e.g. </a:t>
+                </a:r>
+                <a:r>
+                  <a:rPr lang="en-US" i="1" dirty="0" smtClean="0"/>
+                  <a:t>Li</a:t>
+                </a:r>
+                <a:r>
+                  <a:rPr lang="en-US" dirty="0" smtClean="0"/>
+                  <a:t>)</a:t>
+                </a:r>
+                <a:endParaRPr lang="en-US" i="1" baseline="-25000" dirty="0"/>
+              </a:p>
+            </p:txBody>
+          </p:sp>
+          <p:sp>
+            <p:nvSpPr>
+              <p:cNvPr id="78" name="TextBox 77"/>
+              <p:cNvSpPr txBox="1"/>
+              <p:nvPr/>
+            </p:nvSpPr>
+            <p:spPr>
+              <a:xfrm>
+                <a:off x="4809090" y="5431259"/>
+                <a:ext cx="1067023" cy="369332"/>
+              </a:xfrm>
+              <a:prstGeom prst="rect">
+                <a:avLst/>
+              </a:prstGeom>
+              <a:noFill/>
+            </p:spPr>
+            <p:txBody>
+              <a:bodyPr wrap="none" rtlCol="0">
+                <a:spAutoFit/>
+              </a:bodyPr>
+              <a:lstStyle/>
+              <a:p>
+                <a:r>
+                  <a:rPr lang="en-US" dirty="0" err="1" smtClean="0"/>
+                  <a:t>q</a:t>
+                </a:r>
+                <a:r>
+                  <a:rPr lang="en-US" baseline="-25000" dirty="0" err="1"/>
+                  <a:t>B</a:t>
+                </a:r>
+                <a:r>
+                  <a:rPr lang="en-US" baseline="-25000" dirty="0" smtClean="0"/>
+                  <a:t> </a:t>
+                </a:r>
+                <a:r>
+                  <a:rPr lang="en-US" dirty="0" smtClean="0"/>
+                  <a:t>(e.g. </a:t>
+                </a:r>
+                <a:r>
+                  <a:rPr lang="en-US" i="1" dirty="0"/>
+                  <a:t>l</a:t>
+                </a:r>
+                <a:r>
+                  <a:rPr lang="en-US" i="1" dirty="0" smtClean="0"/>
+                  <a:t>i</a:t>
+                </a:r>
+                <a:r>
+                  <a:rPr lang="en-US" dirty="0" smtClean="0"/>
+                  <a:t>)</a:t>
+                </a:r>
+                <a:endParaRPr lang="en-US" i="1" baseline="-25000" dirty="0"/>
+              </a:p>
+            </p:txBody>
+          </p:sp>
+          <p:sp>
+            <p:nvSpPr>
+              <p:cNvPr id="79" name="TextBox 78"/>
+              <p:cNvSpPr txBox="1"/>
+              <p:nvPr/>
+            </p:nvSpPr>
+            <p:spPr>
+              <a:xfrm>
+                <a:off x="7205174" y="5431259"/>
+                <a:ext cx="1067023" cy="369332"/>
+              </a:xfrm>
+              <a:prstGeom prst="rect">
+                <a:avLst/>
+              </a:prstGeom>
+              <a:noFill/>
+            </p:spPr>
+            <p:txBody>
+              <a:bodyPr wrap="none" rtlCol="0">
+                <a:spAutoFit/>
+              </a:bodyPr>
+              <a:lstStyle/>
+              <a:p>
+                <a:r>
+                  <a:rPr lang="en-US" dirty="0" err="1" smtClean="0"/>
+                  <a:t>q</a:t>
+                </a:r>
+                <a:r>
+                  <a:rPr lang="en-US" baseline="-25000" dirty="0" err="1"/>
+                  <a:t>B</a:t>
+                </a:r>
+                <a:r>
+                  <a:rPr lang="en-US" baseline="-25000" dirty="0" smtClean="0"/>
+                  <a:t> </a:t>
+                </a:r>
+                <a:r>
+                  <a:rPr lang="en-US" dirty="0" smtClean="0"/>
+                  <a:t>(e.g. </a:t>
+                </a:r>
+                <a:r>
+                  <a:rPr lang="en-US" i="1" dirty="0"/>
+                  <a:t>l</a:t>
+                </a:r>
+                <a:r>
+                  <a:rPr lang="en-US" i="1" dirty="0" smtClean="0"/>
+                  <a:t>i</a:t>
+                </a:r>
+                <a:r>
+                  <a:rPr lang="en-US" dirty="0" smtClean="0"/>
+                  <a:t>)</a:t>
+                </a:r>
+                <a:endParaRPr lang="en-US" i="1" baseline="-25000" dirty="0"/>
+              </a:p>
+            </p:txBody>
+          </p:sp>
+          <p:sp>
+            <p:nvSpPr>
+              <p:cNvPr id="9" name="TextBox 8"/>
+              <p:cNvSpPr txBox="1"/>
+              <p:nvPr/>
+            </p:nvSpPr>
+            <p:spPr>
+              <a:xfrm>
+                <a:off x="3914170" y="4619433"/>
+                <a:ext cx="442750" cy="369332"/>
+              </a:xfrm>
+              <a:prstGeom prst="rect">
+                <a:avLst/>
+              </a:prstGeom>
+              <a:noFill/>
+            </p:spPr>
+            <p:txBody>
+              <a:bodyPr wrap="none" rtlCol="0">
+                <a:spAutoFit/>
+              </a:bodyPr>
+              <a:lstStyle/>
+              <a:p>
+                <a:r>
+                  <a:rPr lang="en-US" smtClean="0"/>
+                  <a:t>(1)</a:t>
+                </a:r>
+                <a:endParaRPr lang="en-US"/>
+              </a:p>
+            </p:txBody>
+          </p:sp>
+          <p:sp>
+            <p:nvSpPr>
+              <p:cNvPr id="80" name="TextBox 79"/>
+              <p:cNvSpPr txBox="1"/>
+              <p:nvPr/>
+            </p:nvSpPr>
+            <p:spPr>
+              <a:xfrm>
+                <a:off x="6323814" y="4616684"/>
+                <a:ext cx="442750" cy="369332"/>
+              </a:xfrm>
+              <a:prstGeom prst="rect">
+                <a:avLst/>
+              </a:prstGeom>
+              <a:noFill/>
+            </p:spPr>
+            <p:txBody>
+              <a:bodyPr wrap="none" rtlCol="0">
+                <a:spAutoFit/>
+              </a:bodyPr>
+              <a:lstStyle/>
+              <a:p>
+                <a:r>
+                  <a:rPr lang="en-US" smtClean="0"/>
+                  <a:t>(2)</a:t>
+                </a:r>
+                <a:endParaRPr lang="en-US"/>
+              </a:p>
+            </p:txBody>
+          </p:sp>
+          <p:sp>
+            <p:nvSpPr>
+              <p:cNvPr id="81" name="TextBox 80"/>
+              <p:cNvSpPr txBox="1"/>
+              <p:nvPr/>
+            </p:nvSpPr>
+            <p:spPr>
+              <a:xfrm>
+                <a:off x="8186260" y="3474674"/>
+                <a:ext cx="442750" cy="369332"/>
+              </a:xfrm>
+              <a:prstGeom prst="rect">
+                <a:avLst/>
+              </a:prstGeom>
+              <a:noFill/>
+            </p:spPr>
+            <p:txBody>
+              <a:bodyPr wrap="none" rtlCol="0">
+                <a:spAutoFit/>
+              </a:bodyPr>
+              <a:lstStyle/>
+              <a:p>
+                <a:r>
+                  <a:rPr lang="en-US" smtClean="0"/>
+                  <a:t>(3)</a:t>
+                </a:r>
+                <a:endParaRPr lang="en-US"/>
+              </a:p>
+            </p:txBody>
+          </p:sp>
+          <p:sp>
+            <p:nvSpPr>
+              <p:cNvPr id="82" name="TextBox 81"/>
+              <p:cNvSpPr txBox="1"/>
+              <p:nvPr/>
+            </p:nvSpPr>
+            <p:spPr>
+              <a:xfrm>
+                <a:off x="8873049" y="4624602"/>
+                <a:ext cx="442750" cy="369332"/>
+              </a:xfrm>
+              <a:prstGeom prst="rect">
+                <a:avLst/>
+              </a:prstGeom>
+              <a:noFill/>
+            </p:spPr>
+            <p:txBody>
+              <a:bodyPr wrap="none" rtlCol="0">
+                <a:spAutoFit/>
+              </a:bodyPr>
+              <a:lstStyle/>
+              <a:p>
+                <a:r>
+                  <a:rPr lang="en-US" dirty="0" smtClean="0"/>
+                  <a:t>(4)</a:t>
+                </a:r>
+                <a:endParaRPr lang="en-US" dirty="0"/>
+              </a:p>
+            </p:txBody>
+          </p:sp>
         </p:grpSp>
-        <p:sp>
-          <p:nvSpPr>
-            <p:cNvPr id="3" name="TextBox 2"/>
-            <p:cNvSpPr txBox="1"/>
-            <p:nvPr/>
-          </p:nvSpPr>
-          <p:spPr>
-            <a:xfrm>
-              <a:off x="4787830" y="4637361"/>
-              <a:ext cx="1111907" cy="369332"/>
-            </a:xfrm>
-            <a:prstGeom prst="rect">
-              <a:avLst/>
-            </a:prstGeom>
-            <a:noFill/>
-          </p:spPr>
-          <p:txBody>
-            <a:bodyPr wrap="none" rtlCol="0">
-              <a:spAutoFit/>
-            </a:bodyPr>
-            <a:lstStyle/>
-            <a:p>
-              <a:r>
-                <a:rPr lang="en-US" dirty="0" err="1" smtClean="0"/>
-                <a:t>p</a:t>
-              </a:r>
-              <a:r>
-                <a:rPr lang="en-US" baseline="-25000" dirty="0" err="1"/>
-                <a:t>B</a:t>
-              </a:r>
-              <a:r>
-                <a:rPr lang="en-US" baseline="-25000" dirty="0" smtClean="0"/>
-                <a:t> </a:t>
-              </a:r>
-              <a:r>
-                <a:rPr lang="en-US" dirty="0" smtClean="0"/>
-                <a:t>(e.g. </a:t>
-              </a:r>
-              <a:r>
-                <a:rPr lang="en-US" i="1" dirty="0" smtClean="0"/>
-                <a:t>Li</a:t>
-              </a:r>
-              <a:r>
-                <a:rPr lang="en-US" dirty="0" smtClean="0"/>
-                <a:t>)</a:t>
-              </a:r>
-              <a:endParaRPr lang="en-US" i="1" baseline="-25000" dirty="0"/>
-            </a:p>
-          </p:txBody>
-        </p:sp>
-        <p:sp>
-          <p:nvSpPr>
-            <p:cNvPr id="77" name="TextBox 76"/>
-            <p:cNvSpPr txBox="1"/>
-            <p:nvPr/>
-          </p:nvSpPr>
-          <p:spPr>
-            <a:xfrm>
-              <a:off x="7189160" y="4631309"/>
-              <a:ext cx="1111907" cy="369332"/>
-            </a:xfrm>
-            <a:prstGeom prst="rect">
-              <a:avLst/>
-            </a:prstGeom>
-            <a:noFill/>
-          </p:spPr>
-          <p:txBody>
-            <a:bodyPr wrap="none" rtlCol="0">
-              <a:spAutoFit/>
-            </a:bodyPr>
-            <a:lstStyle/>
-            <a:p>
-              <a:r>
-                <a:rPr lang="en-US" dirty="0" err="1" smtClean="0"/>
-                <a:t>p</a:t>
-              </a:r>
-              <a:r>
-                <a:rPr lang="en-US" baseline="-25000" dirty="0" err="1"/>
-                <a:t>B</a:t>
-              </a:r>
-              <a:r>
-                <a:rPr lang="en-US" baseline="-25000" dirty="0" smtClean="0"/>
-                <a:t> </a:t>
-              </a:r>
-              <a:r>
-                <a:rPr lang="en-US" dirty="0" smtClean="0"/>
-                <a:t>(e.g. </a:t>
-              </a:r>
-              <a:r>
-                <a:rPr lang="en-US" i="1" dirty="0" smtClean="0"/>
-                <a:t>Li</a:t>
-              </a:r>
-              <a:r>
-                <a:rPr lang="en-US" dirty="0" smtClean="0"/>
-                <a:t>)</a:t>
-              </a:r>
-              <a:endParaRPr lang="en-US" i="1" baseline="-25000" dirty="0"/>
-            </a:p>
-          </p:txBody>
-        </p:sp>
-        <p:sp>
-          <p:nvSpPr>
-            <p:cNvPr id="78" name="TextBox 77"/>
-            <p:cNvSpPr txBox="1"/>
-            <p:nvPr/>
-          </p:nvSpPr>
-          <p:spPr>
-            <a:xfrm>
-              <a:off x="4809090" y="5431259"/>
-              <a:ext cx="1067023" cy="369332"/>
-            </a:xfrm>
-            <a:prstGeom prst="rect">
-              <a:avLst/>
-            </a:prstGeom>
-            <a:noFill/>
-          </p:spPr>
-          <p:txBody>
-            <a:bodyPr wrap="none" rtlCol="0">
-              <a:spAutoFit/>
-            </a:bodyPr>
-            <a:lstStyle/>
-            <a:p>
-              <a:r>
-                <a:rPr lang="en-US" dirty="0" err="1" smtClean="0"/>
-                <a:t>q</a:t>
-              </a:r>
-              <a:r>
-                <a:rPr lang="en-US" baseline="-25000" dirty="0" err="1"/>
-                <a:t>B</a:t>
-              </a:r>
-              <a:r>
-                <a:rPr lang="en-US" baseline="-25000" dirty="0" smtClean="0"/>
-                <a:t> </a:t>
-              </a:r>
-              <a:r>
-                <a:rPr lang="en-US" dirty="0" smtClean="0"/>
-                <a:t>(e.g. </a:t>
-              </a:r>
-              <a:r>
-                <a:rPr lang="en-US" i="1" dirty="0"/>
-                <a:t>l</a:t>
-              </a:r>
-              <a:r>
-                <a:rPr lang="en-US" i="1" dirty="0" smtClean="0"/>
-                <a:t>i</a:t>
-              </a:r>
-              <a:r>
-                <a:rPr lang="en-US" dirty="0" smtClean="0"/>
-                <a:t>)</a:t>
-              </a:r>
-              <a:endParaRPr lang="en-US" i="1" baseline="-25000" dirty="0"/>
-            </a:p>
-          </p:txBody>
-        </p:sp>
-        <p:sp>
-          <p:nvSpPr>
-            <p:cNvPr id="79" name="TextBox 78"/>
-            <p:cNvSpPr txBox="1"/>
-            <p:nvPr/>
-          </p:nvSpPr>
-          <p:spPr>
-            <a:xfrm>
-              <a:off x="7205174" y="5431259"/>
-              <a:ext cx="1067023" cy="369332"/>
-            </a:xfrm>
-            <a:prstGeom prst="rect">
-              <a:avLst/>
-            </a:prstGeom>
-            <a:noFill/>
-          </p:spPr>
-          <p:txBody>
-            <a:bodyPr wrap="none" rtlCol="0">
-              <a:spAutoFit/>
-            </a:bodyPr>
-            <a:lstStyle/>
-            <a:p>
-              <a:r>
-                <a:rPr lang="en-US" dirty="0" err="1" smtClean="0"/>
-                <a:t>q</a:t>
-              </a:r>
-              <a:r>
-                <a:rPr lang="en-US" baseline="-25000" dirty="0" err="1"/>
-                <a:t>B</a:t>
-              </a:r>
-              <a:r>
-                <a:rPr lang="en-US" baseline="-25000" dirty="0" smtClean="0"/>
-                <a:t> </a:t>
-              </a:r>
-              <a:r>
-                <a:rPr lang="en-US" dirty="0" smtClean="0"/>
-                <a:t>(e.g. </a:t>
-              </a:r>
-              <a:r>
-                <a:rPr lang="en-US" i="1" dirty="0"/>
-                <a:t>l</a:t>
-              </a:r>
-              <a:r>
-                <a:rPr lang="en-US" i="1" dirty="0" smtClean="0"/>
-                <a:t>i</a:t>
-              </a:r>
-              <a:r>
-                <a:rPr lang="en-US" dirty="0" smtClean="0"/>
-                <a:t>)</a:t>
-              </a:r>
-              <a:endParaRPr lang="en-US" i="1" baseline="-25000" dirty="0"/>
-            </a:p>
-          </p:txBody>
-        </p:sp>
       </p:grpSp>
-      <p:sp>
-        <p:nvSpPr>
-          <p:cNvPr id="74" name="TextBox 73"/>
-          <p:cNvSpPr txBox="1"/>
-          <p:nvPr/>
-        </p:nvSpPr>
-        <p:spPr>
-          <a:xfrm>
-            <a:off x="160868" y="304080"/>
-            <a:ext cx="936667" cy="369332"/>
-          </a:xfrm>
-          <a:prstGeom prst="rect">
-            <a:avLst/>
-          </a:prstGeom>
-          <a:noFill/>
-        </p:spPr>
-        <p:txBody>
-          <a:bodyPr wrap="none" rtlCol="0">
-            <a:spAutoFit/>
-          </a:bodyPr>
-          <a:lstStyle/>
-          <a:p>
-            <a:r>
-              <a:rPr lang="en-US" dirty="0" smtClean="0"/>
-              <a:t>Figure 1</a:t>
-            </a:r>
-            <a:endParaRPr lang="en-US" dirty="0"/>
-          </a:p>
-        </p:txBody>
-      </p:sp>
     </p:spTree>
     <p:extLst>
       <p:ext uri="{BB962C8B-B14F-4D97-AF65-F5344CB8AC3E}">
@@ -6239,7 +6359,7 @@
           </p:nvCxnSpPr>
           <p:spPr>
             <a:xfrm>
-              <a:off x="4126229" y="1544989"/>
+              <a:off x="4114354" y="1544989"/>
               <a:ext cx="0" cy="2861336"/>
             </a:xfrm>
             <a:prstGeom prst="line">

--- a/SEC_Manuscript-Figures.pptx
+++ b/SEC_Manuscript-Figures.pptx
@@ -10,6 +10,8 @@
     <p:sldId id="256" r:id="rId4"/>
     <p:sldId id="259" r:id="rId5"/>
     <p:sldId id="260" r:id="rId6"/>
+    <p:sldId id="261" r:id="rId7"/>
+    <p:sldId id="262" r:id="rId8"/>
   </p:sldIdLst>
   <p:sldSz cx="14400213" cy="14400213"/>
   <p:notesSz cx="6858000" cy="9144000"/>
@@ -8560,8 +8562,8 @@
             </p:nvSpPr>
             <p:spPr>
               <a:xfrm>
-                <a:off x="7936675" y="9756983"/>
-                <a:ext cx="1439818" cy="338554"/>
+                <a:off x="7831745" y="9756983"/>
+                <a:ext cx="1806905" cy="338554"/>
               </a:xfrm>
               <a:prstGeom prst="rect">
                 <a:avLst/>
@@ -8577,12 +8579,36 @@
               <a:lstStyle/>
               <a:p>
                 <a:r>
-                  <a:rPr lang="en-US" sz="1600" dirty="0" smtClean="0">
+                  <a:rPr lang="en-US" sz="1600" smtClean="0">
                     <a:latin typeface="Helvetica" charset="0"/>
                     <a:ea typeface="Helvetica" charset="0"/>
                     <a:cs typeface="Helvetica" charset="0"/>
                   </a:rPr>
-                  <a:t>Migration rate</a:t>
+                  <a:t>Migration </a:t>
+                </a:r>
+                <a:r>
+                  <a:rPr lang="en-US" sz="1600" smtClean="0">
+                    <a:latin typeface="Helvetica" charset="0"/>
+                    <a:ea typeface="Helvetica" charset="0"/>
+                    <a:cs typeface="Helvetica" charset="0"/>
+                  </a:rPr>
+                  <a:t>rate (</a:t>
+                </a:r>
+                <a:r>
+                  <a:rPr lang="en-US" sz="1600" i="1" smtClean="0">
+                    <a:latin typeface="Helvetica" charset="0"/>
+                    <a:ea typeface="Helvetica" charset="0"/>
+                    <a:cs typeface="Helvetica" charset="0"/>
+                  </a:rPr>
+                  <a:t>m</a:t>
+                </a:r>
+                <a:r>
+                  <a:rPr lang="en-US" sz="1600" smtClean="0">
+                    <a:latin typeface="Helvetica" charset="0"/>
+                    <a:ea typeface="Helvetica" charset="0"/>
+                    <a:cs typeface="Helvetica" charset="0"/>
+                  </a:rPr>
+                  <a:t>)</a:t>
                 </a:r>
                 <a:endParaRPr lang="en-US" sz="1600" dirty="0">
                   <a:latin typeface="Helvetica" charset="0"/>
@@ -9997,7 +10023,7 @@
               <a:lstStyle/>
               <a:p>
                 <a:r>
-                  <a:rPr lang="en-US" sz="1600" smtClean="0">
+                  <a:rPr lang="en-US" sz="1600" dirty="0" smtClean="0">
                     <a:latin typeface="Helvetica" charset="0"/>
                     <a:ea typeface="Helvetica" charset="0"/>
                     <a:cs typeface="Helvetica" charset="0"/>
@@ -10387,28 +10413,12 @@
                 <a:lstStyle/>
                 <a:p>
                   <a:r>
-                    <a:rPr lang="en-US" sz="1200" smtClean="0">
-                      <a:latin typeface="Helvetica" charset="0"/>
-                      <a:ea typeface="Helvetica" charset="0"/>
-                      <a:cs typeface="Helvetica" charset="0"/>
-                    </a:rPr>
-                    <a:t>Strong migration </a:t>
-                  </a:r>
-                  <a:r>
                     <a:rPr lang="en-US" sz="1200" dirty="0" smtClean="0">
                       <a:latin typeface="Helvetica" charset="0"/>
                       <a:ea typeface="Helvetica" charset="0"/>
                       <a:cs typeface="Helvetica" charset="0"/>
                     </a:rPr>
-                    <a:t>(m </a:t>
-                  </a:r>
-                  <a:r>
-                    <a:rPr lang="en-US" sz="1200" smtClean="0">
-                      <a:latin typeface="Helvetica" charset="0"/>
-                      <a:ea typeface="Helvetica" charset="0"/>
-                      <a:cs typeface="Helvetica" charset="0"/>
-                    </a:rPr>
-                    <a:t>= 0.05)</a:t>
+                    <a:t>Strong migration (m = 0.05)</a:t>
                   </a:r>
                   <a:endParaRPr lang="en-US" sz="1200" dirty="0">
                     <a:latin typeface="Helvetica" charset="0"/>
@@ -10601,156 +10611,2799 @@
           <a:chExt cx="0" cy="0"/>
         </a:xfrm>
       </p:grpSpPr>
-      <p:pic>
-        <p:nvPicPr>
-          <p:cNvPr id="4" name="Picture 3"/>
-          <p:cNvPicPr>
-            <a:picLocks noChangeAspect="1"/>
-          </p:cNvPicPr>
+      <p:grpSp>
+        <p:nvGrpSpPr>
+          <p:cNvPr id="53" name="Group 52"/>
+          <p:cNvGrpSpPr/>
           <p:nvPr/>
-        </p:nvPicPr>
-        <p:blipFill rotWithShape="1">
-          <a:blip r:embed="rId2">
-            <a:extLst>
-              <a:ext uri="{28A0092B-C50C-407E-A947-70E740481C1C}">
-                <a14:useLocalDpi xmlns:a14="http://schemas.microsoft.com/office/drawing/2010/main" val="0"/>
-              </a:ext>
-            </a:extLst>
-          </a:blip>
-          <a:srcRect t="16207" b="14783"/>
-          <a:stretch/>
-        </p:blipFill>
-        <p:spPr>
+        </p:nvGrpSpPr>
+        <p:grpSpPr>
           <a:xfrm>
-            <a:off x="8913813" y="8729662"/>
-            <a:ext cx="5486400" cy="3786188"/>
+            <a:off x="450276" y="3216745"/>
+            <a:ext cx="11523549" cy="8514663"/>
+            <a:chOff x="450276" y="3216745"/>
+            <a:chExt cx="11523549" cy="8514663"/>
           </a:xfrm>
-          <a:prstGeom prst="rect">
-            <a:avLst/>
-          </a:prstGeom>
-        </p:spPr>
-      </p:pic>
-      <p:pic>
-        <p:nvPicPr>
-          <p:cNvPr id="5" name="Picture 4"/>
-          <p:cNvPicPr>
-            <a:picLocks noChangeAspect="1"/>
-          </p:cNvPicPr>
+        </p:grpSpPr>
+        <p:pic>
+          <p:nvPicPr>
+            <p:cNvPr id="4" name="Picture 3"/>
+            <p:cNvPicPr>
+              <a:picLocks noChangeAspect="1"/>
+            </p:cNvPicPr>
+            <p:nvPr/>
+          </p:nvPicPr>
+          <p:blipFill rotWithShape="1">
+            <a:blip r:embed="rId2">
+              <a:extLst>
+                <a:ext uri="{28A0092B-C50C-407E-A947-70E740481C1C}">
+                  <a14:useLocalDpi xmlns:a14="http://schemas.microsoft.com/office/drawing/2010/main" val="0"/>
+                </a:ext>
+              </a:extLst>
+            </a:blip>
+            <a:srcRect t="16208" b="20560"/>
+            <a:stretch/>
+          </p:blipFill>
+          <p:spPr>
+            <a:xfrm>
+              <a:off x="6515099" y="3650521"/>
+              <a:ext cx="5458725" cy="3536091"/>
+            </a:xfrm>
+            <a:prstGeom prst="rect">
+              <a:avLst/>
+            </a:prstGeom>
+          </p:spPr>
+        </p:pic>
+        <p:pic>
+          <p:nvPicPr>
+            <p:cNvPr id="11" name="Picture 10"/>
+            <p:cNvPicPr>
+              <a:picLocks noChangeAspect="1"/>
+            </p:cNvPicPr>
+            <p:nvPr/>
+          </p:nvPicPr>
+          <p:blipFill rotWithShape="1">
+            <a:blip r:embed="rId3">
+              <a:extLst>
+                <a:ext uri="{28A0092B-C50C-407E-A947-70E740481C1C}">
+                  <a14:useLocalDpi xmlns:a14="http://schemas.microsoft.com/office/drawing/2010/main" val="0"/>
+                </a:ext>
+              </a:extLst>
+            </a:blip>
+            <a:srcRect t="15596" b="19560"/>
+            <a:stretch/>
+          </p:blipFill>
+          <p:spPr>
+            <a:xfrm>
+              <a:off x="701675" y="3649662"/>
+              <a:ext cx="5486400" cy="3557587"/>
+            </a:xfrm>
+            <a:prstGeom prst="rect">
+              <a:avLst/>
+            </a:prstGeom>
+          </p:spPr>
+        </p:pic>
+        <p:pic>
+          <p:nvPicPr>
+            <p:cNvPr id="13" name="Picture 12"/>
+            <p:cNvPicPr>
+              <a:picLocks noChangeAspect="1"/>
+            </p:cNvPicPr>
+            <p:nvPr/>
+          </p:nvPicPr>
+          <p:blipFill rotWithShape="1">
+            <a:blip r:embed="rId4">
+              <a:extLst>
+                <a:ext uri="{28A0092B-C50C-407E-A947-70E740481C1C}">
+                  <a14:useLocalDpi xmlns:a14="http://schemas.microsoft.com/office/drawing/2010/main" val="0"/>
+                </a:ext>
+              </a:extLst>
+            </a:blip>
+            <a:srcRect t="16745" b="20936"/>
+            <a:stretch/>
+          </p:blipFill>
+          <p:spPr>
+            <a:xfrm>
+              <a:off x="6402387" y="7572375"/>
+              <a:ext cx="5571438" cy="3543301"/>
+            </a:xfrm>
+            <a:prstGeom prst="rect">
+              <a:avLst/>
+            </a:prstGeom>
+          </p:spPr>
+        </p:pic>
+        <p:sp>
+          <p:nvSpPr>
+            <p:cNvPr id="19" name="Rectangle 18"/>
+            <p:cNvSpPr/>
+            <p:nvPr/>
+          </p:nvSpPr>
+          <p:spPr>
+            <a:xfrm>
+              <a:off x="600075" y="3807618"/>
+              <a:ext cx="539750" cy="3263900"/>
+            </a:xfrm>
+            <a:prstGeom prst="rect">
+              <a:avLst/>
+            </a:prstGeom>
+            <a:solidFill>
+              <a:schemeClr val="bg1"/>
+            </a:solidFill>
+            <a:ln>
+              <a:solidFill>
+                <a:schemeClr val="bg1"/>
+              </a:solidFill>
+            </a:ln>
+          </p:spPr>
+          <p:style>
+            <a:lnRef idx="2">
+              <a:schemeClr val="accent1">
+                <a:shade val="50000"/>
+              </a:schemeClr>
+            </a:lnRef>
+            <a:fillRef idx="1">
+              <a:schemeClr val="accent1"/>
+            </a:fillRef>
+            <a:effectRef idx="0">
+              <a:schemeClr val="accent1"/>
+            </a:effectRef>
+            <a:fontRef idx="minor">
+              <a:schemeClr val="lt1"/>
+            </a:fontRef>
+          </p:style>
+          <p:txBody>
+            <a:bodyPr rtlCol="0" anchor="ctr"/>
+            <a:lstStyle/>
+            <a:p>
+              <a:pPr algn="ctr"/>
+              <a:endParaRPr lang="en-US"/>
+            </a:p>
+          </p:txBody>
+        </p:sp>
+        <p:sp>
+          <p:nvSpPr>
+            <p:cNvPr id="21" name="Rectangle 20"/>
+            <p:cNvSpPr/>
+            <p:nvPr/>
+          </p:nvSpPr>
+          <p:spPr>
+            <a:xfrm>
+              <a:off x="6291263" y="7541418"/>
+              <a:ext cx="539750" cy="3263900"/>
+            </a:xfrm>
+            <a:prstGeom prst="rect">
+              <a:avLst/>
+            </a:prstGeom>
+            <a:solidFill>
+              <a:schemeClr val="bg1"/>
+            </a:solidFill>
+            <a:ln>
+              <a:solidFill>
+                <a:schemeClr val="bg1"/>
+              </a:solidFill>
+            </a:ln>
+          </p:spPr>
+          <p:style>
+            <a:lnRef idx="2">
+              <a:schemeClr val="accent1">
+                <a:shade val="50000"/>
+              </a:schemeClr>
+            </a:lnRef>
+            <a:fillRef idx="1">
+              <a:schemeClr val="accent1"/>
+            </a:fillRef>
+            <a:effectRef idx="0">
+              <a:schemeClr val="accent1"/>
+            </a:effectRef>
+            <a:fontRef idx="minor">
+              <a:schemeClr val="lt1"/>
+            </a:fontRef>
+          </p:style>
+          <p:txBody>
+            <a:bodyPr rtlCol="0" anchor="ctr"/>
+            <a:lstStyle/>
+            <a:p>
+              <a:pPr algn="ctr"/>
+              <a:endParaRPr lang="en-US"/>
+            </a:p>
+          </p:txBody>
+        </p:sp>
+        <p:sp>
+          <p:nvSpPr>
+            <p:cNvPr id="22" name="Rectangle 21"/>
+            <p:cNvSpPr/>
+            <p:nvPr/>
+          </p:nvSpPr>
+          <p:spPr>
+            <a:xfrm>
+              <a:off x="6418266" y="3807618"/>
+              <a:ext cx="539750" cy="3263900"/>
+            </a:xfrm>
+            <a:prstGeom prst="rect">
+              <a:avLst/>
+            </a:prstGeom>
+            <a:solidFill>
+              <a:schemeClr val="bg1"/>
+            </a:solidFill>
+            <a:ln>
+              <a:solidFill>
+                <a:schemeClr val="bg1"/>
+              </a:solidFill>
+            </a:ln>
+          </p:spPr>
+          <p:style>
+            <a:lnRef idx="2">
+              <a:schemeClr val="accent1">
+                <a:shade val="50000"/>
+              </a:schemeClr>
+            </a:lnRef>
+            <a:fillRef idx="1">
+              <a:schemeClr val="accent1"/>
+            </a:fillRef>
+            <a:effectRef idx="0">
+              <a:schemeClr val="accent1"/>
+            </a:effectRef>
+            <a:fontRef idx="minor">
+              <a:schemeClr val="lt1"/>
+            </a:fontRef>
+          </p:style>
+          <p:txBody>
+            <a:bodyPr rtlCol="0" anchor="ctr"/>
+            <a:lstStyle/>
+            <a:p>
+              <a:pPr algn="ctr"/>
+              <a:endParaRPr lang="en-US"/>
+            </a:p>
+          </p:txBody>
+        </p:sp>
+        <p:sp>
+          <p:nvSpPr>
+            <p:cNvPr id="23" name="TextBox 22"/>
+            <p:cNvSpPr txBox="1"/>
+            <p:nvPr/>
+          </p:nvSpPr>
+          <p:spPr>
+            <a:xfrm rot="16200000">
+              <a:off x="5315389" y="8925429"/>
+              <a:ext cx="2443297" cy="584775"/>
+            </a:xfrm>
+            <a:prstGeom prst="rect">
+              <a:avLst/>
+            </a:prstGeom>
+            <a:solidFill>
+              <a:schemeClr val="bg1"/>
+            </a:solidFill>
+          </p:spPr>
+          <p:txBody>
+            <a:bodyPr wrap="none" rtlCol="0">
+              <a:spAutoFit/>
+            </a:bodyPr>
+            <a:lstStyle/>
+            <a:p>
+              <a:pPr algn="ctr"/>
+              <a:r>
+                <a:rPr lang="en-US" sz="1600" dirty="0" smtClean="0">
+                  <a:latin typeface="Helvetica" charset="0"/>
+                  <a:ea typeface="Helvetica" charset="0"/>
+                  <a:cs typeface="Helvetica" charset="0"/>
+                </a:rPr>
+                <a:t>Mean frequency of HCN </a:t>
+              </a:r>
+            </a:p>
+            <a:p>
+              <a:pPr algn="ctr"/>
+              <a:r>
+                <a:rPr lang="en-US" sz="1600" dirty="0" smtClean="0">
+                  <a:latin typeface="Helvetica" charset="0"/>
+                  <a:ea typeface="Helvetica" charset="0"/>
+                  <a:cs typeface="Helvetica" charset="0"/>
+                </a:rPr>
+                <a:t>across </a:t>
+              </a:r>
+              <a:r>
+                <a:rPr lang="en-US" sz="1600" dirty="0" smtClean="0">
+                  <a:latin typeface="Helvetica" charset="0"/>
+                  <a:ea typeface="Helvetica" charset="0"/>
+                  <a:cs typeface="Helvetica" charset="0"/>
+                </a:rPr>
+                <a:t>1000 sims</a:t>
+              </a:r>
+              <a:endParaRPr lang="en-US" sz="1600" dirty="0">
+                <a:latin typeface="Helvetica" charset="0"/>
+                <a:ea typeface="Helvetica" charset="0"/>
+                <a:cs typeface="Helvetica" charset="0"/>
+              </a:endParaRPr>
+            </a:p>
+          </p:txBody>
+        </p:sp>
+        <p:sp>
+          <p:nvSpPr>
+            <p:cNvPr id="24" name="TextBox 23"/>
+            <p:cNvSpPr txBox="1"/>
+            <p:nvPr/>
+          </p:nvSpPr>
+          <p:spPr>
+            <a:xfrm rot="16200000">
+              <a:off x="5315388" y="5136067"/>
+              <a:ext cx="2443297" cy="584775"/>
+            </a:xfrm>
+            <a:prstGeom prst="rect">
+              <a:avLst/>
+            </a:prstGeom>
+            <a:solidFill>
+              <a:schemeClr val="bg1"/>
+            </a:solidFill>
+          </p:spPr>
+          <p:txBody>
+            <a:bodyPr wrap="none" rtlCol="0">
+              <a:spAutoFit/>
+            </a:bodyPr>
+            <a:lstStyle/>
+            <a:p>
+              <a:pPr algn="ctr"/>
+              <a:r>
+                <a:rPr lang="en-US" sz="1600" dirty="0" smtClean="0">
+                  <a:latin typeface="Helvetica" charset="0"/>
+                  <a:ea typeface="Helvetica" charset="0"/>
+                  <a:cs typeface="Helvetica" charset="0"/>
+                </a:rPr>
+                <a:t>Mean frequency of HCN </a:t>
+              </a:r>
+            </a:p>
+            <a:p>
+              <a:pPr algn="ctr"/>
+              <a:r>
+                <a:rPr lang="en-US" sz="1600" dirty="0" smtClean="0">
+                  <a:latin typeface="Helvetica" charset="0"/>
+                  <a:ea typeface="Helvetica" charset="0"/>
+                  <a:cs typeface="Helvetica" charset="0"/>
+                </a:rPr>
+                <a:t>across </a:t>
+              </a:r>
+              <a:r>
+                <a:rPr lang="en-US" sz="1600" dirty="0" smtClean="0">
+                  <a:latin typeface="Helvetica" charset="0"/>
+                  <a:ea typeface="Helvetica" charset="0"/>
+                  <a:cs typeface="Helvetica" charset="0"/>
+                </a:rPr>
+                <a:t>1000 sims</a:t>
+              </a:r>
+              <a:endParaRPr lang="en-US" sz="1600" dirty="0">
+                <a:latin typeface="Helvetica" charset="0"/>
+                <a:ea typeface="Helvetica" charset="0"/>
+                <a:cs typeface="Helvetica" charset="0"/>
+              </a:endParaRPr>
+            </a:p>
+          </p:txBody>
+        </p:sp>
+        <p:sp>
+          <p:nvSpPr>
+            <p:cNvPr id="17" name="TextBox 16"/>
+            <p:cNvSpPr txBox="1"/>
+            <p:nvPr/>
+          </p:nvSpPr>
+          <p:spPr>
+            <a:xfrm rot="16200000">
+              <a:off x="-462153" y="5077886"/>
+              <a:ext cx="2409634" cy="584775"/>
+            </a:xfrm>
+            <a:prstGeom prst="rect">
+              <a:avLst/>
+            </a:prstGeom>
+            <a:solidFill>
+              <a:schemeClr val="bg1"/>
+            </a:solidFill>
+          </p:spPr>
+          <p:txBody>
+            <a:bodyPr wrap="none" rtlCol="0">
+              <a:spAutoFit/>
+            </a:bodyPr>
+            <a:lstStyle/>
+            <a:p>
+              <a:pPr algn="ctr"/>
+              <a:r>
+                <a:rPr lang="en-US" sz="1600" dirty="0" smtClean="0">
+                  <a:latin typeface="Helvetica" charset="0"/>
+                  <a:ea typeface="Helvetica" charset="0"/>
+                  <a:cs typeface="Helvetica" charset="0"/>
+                </a:rPr>
+                <a:t>Proportion of 1000 sims </a:t>
+              </a:r>
+            </a:p>
+            <a:p>
+              <a:pPr algn="ctr"/>
+              <a:r>
+                <a:rPr lang="en-US" sz="1600" dirty="0" smtClean="0">
+                  <a:latin typeface="Helvetica" charset="0"/>
+                  <a:ea typeface="Helvetica" charset="0"/>
+                  <a:cs typeface="Helvetica" charset="0"/>
+                </a:rPr>
+                <a:t>where HCN is lost</a:t>
+              </a:r>
+              <a:endParaRPr lang="en-US" sz="1600" dirty="0">
+                <a:latin typeface="Helvetica" charset="0"/>
+                <a:ea typeface="Helvetica" charset="0"/>
+                <a:cs typeface="Helvetica" charset="0"/>
+              </a:endParaRPr>
+            </a:p>
+          </p:txBody>
+        </p:sp>
+        <p:grpSp>
+          <p:nvGrpSpPr>
+            <p:cNvPr id="32" name="Group 31"/>
+            <p:cNvGrpSpPr/>
+            <p:nvPr/>
+          </p:nvGrpSpPr>
+          <p:grpSpPr>
+            <a:xfrm>
+              <a:off x="1473200" y="5593592"/>
+              <a:ext cx="2196959" cy="922206"/>
+              <a:chOff x="1687227" y="1469921"/>
+              <a:chExt cx="2196959" cy="922206"/>
+            </a:xfrm>
+          </p:grpSpPr>
+          <p:sp>
+            <p:nvSpPr>
+              <p:cNvPr id="25" name="Rectangle 24"/>
+              <p:cNvSpPr/>
+              <p:nvPr/>
+            </p:nvSpPr>
+            <p:spPr>
+              <a:xfrm>
+                <a:off x="1765619" y="1563915"/>
+                <a:ext cx="154379" cy="154379"/>
+              </a:xfrm>
+              <a:prstGeom prst="rect">
+                <a:avLst/>
+              </a:prstGeom>
+              <a:solidFill>
+                <a:schemeClr val="bg1">
+                  <a:lumMod val="50000"/>
+                </a:schemeClr>
+              </a:solidFill>
+              <a:ln>
+                <a:solidFill>
+                  <a:schemeClr val="tx1"/>
+                </a:solidFill>
+              </a:ln>
+            </p:spPr>
+            <p:style>
+              <a:lnRef idx="2">
+                <a:schemeClr val="accent1">
+                  <a:shade val="50000"/>
+                </a:schemeClr>
+              </a:lnRef>
+              <a:fillRef idx="1">
+                <a:schemeClr val="accent1"/>
+              </a:fillRef>
+              <a:effectRef idx="0">
+                <a:schemeClr val="accent1"/>
+              </a:effectRef>
+              <a:fontRef idx="minor">
+                <a:schemeClr val="lt1"/>
+              </a:fontRef>
+            </p:style>
+            <p:txBody>
+              <a:bodyPr rtlCol="0" anchor="ctr"/>
+              <a:lstStyle/>
+              <a:p>
+                <a:pPr algn="ctr"/>
+                <a:endParaRPr lang="en-US"/>
+              </a:p>
+            </p:txBody>
+          </p:sp>
+          <p:sp>
+            <p:nvSpPr>
+              <p:cNvPr id="26" name="Oval 25"/>
+              <p:cNvSpPr/>
+              <p:nvPr/>
+            </p:nvSpPr>
+            <p:spPr>
+              <a:xfrm>
+                <a:off x="1765619" y="1845339"/>
+                <a:ext cx="154800" cy="154800"/>
+              </a:xfrm>
+              <a:prstGeom prst="ellipse">
+                <a:avLst/>
+              </a:prstGeom>
+              <a:solidFill>
+                <a:schemeClr val="bg1"/>
+              </a:solidFill>
+              <a:ln>
+                <a:solidFill>
+                  <a:schemeClr val="tx1"/>
+                </a:solidFill>
+              </a:ln>
+            </p:spPr>
+            <p:style>
+              <a:lnRef idx="2">
+                <a:schemeClr val="accent1">
+                  <a:shade val="50000"/>
+                </a:schemeClr>
+              </a:lnRef>
+              <a:fillRef idx="1">
+                <a:schemeClr val="accent1"/>
+              </a:fillRef>
+              <a:effectRef idx="0">
+                <a:schemeClr val="accent1"/>
+              </a:effectRef>
+              <a:fontRef idx="minor">
+                <a:schemeClr val="lt1"/>
+              </a:fontRef>
+            </p:style>
+            <p:txBody>
+              <a:bodyPr rtlCol="0" anchor="ctr"/>
+              <a:lstStyle/>
+              <a:p>
+                <a:pPr algn="ctr"/>
+                <a:endParaRPr lang="en-US"/>
+              </a:p>
+            </p:txBody>
+          </p:sp>
+          <p:sp>
+            <p:nvSpPr>
+              <p:cNvPr id="27" name="Triangle 26"/>
+              <p:cNvSpPr/>
+              <p:nvPr/>
+            </p:nvSpPr>
+            <p:spPr>
+              <a:xfrm>
+                <a:off x="1743341" y="2127184"/>
+                <a:ext cx="218072" cy="187993"/>
+              </a:xfrm>
+              <a:prstGeom prst="triangle">
+                <a:avLst/>
+              </a:prstGeom>
+              <a:solidFill>
+                <a:schemeClr val="bg1"/>
+              </a:solidFill>
+              <a:ln>
+                <a:solidFill>
+                  <a:schemeClr val="tx1"/>
+                </a:solidFill>
+              </a:ln>
+            </p:spPr>
+            <p:style>
+              <a:lnRef idx="2">
+                <a:schemeClr val="accent1">
+                  <a:shade val="50000"/>
+                </a:schemeClr>
+              </a:lnRef>
+              <a:fillRef idx="1">
+                <a:schemeClr val="accent1"/>
+              </a:fillRef>
+              <a:effectRef idx="0">
+                <a:schemeClr val="accent1"/>
+              </a:effectRef>
+              <a:fontRef idx="minor">
+                <a:schemeClr val="lt1"/>
+              </a:fontRef>
+            </p:style>
+            <p:txBody>
+              <a:bodyPr rtlCol="0" anchor="ctr"/>
+              <a:lstStyle/>
+              <a:p>
+                <a:pPr algn="ctr"/>
+                <a:endParaRPr lang="en-US"/>
+              </a:p>
+            </p:txBody>
+          </p:sp>
+          <p:sp>
+            <p:nvSpPr>
+              <p:cNvPr id="28" name="TextBox 27"/>
+              <p:cNvSpPr txBox="1"/>
+              <p:nvPr/>
+            </p:nvSpPr>
+            <p:spPr>
+              <a:xfrm>
+                <a:off x="1961413" y="1512967"/>
+                <a:ext cx="1906291" cy="276999"/>
+              </a:xfrm>
+              <a:prstGeom prst="rect">
+                <a:avLst/>
+              </a:prstGeom>
+              <a:noFill/>
+            </p:spPr>
+            <p:txBody>
+              <a:bodyPr wrap="none" rtlCol="0">
+                <a:spAutoFit/>
+              </a:bodyPr>
+              <a:lstStyle/>
+              <a:p>
+                <a:r>
+                  <a:rPr lang="en-US" sz="1200" dirty="0" smtClean="0">
+                    <a:latin typeface="Helvetica" charset="0"/>
+                    <a:ea typeface="Helvetica" charset="0"/>
+                    <a:cs typeface="Helvetica" charset="0"/>
+                  </a:rPr>
+                  <a:t>Strong drift (prop. = 0.01)</a:t>
+                </a:r>
+                <a:endParaRPr lang="en-US" sz="1200" dirty="0">
+                  <a:latin typeface="Helvetica" charset="0"/>
+                  <a:ea typeface="Helvetica" charset="0"/>
+                  <a:cs typeface="Helvetica" charset="0"/>
+                </a:endParaRPr>
+              </a:p>
+            </p:txBody>
+          </p:sp>
+          <p:sp>
+            <p:nvSpPr>
+              <p:cNvPr id="29" name="TextBox 28"/>
+              <p:cNvSpPr txBox="1"/>
+              <p:nvPr/>
+            </p:nvSpPr>
+            <p:spPr>
+              <a:xfrm>
+                <a:off x="1961865" y="1791113"/>
+                <a:ext cx="1922321" cy="276999"/>
+              </a:xfrm>
+              <a:prstGeom prst="rect">
+                <a:avLst/>
+              </a:prstGeom>
+              <a:noFill/>
+            </p:spPr>
+            <p:txBody>
+              <a:bodyPr wrap="none" rtlCol="0">
+                <a:spAutoFit/>
+              </a:bodyPr>
+              <a:lstStyle/>
+              <a:p>
+                <a:r>
+                  <a:rPr lang="en-US" sz="1200" dirty="0" smtClean="0">
+                    <a:latin typeface="Helvetica" charset="0"/>
+                    <a:ea typeface="Helvetica" charset="0"/>
+                    <a:cs typeface="Helvetica" charset="0"/>
+                  </a:rPr>
+                  <a:t>Intermediate (</a:t>
+                </a:r>
+                <a:r>
+                  <a:rPr lang="en-US" sz="1200" dirty="0" smtClean="0">
+                    <a:latin typeface="Helvetica" charset="0"/>
+                    <a:ea typeface="Helvetica" charset="0"/>
+                    <a:cs typeface="Helvetica" charset="0"/>
+                  </a:rPr>
+                  <a:t>prop. </a:t>
+                </a:r>
+                <a:r>
+                  <a:rPr lang="en-US" sz="1200" dirty="0" smtClean="0">
+                    <a:latin typeface="Helvetica" charset="0"/>
+                    <a:ea typeface="Helvetica" charset="0"/>
+                    <a:cs typeface="Helvetica" charset="0"/>
+                  </a:rPr>
+                  <a:t>= 0.2)</a:t>
+                </a:r>
+                <a:endParaRPr lang="en-US" sz="1200" dirty="0">
+                  <a:latin typeface="Helvetica" charset="0"/>
+                  <a:ea typeface="Helvetica" charset="0"/>
+                  <a:cs typeface="Helvetica" charset="0"/>
+                </a:endParaRPr>
+              </a:p>
+            </p:txBody>
+          </p:sp>
+          <p:sp>
+            <p:nvSpPr>
+              <p:cNvPr id="30" name="TextBox 29"/>
+              <p:cNvSpPr txBox="1"/>
+              <p:nvPr/>
+            </p:nvSpPr>
+            <p:spPr>
+              <a:xfrm>
+                <a:off x="1961413" y="2082321"/>
+                <a:ext cx="1564852" cy="276999"/>
+              </a:xfrm>
+              <a:prstGeom prst="rect">
+                <a:avLst/>
+              </a:prstGeom>
+              <a:noFill/>
+            </p:spPr>
+            <p:txBody>
+              <a:bodyPr wrap="none" rtlCol="0">
+                <a:spAutoFit/>
+              </a:bodyPr>
+              <a:lstStyle/>
+              <a:p>
+                <a:r>
+                  <a:rPr lang="en-US" sz="1200" dirty="0" smtClean="0">
+                    <a:latin typeface="Helvetica" charset="0"/>
+                    <a:ea typeface="Helvetica" charset="0"/>
+                    <a:cs typeface="Helvetica" charset="0"/>
+                  </a:rPr>
+                  <a:t>No drift (</a:t>
+                </a:r>
+                <a:r>
+                  <a:rPr lang="en-US" sz="1200" dirty="0" smtClean="0">
+                    <a:latin typeface="Helvetica" charset="0"/>
+                    <a:ea typeface="Helvetica" charset="0"/>
+                    <a:cs typeface="Helvetica" charset="0"/>
+                  </a:rPr>
+                  <a:t>prop. </a:t>
+                </a:r>
+                <a:r>
+                  <a:rPr lang="en-US" sz="1200" dirty="0" smtClean="0">
+                    <a:latin typeface="Helvetica" charset="0"/>
+                    <a:ea typeface="Helvetica" charset="0"/>
+                    <a:cs typeface="Helvetica" charset="0"/>
+                  </a:rPr>
+                  <a:t>= 1.0)</a:t>
+                </a:r>
+                <a:endParaRPr lang="en-US" sz="1200" dirty="0">
+                  <a:latin typeface="Helvetica" charset="0"/>
+                  <a:ea typeface="Helvetica" charset="0"/>
+                  <a:cs typeface="Helvetica" charset="0"/>
+                </a:endParaRPr>
+              </a:p>
+            </p:txBody>
+          </p:sp>
+          <p:sp>
+            <p:nvSpPr>
+              <p:cNvPr id="31" name="Rectangle 30"/>
+              <p:cNvSpPr/>
+              <p:nvPr/>
+            </p:nvSpPr>
+            <p:spPr>
+              <a:xfrm>
+                <a:off x="1687227" y="1469921"/>
+                <a:ext cx="2141537" cy="922206"/>
+              </a:xfrm>
+              <a:prstGeom prst="rect">
+                <a:avLst/>
+              </a:prstGeom>
+              <a:noFill/>
+              <a:ln w="19050">
+                <a:solidFill>
+                  <a:schemeClr val="tx1"/>
+                </a:solidFill>
+              </a:ln>
+            </p:spPr>
+            <p:style>
+              <a:lnRef idx="2">
+                <a:schemeClr val="accent1">
+                  <a:shade val="50000"/>
+                </a:schemeClr>
+              </a:lnRef>
+              <a:fillRef idx="1">
+                <a:schemeClr val="accent1"/>
+              </a:fillRef>
+              <a:effectRef idx="0">
+                <a:schemeClr val="accent1"/>
+              </a:effectRef>
+              <a:fontRef idx="minor">
+                <a:schemeClr val="lt1"/>
+              </a:fontRef>
+            </p:style>
+            <p:txBody>
+              <a:bodyPr rtlCol="0" anchor="ctr"/>
+              <a:lstStyle/>
+              <a:p>
+                <a:pPr algn="ctr"/>
+                <a:endParaRPr lang="en-US"/>
+              </a:p>
+            </p:txBody>
+          </p:sp>
+        </p:grpSp>
+        <p:sp>
+          <p:nvSpPr>
+            <p:cNvPr id="33" name="TextBox 32"/>
+            <p:cNvSpPr txBox="1"/>
+            <p:nvPr/>
+          </p:nvSpPr>
+          <p:spPr>
+            <a:xfrm>
+              <a:off x="2945658" y="3216745"/>
+              <a:ext cx="1598515" cy="400110"/>
+            </a:xfrm>
+            <a:prstGeom prst="rect">
+              <a:avLst/>
+            </a:prstGeom>
+            <a:noFill/>
+          </p:spPr>
+          <p:txBody>
+            <a:bodyPr wrap="none" rtlCol="0">
+              <a:spAutoFit/>
+            </a:bodyPr>
+            <a:lstStyle/>
+            <a:p>
+              <a:r>
+                <a:rPr lang="en-US" sz="2000" smtClean="0">
+                  <a:latin typeface="Helvetica" charset="0"/>
+                  <a:ea typeface="Helvetica" charset="0"/>
+                  <a:cs typeface="Helvetica" charset="0"/>
+                </a:rPr>
+                <a:t>Colonization</a:t>
+              </a:r>
+              <a:endParaRPr lang="en-US" sz="2000">
+                <a:latin typeface="Helvetica" charset="0"/>
+                <a:ea typeface="Helvetica" charset="0"/>
+                <a:cs typeface="Helvetica" charset="0"/>
+              </a:endParaRPr>
+            </a:p>
+          </p:txBody>
+        </p:sp>
+        <p:cxnSp>
+          <p:nvCxnSpPr>
+            <p:cNvPr id="37" name="Straight Arrow Connector 36"/>
+            <p:cNvCxnSpPr/>
+            <p:nvPr/>
+          </p:nvCxnSpPr>
+          <p:spPr>
+            <a:xfrm flipH="1">
+              <a:off x="2280910" y="3616855"/>
+              <a:ext cx="2928013" cy="0"/>
+            </a:xfrm>
+            <a:prstGeom prst="straightConnector1">
+              <a:avLst/>
+            </a:prstGeom>
+            <a:ln w="76200">
+              <a:solidFill>
+                <a:schemeClr val="tx1"/>
+              </a:solidFill>
+              <a:tailEnd type="triangle"/>
+            </a:ln>
+          </p:spPr>
+          <p:style>
+            <a:lnRef idx="1">
+              <a:schemeClr val="accent1"/>
+            </a:lnRef>
+            <a:fillRef idx="0">
+              <a:schemeClr val="accent1"/>
+            </a:fillRef>
+            <a:effectRef idx="0">
+              <a:schemeClr val="accent1"/>
+            </a:effectRef>
+            <a:fontRef idx="minor">
+              <a:schemeClr val="tx1"/>
+            </a:fontRef>
+          </p:style>
+        </p:cxnSp>
+        <p:sp>
+          <p:nvSpPr>
+            <p:cNvPr id="39" name="TextBox 38"/>
+            <p:cNvSpPr txBox="1"/>
+            <p:nvPr/>
+          </p:nvSpPr>
+          <p:spPr>
+            <a:xfrm>
+              <a:off x="1175444" y="3277074"/>
+              <a:ext cx="338554" cy="369332"/>
+            </a:xfrm>
+            <a:prstGeom prst="rect">
+              <a:avLst/>
+            </a:prstGeom>
+            <a:noFill/>
+          </p:spPr>
+          <p:txBody>
+            <a:bodyPr wrap="none" rtlCol="0">
+              <a:spAutoFit/>
+            </a:bodyPr>
+            <a:lstStyle/>
+            <a:p>
+              <a:r>
+                <a:rPr lang="en-US" sz="1800" dirty="0" smtClean="0">
+                  <a:latin typeface="Helvetica" charset="0"/>
+                  <a:ea typeface="Helvetica" charset="0"/>
+                  <a:cs typeface="Helvetica" charset="0"/>
+                </a:rPr>
+                <a:t>A</a:t>
+              </a:r>
+              <a:endParaRPr lang="en-US" sz="1800" dirty="0">
+                <a:latin typeface="Helvetica" charset="0"/>
+                <a:ea typeface="Helvetica" charset="0"/>
+                <a:cs typeface="Helvetica" charset="0"/>
+              </a:endParaRPr>
+            </a:p>
+          </p:txBody>
+        </p:sp>
+        <p:sp>
+          <p:nvSpPr>
+            <p:cNvPr id="43" name="TextBox 42"/>
+            <p:cNvSpPr txBox="1"/>
+            <p:nvPr/>
+          </p:nvSpPr>
+          <p:spPr>
+            <a:xfrm>
+              <a:off x="7103107" y="7205746"/>
+              <a:ext cx="351378" cy="369332"/>
+            </a:xfrm>
+            <a:prstGeom prst="rect">
+              <a:avLst/>
+            </a:prstGeom>
+            <a:noFill/>
+          </p:spPr>
+          <p:txBody>
+            <a:bodyPr wrap="none" rtlCol="0">
+              <a:spAutoFit/>
+            </a:bodyPr>
+            <a:lstStyle/>
+            <a:p>
+              <a:r>
+                <a:rPr lang="en-US" sz="1800" dirty="0" smtClean="0">
+                  <a:latin typeface="Helvetica" charset="0"/>
+                  <a:ea typeface="Helvetica" charset="0"/>
+                  <a:cs typeface="Helvetica" charset="0"/>
+                </a:rPr>
+                <a:t>D</a:t>
+              </a:r>
+              <a:endParaRPr lang="en-US" sz="1800" dirty="0">
+                <a:latin typeface="Helvetica" charset="0"/>
+                <a:ea typeface="Helvetica" charset="0"/>
+                <a:cs typeface="Helvetica" charset="0"/>
+              </a:endParaRPr>
+            </a:p>
+          </p:txBody>
+        </p:sp>
+        <p:pic>
+          <p:nvPicPr>
+            <p:cNvPr id="14" name="Picture 13"/>
+            <p:cNvPicPr>
+              <a:picLocks noChangeAspect="1"/>
+            </p:cNvPicPr>
+            <p:nvPr/>
+          </p:nvPicPr>
+          <p:blipFill rotWithShape="1">
+            <a:blip r:embed="rId5">
+              <a:extLst>
+                <a:ext uri="{28A0092B-C50C-407E-A947-70E740481C1C}">
+                  <a14:useLocalDpi xmlns:a14="http://schemas.microsoft.com/office/drawing/2010/main" val="0"/>
+                </a:ext>
+              </a:extLst>
+            </a:blip>
+            <a:srcRect t="16377" b="19768"/>
+            <a:stretch/>
+          </p:blipFill>
+          <p:spPr>
+            <a:xfrm>
+              <a:off x="585788" y="7565087"/>
+              <a:ext cx="5614988" cy="3579813"/>
+            </a:xfrm>
+            <a:prstGeom prst="rect">
+              <a:avLst/>
+            </a:prstGeom>
+          </p:spPr>
+        </p:pic>
+        <p:sp>
+          <p:nvSpPr>
+            <p:cNvPr id="44" name="TextBox 43"/>
+            <p:cNvSpPr txBox="1"/>
+            <p:nvPr/>
+          </p:nvSpPr>
+          <p:spPr>
+            <a:xfrm>
+              <a:off x="7103107" y="3275093"/>
+              <a:ext cx="351378" cy="369332"/>
+            </a:xfrm>
+            <a:prstGeom prst="rect">
+              <a:avLst/>
+            </a:prstGeom>
+            <a:noFill/>
+          </p:spPr>
+          <p:txBody>
+            <a:bodyPr wrap="none" rtlCol="0">
+              <a:spAutoFit/>
+            </a:bodyPr>
+            <a:lstStyle/>
+            <a:p>
+              <a:r>
+                <a:rPr lang="en-US" sz="1800" dirty="0" smtClean="0">
+                  <a:latin typeface="Helvetica" charset="0"/>
+                  <a:ea typeface="Helvetica" charset="0"/>
+                  <a:cs typeface="Helvetica" charset="0"/>
+                </a:rPr>
+                <a:t>C</a:t>
+              </a:r>
+              <a:endParaRPr lang="en-US" sz="1800" dirty="0">
+                <a:latin typeface="Helvetica" charset="0"/>
+                <a:ea typeface="Helvetica" charset="0"/>
+                <a:cs typeface="Helvetica" charset="0"/>
+              </a:endParaRPr>
+            </a:p>
+          </p:txBody>
+        </p:sp>
+        <p:sp>
+          <p:nvSpPr>
+            <p:cNvPr id="20" name="Rectangle 19"/>
+            <p:cNvSpPr/>
+            <p:nvPr/>
+          </p:nvSpPr>
+          <p:spPr>
+            <a:xfrm>
+              <a:off x="485458" y="7430293"/>
+              <a:ext cx="539750" cy="3263900"/>
+            </a:xfrm>
+            <a:prstGeom prst="rect">
+              <a:avLst/>
+            </a:prstGeom>
+            <a:solidFill>
+              <a:schemeClr val="bg1"/>
+            </a:solidFill>
+            <a:ln>
+              <a:solidFill>
+                <a:schemeClr val="bg1"/>
+              </a:solidFill>
+            </a:ln>
+          </p:spPr>
+          <p:style>
+            <a:lnRef idx="2">
+              <a:schemeClr val="accent1">
+                <a:shade val="50000"/>
+              </a:schemeClr>
+            </a:lnRef>
+            <a:fillRef idx="1">
+              <a:schemeClr val="accent1"/>
+            </a:fillRef>
+            <a:effectRef idx="0">
+              <a:schemeClr val="accent1"/>
+            </a:effectRef>
+            <a:fontRef idx="minor">
+              <a:schemeClr val="lt1"/>
+            </a:fontRef>
+          </p:style>
+          <p:txBody>
+            <a:bodyPr rtlCol="0" anchor="ctr"/>
+            <a:lstStyle/>
+            <a:p>
+              <a:pPr algn="ctr"/>
+              <a:endParaRPr lang="en-US"/>
+            </a:p>
+          </p:txBody>
+        </p:sp>
+        <p:sp>
+          <p:nvSpPr>
+            <p:cNvPr id="18" name="TextBox 17"/>
+            <p:cNvSpPr txBox="1"/>
+            <p:nvPr/>
+          </p:nvSpPr>
+          <p:spPr>
+            <a:xfrm rot="16200000">
+              <a:off x="-473349" y="8883232"/>
+              <a:ext cx="2443297" cy="584775"/>
+            </a:xfrm>
+            <a:prstGeom prst="rect">
+              <a:avLst/>
+            </a:prstGeom>
+            <a:solidFill>
+              <a:schemeClr val="bg1"/>
+            </a:solidFill>
+          </p:spPr>
+          <p:txBody>
+            <a:bodyPr wrap="none" rtlCol="0">
+              <a:spAutoFit/>
+            </a:bodyPr>
+            <a:lstStyle/>
+            <a:p>
+              <a:pPr algn="ctr"/>
+              <a:r>
+                <a:rPr lang="en-US" sz="1600" dirty="0" smtClean="0">
+                  <a:latin typeface="Helvetica" charset="0"/>
+                  <a:ea typeface="Helvetica" charset="0"/>
+                  <a:cs typeface="Helvetica" charset="0"/>
+                </a:rPr>
+                <a:t>Mean frequency of HCN </a:t>
+              </a:r>
+            </a:p>
+            <a:p>
+              <a:pPr algn="ctr"/>
+              <a:r>
+                <a:rPr lang="en-US" sz="1600" dirty="0" smtClean="0">
+                  <a:latin typeface="Helvetica" charset="0"/>
+                  <a:ea typeface="Helvetica" charset="0"/>
+                  <a:cs typeface="Helvetica" charset="0"/>
+                </a:rPr>
+                <a:t>across </a:t>
+              </a:r>
+              <a:r>
+                <a:rPr lang="en-US" sz="1600" dirty="0" smtClean="0">
+                  <a:latin typeface="Helvetica" charset="0"/>
+                  <a:ea typeface="Helvetica" charset="0"/>
+                  <a:cs typeface="Helvetica" charset="0"/>
+                </a:rPr>
+                <a:t>1000 sims</a:t>
+              </a:r>
+              <a:endParaRPr lang="en-US" sz="1600" dirty="0">
+                <a:latin typeface="Helvetica" charset="0"/>
+                <a:ea typeface="Helvetica" charset="0"/>
+                <a:cs typeface="Helvetica" charset="0"/>
+              </a:endParaRPr>
+            </a:p>
+          </p:txBody>
+        </p:sp>
+        <p:sp>
+          <p:nvSpPr>
+            <p:cNvPr id="45" name="TextBox 44"/>
+            <p:cNvSpPr txBox="1"/>
+            <p:nvPr/>
+          </p:nvSpPr>
+          <p:spPr>
+            <a:xfrm>
+              <a:off x="1189732" y="7201502"/>
+              <a:ext cx="338554" cy="369332"/>
+            </a:xfrm>
+            <a:prstGeom prst="rect">
+              <a:avLst/>
+            </a:prstGeom>
+            <a:noFill/>
+          </p:spPr>
+          <p:txBody>
+            <a:bodyPr wrap="none" rtlCol="0">
+              <a:spAutoFit/>
+            </a:bodyPr>
+            <a:lstStyle/>
+            <a:p>
+              <a:r>
+                <a:rPr lang="en-US" sz="1800" dirty="0" smtClean="0">
+                  <a:latin typeface="Helvetica" charset="0"/>
+                  <a:ea typeface="Helvetica" charset="0"/>
+                  <a:cs typeface="Helvetica" charset="0"/>
+                </a:rPr>
+                <a:t>B</a:t>
+              </a:r>
+              <a:endParaRPr lang="en-US" sz="1800" dirty="0">
+                <a:latin typeface="Helvetica" charset="0"/>
+                <a:ea typeface="Helvetica" charset="0"/>
+                <a:cs typeface="Helvetica" charset="0"/>
+              </a:endParaRPr>
+            </a:p>
+          </p:txBody>
+        </p:sp>
+        <p:sp>
+          <p:nvSpPr>
+            <p:cNvPr id="47" name="TextBox 46"/>
+            <p:cNvSpPr txBox="1"/>
+            <p:nvPr/>
+          </p:nvSpPr>
+          <p:spPr>
+            <a:xfrm>
+              <a:off x="2442315" y="11146633"/>
+              <a:ext cx="2605200" cy="584775"/>
+            </a:xfrm>
+            <a:prstGeom prst="rect">
+              <a:avLst/>
+            </a:prstGeom>
+            <a:solidFill>
+              <a:schemeClr val="bg1"/>
+            </a:solidFill>
+          </p:spPr>
+          <p:txBody>
+            <a:bodyPr wrap="none" rtlCol="0">
+              <a:spAutoFit/>
+            </a:bodyPr>
+            <a:lstStyle/>
+            <a:p>
+              <a:pPr algn="ctr"/>
+              <a:r>
+                <a:rPr lang="en-US" sz="1600" dirty="0" smtClean="0">
+                  <a:latin typeface="Helvetica" charset="0"/>
+                  <a:ea typeface="Helvetica" charset="0"/>
+                  <a:cs typeface="Helvetica" charset="0"/>
+                </a:rPr>
+                <a:t>Distance from urban-most </a:t>
+              </a:r>
+            </a:p>
+            <a:p>
+              <a:pPr algn="ctr"/>
+              <a:r>
+                <a:rPr lang="en-US" sz="1600" dirty="0" smtClean="0">
+                  <a:latin typeface="Helvetica" charset="0"/>
+                  <a:ea typeface="Helvetica" charset="0"/>
+                  <a:cs typeface="Helvetica" charset="0"/>
+                </a:rPr>
+                <a:t>population</a:t>
+              </a:r>
+              <a:endParaRPr lang="en-US" sz="1600" dirty="0">
+                <a:latin typeface="Helvetica" charset="0"/>
+                <a:ea typeface="Helvetica" charset="0"/>
+                <a:cs typeface="Helvetica" charset="0"/>
+              </a:endParaRPr>
+            </a:p>
+          </p:txBody>
+        </p:sp>
+        <p:sp>
+          <p:nvSpPr>
+            <p:cNvPr id="48" name="TextBox 47"/>
+            <p:cNvSpPr txBox="1"/>
+            <p:nvPr/>
+          </p:nvSpPr>
+          <p:spPr>
+            <a:xfrm>
+              <a:off x="8323405" y="11146633"/>
+              <a:ext cx="2605200" cy="584775"/>
+            </a:xfrm>
+            <a:prstGeom prst="rect">
+              <a:avLst/>
+            </a:prstGeom>
+            <a:solidFill>
+              <a:schemeClr val="bg1"/>
+            </a:solidFill>
+          </p:spPr>
+          <p:txBody>
+            <a:bodyPr wrap="none" rtlCol="0">
+              <a:spAutoFit/>
+            </a:bodyPr>
+            <a:lstStyle/>
+            <a:p>
+              <a:pPr algn="ctr"/>
+              <a:r>
+                <a:rPr lang="en-US" sz="1600" dirty="0" smtClean="0">
+                  <a:latin typeface="Helvetica" charset="0"/>
+                  <a:ea typeface="Helvetica" charset="0"/>
+                  <a:cs typeface="Helvetica" charset="0"/>
+                </a:rPr>
+                <a:t>Distance from urban-most </a:t>
+              </a:r>
+            </a:p>
+            <a:p>
+              <a:pPr algn="ctr"/>
+              <a:r>
+                <a:rPr lang="en-US" sz="1600" dirty="0" smtClean="0">
+                  <a:latin typeface="Helvetica" charset="0"/>
+                  <a:ea typeface="Helvetica" charset="0"/>
+                  <a:cs typeface="Helvetica" charset="0"/>
+                </a:rPr>
+                <a:t>population</a:t>
+              </a:r>
+              <a:endParaRPr lang="en-US" sz="1600" dirty="0">
+                <a:latin typeface="Helvetica" charset="0"/>
+                <a:ea typeface="Helvetica" charset="0"/>
+                <a:cs typeface="Helvetica" charset="0"/>
+              </a:endParaRPr>
+            </a:p>
+          </p:txBody>
+        </p:sp>
+        <p:sp>
+          <p:nvSpPr>
+            <p:cNvPr id="49" name="TextBox 48"/>
+            <p:cNvSpPr txBox="1"/>
+            <p:nvPr/>
+          </p:nvSpPr>
+          <p:spPr>
+            <a:xfrm>
+              <a:off x="11361156" y="11285131"/>
+              <a:ext cx="612668" cy="307777"/>
+            </a:xfrm>
+            <a:prstGeom prst="rect">
+              <a:avLst/>
+            </a:prstGeom>
+            <a:noFill/>
+          </p:spPr>
+          <p:txBody>
+            <a:bodyPr wrap="none" rtlCol="0">
+              <a:spAutoFit/>
+            </a:bodyPr>
+            <a:lstStyle/>
+            <a:p>
+              <a:r>
+                <a:rPr lang="en-US" sz="1400" dirty="0" smtClean="0">
+                  <a:latin typeface="Helvetica" charset="0"/>
+                  <a:ea typeface="Helvetica" charset="0"/>
+                  <a:cs typeface="Helvetica" charset="0"/>
+                </a:rPr>
+                <a:t>Rural</a:t>
+              </a:r>
+              <a:endParaRPr lang="en-US" sz="1400" dirty="0">
+                <a:latin typeface="Helvetica" charset="0"/>
+                <a:ea typeface="Helvetica" charset="0"/>
+                <a:cs typeface="Helvetica" charset="0"/>
+              </a:endParaRPr>
+            </a:p>
+          </p:txBody>
+        </p:sp>
+        <p:sp>
+          <p:nvSpPr>
+            <p:cNvPr id="50" name="TextBox 49"/>
+            <p:cNvSpPr txBox="1"/>
+            <p:nvPr/>
+          </p:nvSpPr>
+          <p:spPr>
+            <a:xfrm>
+              <a:off x="5584557" y="11288727"/>
+              <a:ext cx="612668" cy="307777"/>
+            </a:xfrm>
+            <a:prstGeom prst="rect">
+              <a:avLst/>
+            </a:prstGeom>
+            <a:noFill/>
+          </p:spPr>
+          <p:txBody>
+            <a:bodyPr wrap="none" rtlCol="0">
+              <a:spAutoFit/>
+            </a:bodyPr>
+            <a:lstStyle/>
+            <a:p>
+              <a:r>
+                <a:rPr lang="en-US" sz="1400" smtClean="0">
+                  <a:latin typeface="Helvetica" charset="0"/>
+                  <a:ea typeface="Helvetica" charset="0"/>
+                  <a:cs typeface="Helvetica" charset="0"/>
+                </a:rPr>
+                <a:t>Rural</a:t>
+              </a:r>
+              <a:endParaRPr lang="en-US" sz="1400">
+                <a:latin typeface="Helvetica" charset="0"/>
+                <a:ea typeface="Helvetica" charset="0"/>
+                <a:cs typeface="Helvetica" charset="0"/>
+              </a:endParaRPr>
+            </a:p>
+          </p:txBody>
+        </p:sp>
+        <p:sp>
+          <p:nvSpPr>
+            <p:cNvPr id="51" name="TextBox 50"/>
+            <p:cNvSpPr txBox="1"/>
+            <p:nvPr/>
+          </p:nvSpPr>
+          <p:spPr>
+            <a:xfrm>
+              <a:off x="1369981" y="11279694"/>
+              <a:ext cx="671979" cy="307777"/>
+            </a:xfrm>
+            <a:prstGeom prst="rect">
+              <a:avLst/>
+            </a:prstGeom>
+            <a:noFill/>
+          </p:spPr>
+          <p:txBody>
+            <a:bodyPr wrap="none" rtlCol="0">
+              <a:spAutoFit/>
+            </a:bodyPr>
+            <a:lstStyle/>
+            <a:p>
+              <a:r>
+                <a:rPr lang="en-US" sz="1400" smtClean="0">
+                  <a:latin typeface="Helvetica" charset="0"/>
+                  <a:ea typeface="Helvetica" charset="0"/>
+                  <a:cs typeface="Helvetica" charset="0"/>
+                </a:rPr>
+                <a:t>Urban</a:t>
+              </a:r>
+              <a:endParaRPr lang="en-US" sz="1400">
+                <a:latin typeface="Helvetica" charset="0"/>
+                <a:ea typeface="Helvetica" charset="0"/>
+                <a:cs typeface="Helvetica" charset="0"/>
+              </a:endParaRPr>
+            </a:p>
+          </p:txBody>
+        </p:sp>
+        <p:sp>
+          <p:nvSpPr>
+            <p:cNvPr id="52" name="TextBox 51"/>
+            <p:cNvSpPr txBox="1"/>
+            <p:nvPr/>
+          </p:nvSpPr>
+          <p:spPr>
+            <a:xfrm>
+              <a:off x="7291823" y="11288727"/>
+              <a:ext cx="671979" cy="307777"/>
+            </a:xfrm>
+            <a:prstGeom prst="rect">
+              <a:avLst/>
+            </a:prstGeom>
+            <a:noFill/>
+          </p:spPr>
+          <p:txBody>
+            <a:bodyPr wrap="none" rtlCol="0">
+              <a:spAutoFit/>
+            </a:bodyPr>
+            <a:lstStyle/>
+            <a:p>
+              <a:r>
+                <a:rPr lang="en-US" sz="1400" smtClean="0">
+                  <a:latin typeface="Helvetica" charset="0"/>
+                  <a:ea typeface="Helvetica" charset="0"/>
+                  <a:cs typeface="Helvetica" charset="0"/>
+                </a:rPr>
+                <a:t>Urban</a:t>
+              </a:r>
+              <a:endParaRPr lang="en-US" sz="1400">
+                <a:latin typeface="Helvetica" charset="0"/>
+                <a:ea typeface="Helvetica" charset="0"/>
+                <a:cs typeface="Helvetica" charset="0"/>
+              </a:endParaRPr>
+            </a:p>
+          </p:txBody>
+        </p:sp>
+      </p:grpSp>
+      <p:grpSp>
+        <p:nvGrpSpPr>
+          <p:cNvPr id="57" name="Group 56"/>
+          <p:cNvGrpSpPr/>
           <p:nvPr/>
-        </p:nvPicPr>
-        <p:blipFill rotWithShape="1">
-          <a:blip r:embed="rId3">
-            <a:extLst>
-              <a:ext uri="{28A0092B-C50C-407E-A947-70E740481C1C}">
-                <a14:useLocalDpi xmlns:a14="http://schemas.microsoft.com/office/drawing/2010/main" val="0"/>
-              </a:ext>
-            </a:extLst>
-          </a:blip>
-          <a:srcRect t="16811" b="16262"/>
-          <a:stretch/>
-        </p:blipFill>
-        <p:spPr>
+        </p:nvGrpSpPr>
+        <p:grpSpPr>
           <a:xfrm>
-            <a:off x="701675" y="7918126"/>
-            <a:ext cx="5486400" cy="3671887"/>
+            <a:off x="7349439" y="3667098"/>
+            <a:ext cx="865873" cy="746551"/>
+            <a:chOff x="7963802" y="4267173"/>
+            <a:chExt cx="865873" cy="746551"/>
           </a:xfrm>
-          <a:prstGeom prst="rect">
-            <a:avLst/>
-          </a:prstGeom>
-        </p:spPr>
-      </p:pic>
-      <p:pic>
-        <p:nvPicPr>
-          <p:cNvPr id="6" name="Picture 5"/>
-          <p:cNvPicPr>
-            <a:picLocks noChangeAspect="1"/>
-          </p:cNvPicPr>
+        </p:grpSpPr>
+        <p:sp>
+          <p:nvSpPr>
+            <p:cNvPr id="54" name="TextBox 53"/>
+            <p:cNvSpPr txBox="1"/>
+            <p:nvPr/>
+          </p:nvSpPr>
+          <p:spPr>
+            <a:xfrm>
+              <a:off x="7963802" y="4267173"/>
+              <a:ext cx="865873" cy="746551"/>
+            </a:xfrm>
+            <a:prstGeom prst="rect">
+              <a:avLst/>
+            </a:prstGeom>
+            <a:noFill/>
+          </p:spPr>
+          <p:txBody>
+            <a:bodyPr wrap="square" rtlCol="0">
+              <a:spAutoFit/>
+            </a:bodyPr>
+            <a:lstStyle/>
+            <a:p>
+              <a:r>
+                <a:rPr lang="en-US" sz="1417" dirty="0" smtClean="0"/>
+                <a:t>β </a:t>
+              </a:r>
+              <a:r>
+                <a:rPr lang="en-US" sz="1417" dirty="0"/>
+                <a:t>= </a:t>
+              </a:r>
+              <a:r>
+                <a:rPr lang="en-US" sz="1417" dirty="0" smtClean="0"/>
+                <a:t>0.007</a:t>
+              </a:r>
+              <a:r>
+                <a:rPr lang="en-US" sz="1417" dirty="0" smtClean="0"/>
+                <a:t> </a:t>
+              </a:r>
+            </a:p>
+            <a:p>
+              <a:r>
+                <a:rPr lang="en-US" sz="1417" dirty="0" smtClean="0"/>
+                <a:t>P </a:t>
+              </a:r>
+              <a:r>
+                <a:rPr lang="en-US" sz="1417" dirty="0"/>
+                <a:t>&lt; </a:t>
+              </a:r>
+              <a:r>
+                <a:rPr lang="en-US" sz="1417" dirty="0" smtClean="0"/>
+                <a:t>0.001 </a:t>
+              </a:r>
+            </a:p>
+            <a:p>
+              <a:r>
+                <a:rPr lang="en-US" sz="1417" dirty="0" smtClean="0"/>
+                <a:t>R</a:t>
+              </a:r>
+              <a:r>
+                <a:rPr lang="en-US" sz="1417" baseline="30000" dirty="0" smtClean="0"/>
+                <a:t>2</a:t>
+              </a:r>
+              <a:r>
+                <a:rPr lang="en-US" sz="1417" dirty="0" smtClean="0"/>
+                <a:t> = 0.93 </a:t>
+              </a:r>
+              <a:endParaRPr lang="en-US" sz="1417" dirty="0"/>
+            </a:p>
+          </p:txBody>
+        </p:sp>
+        <p:sp>
+          <p:nvSpPr>
+            <p:cNvPr id="55" name="Rectangle 54"/>
+            <p:cNvSpPr/>
+            <p:nvPr/>
+          </p:nvSpPr>
+          <p:spPr>
+            <a:xfrm>
+              <a:off x="7983537" y="4288667"/>
+              <a:ext cx="817563" cy="711957"/>
+            </a:xfrm>
+            <a:prstGeom prst="rect">
+              <a:avLst/>
+            </a:prstGeom>
+            <a:noFill/>
+            <a:ln w="19050">
+              <a:solidFill>
+                <a:schemeClr val="tx1"/>
+              </a:solidFill>
+            </a:ln>
+          </p:spPr>
+          <p:style>
+            <a:lnRef idx="2">
+              <a:schemeClr val="accent1">
+                <a:shade val="50000"/>
+              </a:schemeClr>
+            </a:lnRef>
+            <a:fillRef idx="1">
+              <a:schemeClr val="accent1"/>
+            </a:fillRef>
+            <a:effectRef idx="0">
+              <a:schemeClr val="accent1"/>
+            </a:effectRef>
+            <a:fontRef idx="minor">
+              <a:schemeClr val="lt1"/>
+            </a:fontRef>
+          </p:style>
+          <p:txBody>
+            <a:bodyPr rtlCol="0" anchor="ctr"/>
+            <a:lstStyle/>
+            <a:p>
+              <a:pPr algn="ctr"/>
+              <a:endParaRPr lang="en-US"/>
+            </a:p>
+          </p:txBody>
+        </p:sp>
+      </p:grpSp>
+      <p:grpSp>
+        <p:nvGrpSpPr>
+          <p:cNvPr id="58" name="Group 57"/>
+          <p:cNvGrpSpPr/>
           <p:nvPr/>
-        </p:nvPicPr>
-        <p:blipFill rotWithShape="1">
-          <a:blip r:embed="rId4">
-            <a:extLst>
-              <a:ext uri="{28A0092B-C50C-407E-A947-70E740481C1C}">
-                <a14:useLocalDpi xmlns:a14="http://schemas.microsoft.com/office/drawing/2010/main" val="0"/>
-              </a:ext>
-            </a:extLst>
-          </a:blip>
-          <a:srcRect t="16291" b="20360"/>
-          <a:stretch/>
-        </p:blipFill>
-        <p:spPr>
+        </p:nvGrpSpPr>
+        <p:grpSpPr>
           <a:xfrm>
-            <a:off x="6324535" y="3649662"/>
-            <a:ext cx="5628396" cy="3565525"/>
+            <a:off x="1452825" y="7579793"/>
+            <a:ext cx="865873" cy="746551"/>
+            <a:chOff x="7963802" y="4267173"/>
+            <a:chExt cx="865873" cy="746551"/>
           </a:xfrm>
-          <a:prstGeom prst="rect">
-            <a:avLst/>
-          </a:prstGeom>
-        </p:spPr>
-      </p:pic>
-      <p:cxnSp>
-        <p:nvCxnSpPr>
-          <p:cNvPr id="10" name="Straight Connector 9"/>
-          <p:cNvCxnSpPr/>
+        </p:grpSpPr>
+        <p:sp>
+          <p:nvSpPr>
+            <p:cNvPr id="59" name="TextBox 58"/>
+            <p:cNvSpPr txBox="1"/>
+            <p:nvPr/>
+          </p:nvSpPr>
+          <p:spPr>
+            <a:xfrm>
+              <a:off x="7963802" y="4267173"/>
+              <a:ext cx="865873" cy="746551"/>
+            </a:xfrm>
+            <a:prstGeom prst="rect">
+              <a:avLst/>
+            </a:prstGeom>
+            <a:noFill/>
+          </p:spPr>
+          <p:txBody>
+            <a:bodyPr wrap="square" rtlCol="0">
+              <a:spAutoFit/>
+            </a:bodyPr>
+            <a:lstStyle/>
+            <a:p>
+              <a:r>
+                <a:rPr lang="en-US" sz="1417" dirty="0" smtClean="0"/>
+                <a:t>β </a:t>
+              </a:r>
+              <a:r>
+                <a:rPr lang="en-US" sz="1417" dirty="0"/>
+                <a:t>= </a:t>
+              </a:r>
+              <a:r>
+                <a:rPr lang="en-US" sz="1417" dirty="0" smtClean="0"/>
+                <a:t>0.003</a:t>
+              </a:r>
+              <a:r>
+                <a:rPr lang="en-US" sz="1417" dirty="0" smtClean="0"/>
+                <a:t> </a:t>
+              </a:r>
+            </a:p>
+            <a:p>
+              <a:r>
+                <a:rPr lang="en-US" sz="1417" dirty="0" smtClean="0"/>
+                <a:t>P </a:t>
+              </a:r>
+              <a:r>
+                <a:rPr lang="en-US" sz="1417" dirty="0"/>
+                <a:t>=</a:t>
+              </a:r>
+              <a:r>
+                <a:rPr lang="en-US" sz="1417" dirty="0" smtClean="0"/>
+                <a:t> 0.002 </a:t>
+              </a:r>
+            </a:p>
+            <a:p>
+              <a:r>
+                <a:rPr lang="en-US" sz="1417" dirty="0" smtClean="0"/>
+                <a:t>R</a:t>
+              </a:r>
+              <a:r>
+                <a:rPr lang="en-US" sz="1417" baseline="30000" dirty="0" smtClean="0"/>
+                <a:t>2</a:t>
+              </a:r>
+              <a:r>
+                <a:rPr lang="en-US" sz="1417" dirty="0" smtClean="0"/>
+                <a:t> = 0.22 </a:t>
+              </a:r>
+              <a:endParaRPr lang="en-US" sz="1417" dirty="0"/>
+            </a:p>
+          </p:txBody>
+        </p:sp>
+        <p:sp>
+          <p:nvSpPr>
+            <p:cNvPr id="60" name="Rectangle 59"/>
+            <p:cNvSpPr/>
+            <p:nvPr/>
+          </p:nvSpPr>
+          <p:spPr>
+            <a:xfrm>
+              <a:off x="7983537" y="4288667"/>
+              <a:ext cx="817563" cy="711957"/>
+            </a:xfrm>
+            <a:prstGeom prst="rect">
+              <a:avLst/>
+            </a:prstGeom>
+            <a:noFill/>
+            <a:ln w="19050">
+              <a:solidFill>
+                <a:schemeClr val="tx1"/>
+              </a:solidFill>
+            </a:ln>
+          </p:spPr>
+          <p:style>
+            <a:lnRef idx="2">
+              <a:schemeClr val="accent1">
+                <a:shade val="50000"/>
+              </a:schemeClr>
+            </a:lnRef>
+            <a:fillRef idx="1">
+              <a:schemeClr val="accent1"/>
+            </a:fillRef>
+            <a:effectRef idx="0">
+              <a:schemeClr val="accent1"/>
+            </a:effectRef>
+            <a:fontRef idx="minor">
+              <a:schemeClr val="lt1"/>
+            </a:fontRef>
+          </p:style>
+          <p:txBody>
+            <a:bodyPr rtlCol="0" anchor="ctr"/>
+            <a:lstStyle/>
+            <a:p>
+              <a:pPr algn="ctr"/>
+              <a:endParaRPr lang="en-US"/>
+            </a:p>
+          </p:txBody>
+        </p:sp>
+      </p:grpSp>
+      <p:grpSp>
+        <p:nvGrpSpPr>
+          <p:cNvPr id="61" name="Group 60"/>
+          <p:cNvGrpSpPr/>
           <p:nvPr/>
-        </p:nvCxnSpPr>
-        <p:spPr>
+        </p:nvGrpSpPr>
+        <p:grpSpPr>
           <a:xfrm>
-            <a:off x="3774216" y="3649662"/>
-            <a:ext cx="6243638" cy="0"/>
+            <a:off x="7349443" y="7600734"/>
+            <a:ext cx="973967" cy="746551"/>
+            <a:chOff x="7963802" y="4267173"/>
+            <a:chExt cx="891499" cy="746551"/>
           </a:xfrm>
-          <a:prstGeom prst="line">
-            <a:avLst/>
-          </a:prstGeom>
-        </p:spPr>
-        <p:style>
-          <a:lnRef idx="1">
-            <a:schemeClr val="accent1"/>
-          </a:lnRef>
-          <a:fillRef idx="0">
-            <a:schemeClr val="accent1"/>
-          </a:fillRef>
-          <a:effectRef idx="0">
-            <a:schemeClr val="accent1"/>
-          </a:effectRef>
-          <a:fontRef idx="minor">
-            <a:schemeClr val="tx1"/>
-          </a:fontRef>
-        </p:style>
-      </p:cxnSp>
-      <p:pic>
-        <p:nvPicPr>
-          <p:cNvPr id="11" name="Picture 10"/>
-          <p:cNvPicPr>
-            <a:picLocks noChangeAspect="1"/>
-          </p:cNvPicPr>
-          <p:nvPr/>
-        </p:nvPicPr>
-        <p:blipFill rotWithShape="1">
-          <a:blip r:embed="rId5">
-            <a:extLst>
-              <a:ext uri="{28A0092B-C50C-407E-A947-70E740481C1C}">
-                <a14:useLocalDpi xmlns:a14="http://schemas.microsoft.com/office/drawing/2010/main" val="0"/>
-              </a:ext>
-            </a:extLst>
-          </a:blip>
-          <a:srcRect t="15596" b="19560"/>
-          <a:stretch/>
-        </p:blipFill>
-        <p:spPr>
-          <a:xfrm>
-            <a:off x="701675" y="3649662"/>
-            <a:ext cx="5486400" cy="3557587"/>
-          </a:xfrm>
-          <a:prstGeom prst="rect">
-            <a:avLst/>
-          </a:prstGeom>
-        </p:spPr>
-      </p:pic>
+        </p:grpSpPr>
+        <p:sp>
+          <p:nvSpPr>
+            <p:cNvPr id="62" name="TextBox 61"/>
+            <p:cNvSpPr txBox="1"/>
+            <p:nvPr/>
+          </p:nvSpPr>
+          <p:spPr>
+            <a:xfrm>
+              <a:off x="7963802" y="4267173"/>
+              <a:ext cx="891499" cy="746551"/>
+            </a:xfrm>
+            <a:prstGeom prst="rect">
+              <a:avLst/>
+            </a:prstGeom>
+            <a:noFill/>
+          </p:spPr>
+          <p:txBody>
+            <a:bodyPr wrap="square" rtlCol="0">
+              <a:spAutoFit/>
+            </a:bodyPr>
+            <a:lstStyle/>
+            <a:p>
+              <a:r>
+                <a:rPr lang="en-US" sz="1417" dirty="0" smtClean="0"/>
+                <a:t>β </a:t>
+              </a:r>
+              <a:r>
+                <a:rPr lang="en-US" sz="1417" dirty="0"/>
+                <a:t>= </a:t>
+              </a:r>
+              <a:r>
+                <a:rPr lang="en-US" sz="1417" dirty="0" smtClean="0"/>
+                <a:t>0.0009</a:t>
+              </a:r>
+              <a:r>
+                <a:rPr lang="en-US" sz="1417" dirty="0" smtClean="0"/>
+                <a:t> </a:t>
+              </a:r>
+            </a:p>
+            <a:p>
+              <a:r>
+                <a:rPr lang="en-US" sz="1417" dirty="0" smtClean="0"/>
+                <a:t>P &lt; 0.001 </a:t>
+              </a:r>
+            </a:p>
+            <a:p>
+              <a:r>
+                <a:rPr lang="en-US" sz="1417" dirty="0" smtClean="0"/>
+                <a:t>R</a:t>
+              </a:r>
+              <a:r>
+                <a:rPr lang="en-US" sz="1417" baseline="30000" dirty="0" smtClean="0"/>
+                <a:t>2</a:t>
+              </a:r>
+              <a:r>
+                <a:rPr lang="en-US" sz="1417" dirty="0" smtClean="0"/>
+                <a:t> = 0.99 </a:t>
+              </a:r>
+              <a:endParaRPr lang="en-US" sz="1417" dirty="0"/>
+            </a:p>
+          </p:txBody>
+        </p:sp>
+        <p:sp>
+          <p:nvSpPr>
+            <p:cNvPr id="63" name="Rectangle 62"/>
+            <p:cNvSpPr/>
+            <p:nvPr/>
+          </p:nvSpPr>
+          <p:spPr>
+            <a:xfrm>
+              <a:off x="7983537" y="4288667"/>
+              <a:ext cx="817563" cy="711957"/>
+            </a:xfrm>
+            <a:prstGeom prst="rect">
+              <a:avLst/>
+            </a:prstGeom>
+            <a:noFill/>
+            <a:ln w="19050">
+              <a:solidFill>
+                <a:schemeClr val="tx1"/>
+              </a:solidFill>
+            </a:ln>
+          </p:spPr>
+          <p:style>
+            <a:lnRef idx="2">
+              <a:schemeClr val="accent1">
+                <a:shade val="50000"/>
+              </a:schemeClr>
+            </a:lnRef>
+            <a:fillRef idx="1">
+              <a:schemeClr val="accent1"/>
+            </a:fillRef>
+            <a:effectRef idx="0">
+              <a:schemeClr val="accent1"/>
+            </a:effectRef>
+            <a:fontRef idx="minor">
+              <a:schemeClr val="lt1"/>
+            </a:fontRef>
+          </p:style>
+          <p:txBody>
+            <a:bodyPr rtlCol="0" anchor="ctr"/>
+            <a:lstStyle/>
+            <a:p>
+              <a:pPr algn="ctr"/>
+              <a:endParaRPr lang="en-US"/>
+            </a:p>
+          </p:txBody>
+        </p:sp>
+      </p:grpSp>
     </p:spTree>
     <p:extLst>
       <p:ext uri="{BB962C8B-B14F-4D97-AF65-F5344CB8AC3E}">
         <p14:creationId xmlns:p14="http://schemas.microsoft.com/office/powerpoint/2010/main" val="1565324292"/>
+      </p:ext>
+    </p:extLst>
+  </p:cSld>
+  <p:clrMapOvr>
+    <a:masterClrMapping/>
+  </p:clrMapOvr>
+</p:sld>
+</file>
+
+<file path=ppt/slides/slide6.xml><?xml version="1.0" encoding="utf-8"?>
+<p:sld xmlns:a="http://schemas.openxmlformats.org/drawingml/2006/main" xmlns:r="http://schemas.openxmlformats.org/officeDocument/2006/relationships" xmlns:p="http://schemas.openxmlformats.org/presentationml/2006/main">
+  <p:cSld>
+    <p:spTree>
+      <p:nvGrpSpPr>
+        <p:cNvPr id="1" name=""/>
+        <p:cNvGrpSpPr/>
+        <p:nvPr/>
+      </p:nvGrpSpPr>
+      <p:grpSpPr>
+        <a:xfrm>
+          <a:off x="0" y="0"/>
+          <a:ext cx="0" cy="0"/>
+          <a:chOff x="0" y="0"/>
+          <a:chExt cx="0" cy="0"/>
+        </a:xfrm>
+      </p:grpSpPr>
+      <p:grpSp>
+        <p:nvGrpSpPr>
+          <p:cNvPr id="35" name="Group 34"/>
+          <p:cNvGrpSpPr/>
+          <p:nvPr/>
+        </p:nvGrpSpPr>
+        <p:grpSpPr>
+          <a:xfrm>
+            <a:off x="1067911" y="2796288"/>
+            <a:ext cx="11065178" cy="8766348"/>
+            <a:chOff x="1067911" y="2796288"/>
+            <a:chExt cx="11065178" cy="8766348"/>
+          </a:xfrm>
+        </p:grpSpPr>
+        <p:pic>
+          <p:nvPicPr>
+            <p:cNvPr id="4" name="Picture 3"/>
+            <p:cNvPicPr>
+              <a:picLocks noChangeAspect="1"/>
+            </p:cNvPicPr>
+            <p:nvPr/>
+          </p:nvPicPr>
+          <p:blipFill rotWithShape="1">
+            <a:blip r:embed="rId2">
+              <a:extLst>
+                <a:ext uri="{28A0092B-C50C-407E-A947-70E740481C1C}">
+                  <a14:useLocalDpi xmlns:a14="http://schemas.microsoft.com/office/drawing/2010/main" val="0"/>
+                </a:ext>
+              </a:extLst>
+            </a:blip>
+            <a:srcRect l="4518" t="12553" b="12037"/>
+            <a:stretch/>
+          </p:blipFill>
+          <p:spPr>
+            <a:xfrm>
+              <a:off x="6993983" y="7313362"/>
+              <a:ext cx="5139106" cy="4137285"/>
+            </a:xfrm>
+            <a:prstGeom prst="rect">
+              <a:avLst/>
+            </a:prstGeom>
+          </p:spPr>
+        </p:pic>
+        <p:pic>
+          <p:nvPicPr>
+            <p:cNvPr id="5" name="Picture 4"/>
+            <p:cNvPicPr>
+              <a:picLocks noChangeAspect="1"/>
+            </p:cNvPicPr>
+            <p:nvPr/>
+          </p:nvPicPr>
+          <p:blipFill rotWithShape="1">
+            <a:blip r:embed="rId3">
+              <a:extLst>
+                <a:ext uri="{28A0092B-C50C-407E-A947-70E740481C1C}">
+                  <a14:useLocalDpi xmlns:a14="http://schemas.microsoft.com/office/drawing/2010/main" val="0"/>
+                </a:ext>
+              </a:extLst>
+            </a:blip>
+            <a:srcRect l="4645" t="12279" b="12311"/>
+            <a:stretch/>
+          </p:blipFill>
+          <p:spPr>
+            <a:xfrm>
+              <a:off x="1670985" y="7306039"/>
+              <a:ext cx="5036698" cy="4137285"/>
+            </a:xfrm>
+            <a:prstGeom prst="rect">
+              <a:avLst/>
+            </a:prstGeom>
+          </p:spPr>
+        </p:pic>
+        <p:pic>
+          <p:nvPicPr>
+            <p:cNvPr id="6" name="Picture 5"/>
+            <p:cNvPicPr>
+              <a:picLocks noChangeAspect="1"/>
+            </p:cNvPicPr>
+            <p:nvPr/>
+          </p:nvPicPr>
+          <p:blipFill rotWithShape="1">
+            <a:blip r:embed="rId4">
+              <a:extLst>
+                <a:ext uri="{28A0092B-C50C-407E-A947-70E740481C1C}">
+                  <a14:useLocalDpi xmlns:a14="http://schemas.microsoft.com/office/drawing/2010/main" val="0"/>
+                </a:ext>
+              </a:extLst>
+            </a:blip>
+            <a:srcRect l="5191" t="13798" b="17623"/>
+            <a:stretch/>
+          </p:blipFill>
+          <p:spPr>
+            <a:xfrm>
+              <a:off x="6850510" y="3222885"/>
+              <a:ext cx="5201588" cy="3822492"/>
+            </a:xfrm>
+            <a:prstGeom prst="rect">
+              <a:avLst/>
+            </a:prstGeom>
+          </p:spPr>
+        </p:pic>
+        <p:pic>
+          <p:nvPicPr>
+            <p:cNvPr id="7" name="Picture 6"/>
+            <p:cNvPicPr>
+              <a:picLocks noChangeAspect="1"/>
+            </p:cNvPicPr>
+            <p:nvPr/>
+          </p:nvPicPr>
+          <p:blipFill rotWithShape="1">
+            <a:blip r:embed="rId5">
+              <a:extLst>
+                <a:ext uri="{28A0092B-C50C-407E-A947-70E740481C1C}">
+                  <a14:useLocalDpi xmlns:a14="http://schemas.microsoft.com/office/drawing/2010/main" val="0"/>
+                </a:ext>
+              </a:extLst>
+            </a:blip>
+            <a:srcRect t="13244" b="17084"/>
+            <a:stretch/>
+          </p:blipFill>
+          <p:spPr>
+            <a:xfrm>
+              <a:off x="1289986" y="3222885"/>
+              <a:ext cx="5486400" cy="3822492"/>
+            </a:xfrm>
+            <a:prstGeom prst="rect">
+              <a:avLst/>
+            </a:prstGeom>
+          </p:spPr>
+        </p:pic>
+        <p:sp>
+          <p:nvSpPr>
+            <p:cNvPr id="14" name="Rectangle 13"/>
+            <p:cNvSpPr/>
+            <p:nvPr/>
+          </p:nvSpPr>
+          <p:spPr>
+            <a:xfrm>
+              <a:off x="1067911" y="7406855"/>
+              <a:ext cx="539750" cy="3263900"/>
+            </a:xfrm>
+            <a:prstGeom prst="rect">
+              <a:avLst/>
+            </a:prstGeom>
+            <a:solidFill>
+              <a:schemeClr val="bg1"/>
+            </a:solidFill>
+            <a:ln>
+              <a:solidFill>
+                <a:schemeClr val="bg1"/>
+              </a:solidFill>
+            </a:ln>
+          </p:spPr>
+          <p:style>
+            <a:lnRef idx="2">
+              <a:schemeClr val="accent1">
+                <a:shade val="50000"/>
+              </a:schemeClr>
+            </a:lnRef>
+            <a:fillRef idx="1">
+              <a:schemeClr val="accent1"/>
+            </a:fillRef>
+            <a:effectRef idx="0">
+              <a:schemeClr val="accent1"/>
+            </a:effectRef>
+            <a:fontRef idx="minor">
+              <a:schemeClr val="lt1"/>
+            </a:fontRef>
+          </p:style>
+          <p:txBody>
+            <a:bodyPr rtlCol="0" anchor="ctr"/>
+            <a:lstStyle/>
+            <a:p>
+              <a:pPr algn="ctr"/>
+              <a:endParaRPr lang="en-US"/>
+            </a:p>
+          </p:txBody>
+        </p:sp>
+        <p:sp>
+          <p:nvSpPr>
+            <p:cNvPr id="12" name="TextBox 11"/>
+            <p:cNvSpPr txBox="1"/>
+            <p:nvPr/>
+          </p:nvSpPr>
+          <p:spPr>
+            <a:xfrm rot="16200000">
+              <a:off x="-148591" y="8869528"/>
+              <a:ext cx="2977097" cy="338554"/>
+            </a:xfrm>
+            <a:prstGeom prst="rect">
+              <a:avLst/>
+            </a:prstGeom>
+            <a:solidFill>
+              <a:schemeClr val="bg1"/>
+            </a:solidFill>
+          </p:spPr>
+          <p:txBody>
+            <a:bodyPr wrap="none" rtlCol="0">
+              <a:spAutoFit/>
+            </a:bodyPr>
+            <a:lstStyle/>
+            <a:p>
+              <a:r>
+                <a:rPr lang="en-US" sz="1600" dirty="0" smtClean="0">
+                  <a:latin typeface="Helvetica" charset="0"/>
+                  <a:ea typeface="Helvetica" charset="0"/>
+                  <a:cs typeface="Helvetica" charset="0"/>
+                </a:rPr>
+                <a:t>Proportion of significant slopes</a:t>
+              </a:r>
+              <a:endParaRPr lang="en-US" sz="1600" dirty="0">
+                <a:latin typeface="Helvetica" charset="0"/>
+                <a:ea typeface="Helvetica" charset="0"/>
+                <a:cs typeface="Helvetica" charset="0"/>
+              </a:endParaRPr>
+            </a:p>
+          </p:txBody>
+        </p:sp>
+        <p:sp>
+          <p:nvSpPr>
+            <p:cNvPr id="13" name="TextBox 12"/>
+            <p:cNvSpPr txBox="1"/>
+            <p:nvPr/>
+          </p:nvSpPr>
+          <p:spPr>
+            <a:xfrm rot="16200000">
+              <a:off x="715661" y="4723138"/>
+              <a:ext cx="1244251" cy="338554"/>
+            </a:xfrm>
+            <a:prstGeom prst="rect">
+              <a:avLst/>
+            </a:prstGeom>
+            <a:solidFill>
+              <a:schemeClr val="bg1"/>
+            </a:solidFill>
+          </p:spPr>
+          <p:txBody>
+            <a:bodyPr wrap="none" rtlCol="0">
+              <a:spAutoFit/>
+            </a:bodyPr>
+            <a:lstStyle/>
+            <a:p>
+              <a:r>
+                <a:rPr lang="en-US" sz="1600" dirty="0" smtClean="0">
+                  <a:latin typeface="Helvetica" charset="0"/>
+                  <a:ea typeface="Helvetica" charset="0"/>
+                  <a:cs typeface="Helvetica" charset="0"/>
+                </a:rPr>
+                <a:t>Mean slope</a:t>
+              </a:r>
+              <a:endParaRPr lang="en-US" sz="1600" dirty="0">
+                <a:latin typeface="Helvetica" charset="0"/>
+                <a:ea typeface="Helvetica" charset="0"/>
+                <a:cs typeface="Helvetica" charset="0"/>
+              </a:endParaRPr>
+            </a:p>
+          </p:txBody>
+        </p:sp>
+        <p:sp>
+          <p:nvSpPr>
+            <p:cNvPr id="16" name="TextBox 15"/>
+            <p:cNvSpPr txBox="1"/>
+            <p:nvPr/>
+          </p:nvSpPr>
+          <p:spPr>
+            <a:xfrm>
+              <a:off x="3253498" y="11221584"/>
+              <a:ext cx="2301977" cy="338554"/>
+            </a:xfrm>
+            <a:prstGeom prst="rect">
+              <a:avLst/>
+            </a:prstGeom>
+            <a:solidFill>
+              <a:schemeClr val="bg1"/>
+            </a:solidFill>
+          </p:spPr>
+          <p:txBody>
+            <a:bodyPr wrap="none" rtlCol="0">
+              <a:spAutoFit/>
+            </a:bodyPr>
+            <a:lstStyle/>
+            <a:p>
+              <a:pPr algn="ctr"/>
+              <a:r>
+                <a:rPr lang="en-US" sz="1600" smtClean="0">
+                  <a:latin typeface="Helvetica" charset="0"/>
+                  <a:ea typeface="Helvetica" charset="0"/>
+                  <a:cs typeface="Helvetica" charset="0"/>
+                </a:rPr>
+                <a:t>Selection coefficient (</a:t>
+              </a:r>
+              <a:r>
+                <a:rPr lang="en-US" sz="1600" i="1" smtClean="0">
+                  <a:latin typeface="Helvetica" charset="0"/>
+                  <a:ea typeface="Helvetica" charset="0"/>
+                  <a:cs typeface="Helvetica" charset="0"/>
+                </a:rPr>
+                <a:t>s</a:t>
+              </a:r>
+              <a:r>
+                <a:rPr lang="en-US" sz="1600" smtClean="0">
+                  <a:latin typeface="Helvetica" charset="0"/>
+                  <a:ea typeface="Helvetica" charset="0"/>
+                  <a:cs typeface="Helvetica" charset="0"/>
+                </a:rPr>
+                <a:t>)</a:t>
+              </a:r>
+              <a:endParaRPr lang="en-US" sz="1600" dirty="0">
+                <a:latin typeface="Helvetica" charset="0"/>
+                <a:ea typeface="Helvetica" charset="0"/>
+                <a:cs typeface="Helvetica" charset="0"/>
+              </a:endParaRPr>
+            </a:p>
+          </p:txBody>
+        </p:sp>
+        <p:sp>
+          <p:nvSpPr>
+            <p:cNvPr id="17" name="TextBox 16"/>
+            <p:cNvSpPr txBox="1"/>
+            <p:nvPr/>
+          </p:nvSpPr>
+          <p:spPr>
+            <a:xfrm>
+              <a:off x="8577505" y="11224082"/>
+              <a:ext cx="2301977" cy="338554"/>
+            </a:xfrm>
+            <a:prstGeom prst="rect">
+              <a:avLst/>
+            </a:prstGeom>
+            <a:solidFill>
+              <a:schemeClr val="bg1"/>
+            </a:solidFill>
+          </p:spPr>
+          <p:txBody>
+            <a:bodyPr wrap="none" rtlCol="0">
+              <a:spAutoFit/>
+            </a:bodyPr>
+            <a:lstStyle/>
+            <a:p>
+              <a:pPr algn="ctr"/>
+              <a:r>
+                <a:rPr lang="en-US" sz="1600" smtClean="0">
+                  <a:latin typeface="Helvetica" charset="0"/>
+                  <a:ea typeface="Helvetica" charset="0"/>
+                  <a:cs typeface="Helvetica" charset="0"/>
+                </a:rPr>
+                <a:t>Selection coefficient (</a:t>
+              </a:r>
+              <a:r>
+                <a:rPr lang="en-US" sz="1600" i="1" smtClean="0">
+                  <a:latin typeface="Helvetica" charset="0"/>
+                  <a:ea typeface="Helvetica" charset="0"/>
+                  <a:cs typeface="Helvetica" charset="0"/>
+                </a:rPr>
+                <a:t>s</a:t>
+              </a:r>
+              <a:r>
+                <a:rPr lang="en-US" sz="1600" smtClean="0">
+                  <a:latin typeface="Helvetica" charset="0"/>
+                  <a:ea typeface="Helvetica" charset="0"/>
+                  <a:cs typeface="Helvetica" charset="0"/>
+                </a:rPr>
+                <a:t>)</a:t>
+              </a:r>
+              <a:endParaRPr lang="en-US" sz="1600" dirty="0">
+                <a:latin typeface="Helvetica" charset="0"/>
+                <a:ea typeface="Helvetica" charset="0"/>
+                <a:cs typeface="Helvetica" charset="0"/>
+              </a:endParaRPr>
+            </a:p>
+          </p:txBody>
+        </p:sp>
+        <p:pic>
+          <p:nvPicPr>
+            <p:cNvPr id="19" name="Picture 18"/>
+            <p:cNvPicPr>
+              <a:picLocks noChangeAspect="1"/>
+            </p:cNvPicPr>
+            <p:nvPr/>
+          </p:nvPicPr>
+          <p:blipFill>
+            <a:blip r:embed="rId6"/>
+            <a:stretch>
+              <a:fillRect/>
+            </a:stretch>
+          </p:blipFill>
+          <p:spPr>
+            <a:xfrm>
+              <a:off x="2063893" y="3231148"/>
+              <a:ext cx="2387600" cy="952500"/>
+            </a:xfrm>
+            <a:prstGeom prst="rect">
+              <a:avLst/>
+            </a:prstGeom>
+          </p:spPr>
+        </p:pic>
+        <p:pic>
+          <p:nvPicPr>
+            <p:cNvPr id="20" name="Picture 19"/>
+            <p:cNvPicPr>
+              <a:picLocks noChangeAspect="1"/>
+            </p:cNvPicPr>
+            <p:nvPr/>
+          </p:nvPicPr>
+          <p:blipFill>
+            <a:blip r:embed="rId6"/>
+            <a:stretch>
+              <a:fillRect/>
+            </a:stretch>
+          </p:blipFill>
+          <p:spPr>
+            <a:xfrm>
+              <a:off x="7433646" y="3233647"/>
+              <a:ext cx="2387600" cy="952500"/>
+            </a:xfrm>
+            <a:prstGeom prst="rect">
+              <a:avLst/>
+            </a:prstGeom>
+          </p:spPr>
+        </p:pic>
+        <p:pic>
+          <p:nvPicPr>
+            <p:cNvPr id="21" name="Picture 20"/>
+            <p:cNvPicPr>
+              <a:picLocks noChangeAspect="1"/>
+            </p:cNvPicPr>
+            <p:nvPr/>
+          </p:nvPicPr>
+          <p:blipFill>
+            <a:blip r:embed="rId7"/>
+            <a:stretch>
+              <a:fillRect/>
+            </a:stretch>
+          </p:blipFill>
+          <p:spPr>
+            <a:xfrm>
+              <a:off x="2036523" y="7321030"/>
+              <a:ext cx="1371600" cy="965200"/>
+            </a:xfrm>
+            <a:prstGeom prst="rect">
+              <a:avLst/>
+            </a:prstGeom>
+          </p:spPr>
+        </p:pic>
+        <p:pic>
+          <p:nvPicPr>
+            <p:cNvPr id="22" name="Picture 21"/>
+            <p:cNvPicPr>
+              <a:picLocks noChangeAspect="1"/>
+            </p:cNvPicPr>
+            <p:nvPr/>
+          </p:nvPicPr>
+          <p:blipFill>
+            <a:blip r:embed="rId7"/>
+            <a:stretch>
+              <a:fillRect/>
+            </a:stretch>
+          </p:blipFill>
+          <p:spPr>
+            <a:xfrm>
+              <a:off x="7374744" y="7307762"/>
+              <a:ext cx="1371600" cy="965200"/>
+            </a:xfrm>
+            <a:prstGeom prst="rect">
+              <a:avLst/>
+            </a:prstGeom>
+          </p:spPr>
+        </p:pic>
+        <p:sp>
+          <p:nvSpPr>
+            <p:cNvPr id="23" name="TextBox 22"/>
+            <p:cNvSpPr txBox="1"/>
+            <p:nvPr/>
+          </p:nvSpPr>
+          <p:spPr>
+            <a:xfrm>
+              <a:off x="1725339" y="2796288"/>
+              <a:ext cx="338554" cy="369332"/>
+            </a:xfrm>
+            <a:prstGeom prst="rect">
+              <a:avLst/>
+            </a:prstGeom>
+            <a:noFill/>
+          </p:spPr>
+          <p:txBody>
+            <a:bodyPr wrap="none" rtlCol="0">
+              <a:spAutoFit/>
+            </a:bodyPr>
+            <a:lstStyle/>
+            <a:p>
+              <a:r>
+                <a:rPr lang="en-US" sz="1800" dirty="0" smtClean="0">
+                  <a:latin typeface="Helvetica" charset="0"/>
+                  <a:ea typeface="Helvetica" charset="0"/>
+                  <a:cs typeface="Helvetica" charset="0"/>
+                </a:rPr>
+                <a:t>A</a:t>
+              </a:r>
+              <a:endParaRPr lang="en-US" sz="1800" dirty="0">
+                <a:latin typeface="Helvetica" charset="0"/>
+                <a:ea typeface="Helvetica" charset="0"/>
+                <a:cs typeface="Helvetica" charset="0"/>
+              </a:endParaRPr>
+            </a:p>
+          </p:txBody>
+        </p:sp>
+        <p:sp>
+          <p:nvSpPr>
+            <p:cNvPr id="24" name="TextBox 23"/>
+            <p:cNvSpPr txBox="1"/>
+            <p:nvPr/>
+          </p:nvSpPr>
+          <p:spPr>
+            <a:xfrm>
+              <a:off x="7103107" y="6856784"/>
+              <a:ext cx="351378" cy="369332"/>
+            </a:xfrm>
+            <a:prstGeom prst="rect">
+              <a:avLst/>
+            </a:prstGeom>
+            <a:noFill/>
+          </p:spPr>
+          <p:txBody>
+            <a:bodyPr wrap="none" rtlCol="0">
+              <a:spAutoFit/>
+            </a:bodyPr>
+            <a:lstStyle/>
+            <a:p>
+              <a:r>
+                <a:rPr lang="en-US" sz="1800" dirty="0" smtClean="0">
+                  <a:latin typeface="Helvetica" charset="0"/>
+                  <a:ea typeface="Helvetica" charset="0"/>
+                  <a:cs typeface="Helvetica" charset="0"/>
+                </a:rPr>
+                <a:t>D</a:t>
+              </a:r>
+              <a:endParaRPr lang="en-US" sz="1800" dirty="0">
+                <a:latin typeface="Helvetica" charset="0"/>
+                <a:ea typeface="Helvetica" charset="0"/>
+                <a:cs typeface="Helvetica" charset="0"/>
+              </a:endParaRPr>
+            </a:p>
+          </p:txBody>
+        </p:sp>
+        <p:sp>
+          <p:nvSpPr>
+            <p:cNvPr id="25" name="TextBox 24"/>
+            <p:cNvSpPr txBox="1"/>
+            <p:nvPr/>
+          </p:nvSpPr>
+          <p:spPr>
+            <a:xfrm>
+              <a:off x="7103107" y="2796288"/>
+              <a:ext cx="351378" cy="369332"/>
+            </a:xfrm>
+            <a:prstGeom prst="rect">
+              <a:avLst/>
+            </a:prstGeom>
+            <a:noFill/>
+          </p:spPr>
+          <p:txBody>
+            <a:bodyPr wrap="none" rtlCol="0">
+              <a:spAutoFit/>
+            </a:bodyPr>
+            <a:lstStyle/>
+            <a:p>
+              <a:r>
+                <a:rPr lang="en-US" sz="1800" dirty="0" smtClean="0">
+                  <a:latin typeface="Helvetica" charset="0"/>
+                  <a:ea typeface="Helvetica" charset="0"/>
+                  <a:cs typeface="Helvetica" charset="0"/>
+                </a:rPr>
+                <a:t>C</a:t>
+              </a:r>
+              <a:endParaRPr lang="en-US" sz="1800" dirty="0">
+                <a:latin typeface="Helvetica" charset="0"/>
+                <a:ea typeface="Helvetica" charset="0"/>
+                <a:cs typeface="Helvetica" charset="0"/>
+              </a:endParaRPr>
+            </a:p>
+          </p:txBody>
+        </p:sp>
+        <p:sp>
+          <p:nvSpPr>
+            <p:cNvPr id="26" name="TextBox 25"/>
+            <p:cNvSpPr txBox="1"/>
+            <p:nvPr/>
+          </p:nvSpPr>
+          <p:spPr>
+            <a:xfrm>
+              <a:off x="1729000" y="6856784"/>
+              <a:ext cx="338554" cy="369332"/>
+            </a:xfrm>
+            <a:prstGeom prst="rect">
+              <a:avLst/>
+            </a:prstGeom>
+            <a:noFill/>
+          </p:spPr>
+          <p:txBody>
+            <a:bodyPr wrap="none" rtlCol="0">
+              <a:spAutoFit/>
+            </a:bodyPr>
+            <a:lstStyle/>
+            <a:p>
+              <a:r>
+                <a:rPr lang="en-US" sz="1800" dirty="0" smtClean="0">
+                  <a:latin typeface="Helvetica" charset="0"/>
+                  <a:ea typeface="Helvetica" charset="0"/>
+                  <a:cs typeface="Helvetica" charset="0"/>
+                </a:rPr>
+                <a:t>B</a:t>
+              </a:r>
+              <a:endParaRPr lang="en-US" sz="1800" dirty="0">
+                <a:latin typeface="Helvetica" charset="0"/>
+                <a:ea typeface="Helvetica" charset="0"/>
+                <a:cs typeface="Helvetica" charset="0"/>
+              </a:endParaRPr>
+            </a:p>
+          </p:txBody>
+        </p:sp>
+      </p:grpSp>
+    </p:spTree>
+    <p:extLst>
+      <p:ext uri="{BB962C8B-B14F-4D97-AF65-F5344CB8AC3E}">
+        <p14:creationId xmlns:p14="http://schemas.microsoft.com/office/powerpoint/2010/main" val="510996650"/>
+      </p:ext>
+    </p:extLst>
+  </p:cSld>
+  <p:clrMapOvr>
+    <a:masterClrMapping/>
+  </p:clrMapOvr>
+</p:sld>
+</file>
+
+<file path=ppt/slides/slide7.xml><?xml version="1.0" encoding="utf-8"?>
+<p:sld xmlns:a="http://schemas.openxmlformats.org/drawingml/2006/main" xmlns:r="http://schemas.openxmlformats.org/officeDocument/2006/relationships" xmlns:p="http://schemas.openxmlformats.org/presentationml/2006/main">
+  <p:cSld>
+    <p:spTree>
+      <p:nvGrpSpPr>
+        <p:cNvPr id="1" name=""/>
+        <p:cNvGrpSpPr/>
+        <p:nvPr/>
+      </p:nvGrpSpPr>
+      <p:grpSpPr>
+        <a:xfrm>
+          <a:off x="0" y="0"/>
+          <a:ext cx="0" cy="0"/>
+          <a:chOff x="0" y="0"/>
+          <a:chExt cx="0" cy="0"/>
+        </a:xfrm>
+      </p:grpSpPr>
+      <p:grpSp>
+        <p:nvGrpSpPr>
+          <p:cNvPr id="15" name="Group 14"/>
+          <p:cNvGrpSpPr/>
+          <p:nvPr/>
+        </p:nvGrpSpPr>
+        <p:grpSpPr>
+          <a:xfrm>
+            <a:off x="1471674" y="1582343"/>
+            <a:ext cx="5606168" cy="9082624"/>
+            <a:chOff x="1471674" y="1582343"/>
+            <a:chExt cx="5606168" cy="9082624"/>
+          </a:xfrm>
+        </p:grpSpPr>
+        <p:pic>
+          <p:nvPicPr>
+            <p:cNvPr id="4" name="Picture 3"/>
+            <p:cNvPicPr>
+              <a:picLocks noChangeAspect="1"/>
+            </p:cNvPicPr>
+            <p:nvPr/>
+          </p:nvPicPr>
+          <p:blipFill rotWithShape="1">
+            <a:blip r:embed="rId2">
+              <a:extLst>
+                <a:ext uri="{28A0092B-C50C-407E-A947-70E740481C1C}">
+                  <a14:useLocalDpi xmlns:a14="http://schemas.microsoft.com/office/drawing/2010/main" val="0"/>
+                </a:ext>
+              </a:extLst>
+            </a:blip>
+            <a:srcRect l="4613" t="12373" b="16650"/>
+            <a:stretch/>
+          </p:blipFill>
+          <p:spPr>
+            <a:xfrm>
+              <a:off x="1844566" y="1954924"/>
+              <a:ext cx="5233276" cy="3894084"/>
+            </a:xfrm>
+            <a:prstGeom prst="rect">
+              <a:avLst/>
+            </a:prstGeom>
+          </p:spPr>
+        </p:pic>
+        <p:pic>
+          <p:nvPicPr>
+            <p:cNvPr id="5" name="Picture 4"/>
+            <p:cNvPicPr>
+              <a:picLocks noChangeAspect="1"/>
+            </p:cNvPicPr>
+            <p:nvPr/>
+          </p:nvPicPr>
+          <p:blipFill rotWithShape="1">
+            <a:blip r:embed="rId3">
+              <a:extLst>
+                <a:ext uri="{28A0092B-C50C-407E-A947-70E740481C1C}">
+                  <a14:useLocalDpi xmlns:a14="http://schemas.microsoft.com/office/drawing/2010/main" val="0"/>
+                </a:ext>
+              </a:extLst>
+            </a:blip>
+            <a:srcRect l="4709" b="15373"/>
+            <a:stretch/>
+          </p:blipFill>
+          <p:spPr>
+            <a:xfrm>
+              <a:off x="2049517" y="5683469"/>
+              <a:ext cx="5028325" cy="4642944"/>
+            </a:xfrm>
+            <a:prstGeom prst="rect">
+              <a:avLst/>
+            </a:prstGeom>
+          </p:spPr>
+        </p:pic>
+        <p:sp>
+          <p:nvSpPr>
+            <p:cNvPr id="8" name="TextBox 7"/>
+            <p:cNvSpPr txBox="1"/>
+            <p:nvPr/>
+          </p:nvSpPr>
+          <p:spPr>
+            <a:xfrm rot="16200000">
+              <a:off x="154573" y="7848387"/>
+              <a:ext cx="2977097" cy="338554"/>
+            </a:xfrm>
+            <a:prstGeom prst="rect">
+              <a:avLst/>
+            </a:prstGeom>
+            <a:solidFill>
+              <a:schemeClr val="bg1"/>
+            </a:solidFill>
+          </p:spPr>
+          <p:txBody>
+            <a:bodyPr wrap="none" rtlCol="0">
+              <a:spAutoFit/>
+            </a:bodyPr>
+            <a:lstStyle/>
+            <a:p>
+              <a:r>
+                <a:rPr lang="en-US" sz="1600" dirty="0" smtClean="0">
+                  <a:latin typeface="Helvetica" charset="0"/>
+                  <a:ea typeface="Helvetica" charset="0"/>
+                  <a:cs typeface="Helvetica" charset="0"/>
+                </a:rPr>
+                <a:t>Proportion of significant slopes</a:t>
+              </a:r>
+              <a:endParaRPr lang="en-US" sz="1600" dirty="0">
+                <a:latin typeface="Helvetica" charset="0"/>
+                <a:ea typeface="Helvetica" charset="0"/>
+                <a:cs typeface="Helvetica" charset="0"/>
+              </a:endParaRPr>
+            </a:p>
+          </p:txBody>
+        </p:sp>
+        <p:sp>
+          <p:nvSpPr>
+            <p:cNvPr id="9" name="TextBox 8"/>
+            <p:cNvSpPr txBox="1"/>
+            <p:nvPr/>
+          </p:nvSpPr>
+          <p:spPr>
+            <a:xfrm rot="16200000">
+              <a:off x="1018825" y="3531679"/>
+              <a:ext cx="1244251" cy="338554"/>
+            </a:xfrm>
+            <a:prstGeom prst="rect">
+              <a:avLst/>
+            </a:prstGeom>
+            <a:solidFill>
+              <a:schemeClr val="bg1"/>
+            </a:solidFill>
+          </p:spPr>
+          <p:txBody>
+            <a:bodyPr wrap="none" rtlCol="0">
+              <a:spAutoFit/>
+            </a:bodyPr>
+            <a:lstStyle/>
+            <a:p>
+              <a:r>
+                <a:rPr lang="en-US" sz="1600" dirty="0" smtClean="0">
+                  <a:latin typeface="Helvetica" charset="0"/>
+                  <a:ea typeface="Helvetica" charset="0"/>
+                  <a:cs typeface="Helvetica" charset="0"/>
+                </a:rPr>
+                <a:t>Mean slope</a:t>
+              </a:r>
+              <a:endParaRPr lang="en-US" sz="1600" dirty="0">
+                <a:latin typeface="Helvetica" charset="0"/>
+                <a:ea typeface="Helvetica" charset="0"/>
+                <a:cs typeface="Helvetica" charset="0"/>
+              </a:endParaRPr>
+            </a:p>
+          </p:txBody>
+        </p:sp>
+        <p:sp>
+          <p:nvSpPr>
+            <p:cNvPr id="10" name="TextBox 9"/>
+            <p:cNvSpPr txBox="1"/>
+            <p:nvPr/>
+          </p:nvSpPr>
+          <p:spPr>
+            <a:xfrm>
+              <a:off x="2883817" y="10326413"/>
+              <a:ext cx="3154774" cy="338554"/>
+            </a:xfrm>
+            <a:prstGeom prst="rect">
+              <a:avLst/>
+            </a:prstGeom>
+            <a:solidFill>
+              <a:schemeClr val="bg1"/>
+            </a:solidFill>
+          </p:spPr>
+          <p:txBody>
+            <a:bodyPr wrap="none" rtlCol="0">
+              <a:spAutoFit/>
+            </a:bodyPr>
+            <a:lstStyle/>
+            <a:p>
+              <a:r>
+                <a:rPr lang="en-US" sz="1600" smtClean="0">
+                  <a:latin typeface="Helvetica" charset="0"/>
+                  <a:ea typeface="Helvetica" charset="0"/>
+                  <a:cs typeface="Helvetica" charset="0"/>
+                </a:rPr>
+                <a:t>Initial allele frequency (</a:t>
+              </a:r>
+              <a:r>
+                <a:rPr lang="en-US" sz="1600" i="1" smtClean="0">
+                  <a:latin typeface="Helvetica" charset="0"/>
+                  <a:ea typeface="Helvetica" charset="0"/>
+                  <a:cs typeface="Helvetica" charset="0"/>
+                </a:rPr>
+                <a:t>CYP – Li</a:t>
+              </a:r>
+              <a:r>
+                <a:rPr lang="en-US" sz="1600" smtClean="0">
+                  <a:latin typeface="Helvetica" charset="0"/>
+                  <a:ea typeface="Helvetica" charset="0"/>
+                  <a:cs typeface="Helvetica" charset="0"/>
+                </a:rPr>
+                <a:t>)</a:t>
+              </a:r>
+              <a:endParaRPr lang="en-US" sz="1600" dirty="0">
+                <a:latin typeface="Helvetica" charset="0"/>
+                <a:ea typeface="Helvetica" charset="0"/>
+                <a:cs typeface="Helvetica" charset="0"/>
+              </a:endParaRPr>
+            </a:p>
+          </p:txBody>
+        </p:sp>
+        <p:pic>
+          <p:nvPicPr>
+            <p:cNvPr id="11" name="Picture 10"/>
+            <p:cNvPicPr>
+              <a:picLocks noChangeAspect="1"/>
+            </p:cNvPicPr>
+            <p:nvPr/>
+          </p:nvPicPr>
+          <p:blipFill>
+            <a:blip r:embed="rId4"/>
+            <a:stretch>
+              <a:fillRect/>
+            </a:stretch>
+          </p:blipFill>
+          <p:spPr>
+            <a:xfrm>
+              <a:off x="2357149" y="1988171"/>
+              <a:ext cx="2387600" cy="952500"/>
+            </a:xfrm>
+            <a:prstGeom prst="rect">
+              <a:avLst/>
+            </a:prstGeom>
+          </p:spPr>
+        </p:pic>
+        <p:pic>
+          <p:nvPicPr>
+            <p:cNvPr id="12" name="Picture 11"/>
+            <p:cNvPicPr>
+              <a:picLocks noChangeAspect="1"/>
+            </p:cNvPicPr>
+            <p:nvPr/>
+          </p:nvPicPr>
+          <p:blipFill>
+            <a:blip r:embed="rId5"/>
+            <a:stretch>
+              <a:fillRect/>
+            </a:stretch>
+          </p:blipFill>
+          <p:spPr>
+            <a:xfrm>
+              <a:off x="2314013" y="6314534"/>
+              <a:ext cx="1371600" cy="965200"/>
+            </a:xfrm>
+            <a:prstGeom prst="rect">
+              <a:avLst/>
+            </a:prstGeom>
+          </p:spPr>
+        </p:pic>
+        <p:sp>
+          <p:nvSpPr>
+            <p:cNvPr id="13" name="TextBox 12"/>
+            <p:cNvSpPr txBox="1"/>
+            <p:nvPr/>
+          </p:nvSpPr>
+          <p:spPr>
+            <a:xfrm>
+              <a:off x="2103711" y="1582343"/>
+              <a:ext cx="338554" cy="369332"/>
+            </a:xfrm>
+            <a:prstGeom prst="rect">
+              <a:avLst/>
+            </a:prstGeom>
+            <a:noFill/>
+          </p:spPr>
+          <p:txBody>
+            <a:bodyPr wrap="none" rtlCol="0">
+              <a:spAutoFit/>
+            </a:bodyPr>
+            <a:lstStyle/>
+            <a:p>
+              <a:r>
+                <a:rPr lang="en-US" sz="1800" dirty="0" smtClean="0">
+                  <a:latin typeface="Helvetica" charset="0"/>
+                  <a:ea typeface="Helvetica" charset="0"/>
+                  <a:cs typeface="Helvetica" charset="0"/>
+                </a:rPr>
+                <a:t>A</a:t>
+              </a:r>
+              <a:endParaRPr lang="en-US" sz="1800" dirty="0">
+                <a:latin typeface="Helvetica" charset="0"/>
+                <a:ea typeface="Helvetica" charset="0"/>
+                <a:cs typeface="Helvetica" charset="0"/>
+              </a:endParaRPr>
+            </a:p>
+          </p:txBody>
+        </p:sp>
+        <p:sp>
+          <p:nvSpPr>
+            <p:cNvPr id="14" name="TextBox 13"/>
+            <p:cNvSpPr txBox="1"/>
+            <p:nvPr/>
+          </p:nvSpPr>
+          <p:spPr>
+            <a:xfrm>
+              <a:off x="2107372" y="5942384"/>
+              <a:ext cx="338554" cy="369332"/>
+            </a:xfrm>
+            <a:prstGeom prst="rect">
+              <a:avLst/>
+            </a:prstGeom>
+            <a:noFill/>
+          </p:spPr>
+          <p:txBody>
+            <a:bodyPr wrap="none" rtlCol="0">
+              <a:spAutoFit/>
+            </a:bodyPr>
+            <a:lstStyle/>
+            <a:p>
+              <a:r>
+                <a:rPr lang="en-US" sz="1800" dirty="0" smtClean="0">
+                  <a:latin typeface="Helvetica" charset="0"/>
+                  <a:ea typeface="Helvetica" charset="0"/>
+                  <a:cs typeface="Helvetica" charset="0"/>
+                </a:rPr>
+                <a:t>B</a:t>
+              </a:r>
+              <a:endParaRPr lang="en-US" sz="1800" dirty="0">
+                <a:latin typeface="Helvetica" charset="0"/>
+                <a:ea typeface="Helvetica" charset="0"/>
+                <a:cs typeface="Helvetica" charset="0"/>
+              </a:endParaRPr>
+            </a:p>
+          </p:txBody>
+        </p:sp>
+      </p:grpSp>
+    </p:spTree>
+    <p:extLst>
+      <p:ext uri="{BB962C8B-B14F-4D97-AF65-F5344CB8AC3E}">
+        <p14:creationId xmlns:p14="http://schemas.microsoft.com/office/powerpoint/2010/main" val="918795183"/>
       </p:ext>
     </p:extLst>
   </p:cSld>

--- a/SEC_Manuscript-Figures.pptx
+++ b/SEC_Manuscript-Figures.pptx
@@ -250,7 +250,7 @@
           <a:p>
             <a:fld id="{188A7F6E-218E-D540-B78C-2025F8A16802}" type="datetimeFigureOut">
               <a:rPr lang="en-US" smtClean="0"/>
-              <a:t>12/31/17</a:t>
+              <a:t>1/2/18</a:t>
             </a:fld>
             <a:endParaRPr lang="en-US"/>
           </a:p>
@@ -415,7 +415,7 @@
           <a:p>
             <a:fld id="{188A7F6E-218E-D540-B78C-2025F8A16802}" type="datetimeFigureOut">
               <a:rPr lang="en-US" smtClean="0"/>
-              <a:t>12/31/17</a:t>
+              <a:t>1/2/18</a:t>
             </a:fld>
             <a:endParaRPr lang="en-US"/>
           </a:p>
@@ -590,7 +590,7 @@
           <a:p>
             <a:fld id="{188A7F6E-218E-D540-B78C-2025F8A16802}" type="datetimeFigureOut">
               <a:rPr lang="en-US" smtClean="0"/>
-              <a:t>12/31/17</a:t>
+              <a:t>1/2/18</a:t>
             </a:fld>
             <a:endParaRPr lang="en-US"/>
           </a:p>
@@ -755,7 +755,7 @@
           <a:p>
             <a:fld id="{188A7F6E-218E-D540-B78C-2025F8A16802}" type="datetimeFigureOut">
               <a:rPr lang="en-US" smtClean="0"/>
-              <a:t>12/31/17</a:t>
+              <a:t>1/2/18</a:t>
             </a:fld>
             <a:endParaRPr lang="en-US"/>
           </a:p>
@@ -994,7 +994,7 @@
           <a:p>
             <a:fld id="{188A7F6E-218E-D540-B78C-2025F8A16802}" type="datetimeFigureOut">
               <a:rPr lang="en-US" smtClean="0"/>
-              <a:t>12/31/17</a:t>
+              <a:t>1/2/18</a:t>
             </a:fld>
             <a:endParaRPr lang="en-US"/>
           </a:p>
@@ -1221,7 +1221,7 @@
           <a:p>
             <a:fld id="{188A7F6E-218E-D540-B78C-2025F8A16802}" type="datetimeFigureOut">
               <a:rPr lang="en-US" smtClean="0"/>
-              <a:t>12/31/17</a:t>
+              <a:t>1/2/18</a:t>
             </a:fld>
             <a:endParaRPr lang="en-US"/>
           </a:p>
@@ -1583,7 +1583,7 @@
           <a:p>
             <a:fld id="{188A7F6E-218E-D540-B78C-2025F8A16802}" type="datetimeFigureOut">
               <a:rPr lang="en-US" smtClean="0"/>
-              <a:t>12/31/17</a:t>
+              <a:t>1/2/18</a:t>
             </a:fld>
             <a:endParaRPr lang="en-US"/>
           </a:p>
@@ -1696,7 +1696,7 @@
           <a:p>
             <a:fld id="{188A7F6E-218E-D540-B78C-2025F8A16802}" type="datetimeFigureOut">
               <a:rPr lang="en-US" smtClean="0"/>
-              <a:t>12/31/17</a:t>
+              <a:t>1/2/18</a:t>
             </a:fld>
             <a:endParaRPr lang="en-US"/>
           </a:p>
@@ -1786,7 +1786,7 @@
           <a:p>
             <a:fld id="{188A7F6E-218E-D540-B78C-2025F8A16802}" type="datetimeFigureOut">
               <a:rPr lang="en-US" smtClean="0"/>
-              <a:t>12/31/17</a:t>
+              <a:t>1/2/18</a:t>
             </a:fld>
             <a:endParaRPr lang="en-US"/>
           </a:p>
@@ -2058,7 +2058,7 @@
           <a:p>
             <a:fld id="{188A7F6E-218E-D540-B78C-2025F8A16802}" type="datetimeFigureOut">
               <a:rPr lang="en-US" smtClean="0"/>
-              <a:t>12/31/17</a:t>
+              <a:t>1/2/18</a:t>
             </a:fld>
             <a:endParaRPr lang="en-US"/>
           </a:p>
@@ -2310,7 +2310,7 @@
           <a:p>
             <a:fld id="{188A7F6E-218E-D540-B78C-2025F8A16802}" type="datetimeFigureOut">
               <a:rPr lang="en-US" smtClean="0"/>
-              <a:t>12/31/17</a:t>
+              <a:t>1/2/18</a:t>
             </a:fld>
             <a:endParaRPr lang="en-US"/>
           </a:p>
@@ -2518,7 +2518,7 @@
           <a:p>
             <a:fld id="{188A7F6E-218E-D540-B78C-2025F8A16802}" type="datetimeFigureOut">
               <a:rPr lang="en-US" smtClean="0"/>
-              <a:t>12/31/17</a:t>
+              <a:t>1/2/18</a:t>
             </a:fld>
             <a:endParaRPr lang="en-US"/>
           </a:p>
@@ -10430,15 +10430,7 @@
                       <a:ea typeface="Helvetica" charset="0"/>
                       <a:cs typeface="Helvetica" charset="0"/>
                     </a:rPr>
-                    <a:t>Low migration </a:t>
-                  </a:r>
-                  <a:r>
-                    <a:rPr lang="en-US" sz="1200" dirty="0" smtClean="0">
-                      <a:latin typeface="Helvetica" charset="0"/>
-                      <a:ea typeface="Helvetica" charset="0"/>
-                      <a:cs typeface="Helvetica" charset="0"/>
-                    </a:rPr>
-                    <a:t>(m = 0.01)</a:t>
+                    <a:t>Low migration (m = 0.01)</a:t>
                   </a:r>
                   <a:endParaRPr lang="en-US" sz="1200" dirty="0">
                     <a:latin typeface="Helvetica" charset="0"/>
@@ -10476,15 +10468,7 @@
                       <a:ea typeface="Helvetica" charset="0"/>
                       <a:cs typeface="Helvetica" charset="0"/>
                     </a:rPr>
-                    <a:t>High </a:t>
-                  </a:r>
-                  <a:r>
-                    <a:rPr lang="en-US" sz="1200" dirty="0" smtClean="0">
-                      <a:latin typeface="Helvetica" charset="0"/>
-                      <a:ea typeface="Helvetica" charset="0"/>
-                      <a:cs typeface="Helvetica" charset="0"/>
-                    </a:rPr>
-                    <a:t>migration (m = 0.05)</a:t>
+                    <a:t>High migration (m = 0.05)</a:t>
                   </a:r>
                   <a:endParaRPr lang="en-US" sz="1200" dirty="0">
                     <a:latin typeface="Helvetica" charset="0"/>
@@ -12235,15 +12219,7 @@
                     <a:ea typeface="Helvetica" charset="0"/>
                     <a:cs typeface="Helvetica" charset="0"/>
                   </a:rPr>
-                  <a:t>Strong </a:t>
-                </a:r>
-                <a:r>
-                  <a:rPr lang="en-US" sz="1200" dirty="0" smtClean="0">
-                    <a:latin typeface="Helvetica" charset="0"/>
-                    <a:ea typeface="Helvetica" charset="0"/>
-                    <a:cs typeface="Helvetica" charset="0"/>
-                  </a:rPr>
-                  <a:t>founder </a:t>
+                  <a:t>Strong founder </a:t>
                 </a:r>
               </a:p>
               <a:p>
@@ -12253,15 +12229,7 @@
                     <a:ea typeface="Helvetica" charset="0"/>
                     <a:cs typeface="Helvetica" charset="0"/>
                   </a:rPr>
-                  <a:t>effect (prop. = 0.01</a:t>
-                </a:r>
-                <a:r>
-                  <a:rPr lang="en-US" sz="1200" dirty="0" smtClean="0">
-                    <a:latin typeface="Helvetica" charset="0"/>
-                    <a:ea typeface="Helvetica" charset="0"/>
-                    <a:cs typeface="Helvetica" charset="0"/>
-                  </a:rPr>
-                  <a:t>)</a:t>
+                  <a:t>effect (prop. = 0.01)</a:t>
                 </a:r>
                 <a:endParaRPr lang="en-US" sz="1200" dirty="0">
                   <a:latin typeface="Helvetica" charset="0"/>
@@ -12299,15 +12267,7 @@
                     <a:ea typeface="Helvetica" charset="0"/>
                     <a:cs typeface="Helvetica" charset="0"/>
                   </a:rPr>
-                  <a:t>Intermediate </a:t>
-                </a:r>
-                <a:r>
-                  <a:rPr lang="en-US" sz="1200" dirty="0" smtClean="0">
-                    <a:latin typeface="Helvetica" charset="0"/>
-                    <a:ea typeface="Helvetica" charset="0"/>
-                    <a:cs typeface="Helvetica" charset="0"/>
-                  </a:rPr>
-                  <a:t>founder </a:t>
+                  <a:t>Intermediate founder </a:t>
                 </a:r>
               </a:p>
               <a:p>
@@ -12317,15 +12277,7 @@
                     <a:ea typeface="Helvetica" charset="0"/>
                     <a:cs typeface="Helvetica" charset="0"/>
                   </a:rPr>
-                  <a:t>effect (prop</a:t>
-                </a:r>
-                <a:r>
-                  <a:rPr lang="en-US" sz="1200" dirty="0" smtClean="0">
-                    <a:latin typeface="Helvetica" charset="0"/>
-                    <a:ea typeface="Helvetica" charset="0"/>
-                    <a:cs typeface="Helvetica" charset="0"/>
-                  </a:rPr>
-                  <a:t>. = 0.2)</a:t>
+                  <a:t>effect (prop. = 0.2)</a:t>
                 </a:r>
                 <a:endParaRPr lang="en-US" sz="1200" dirty="0">
                   <a:latin typeface="Helvetica" charset="0"/>
@@ -12363,15 +12315,7 @@
                     <a:ea typeface="Helvetica" charset="0"/>
                     <a:cs typeface="Helvetica" charset="0"/>
                   </a:rPr>
-                  <a:t>No </a:t>
-                </a:r>
-                <a:r>
-                  <a:rPr lang="en-US" sz="1200" dirty="0" smtClean="0">
-                    <a:latin typeface="Helvetica" charset="0"/>
-                    <a:ea typeface="Helvetica" charset="0"/>
-                    <a:cs typeface="Helvetica" charset="0"/>
-                  </a:rPr>
-                  <a:t>founder </a:t>
+                  <a:t>No founder </a:t>
                 </a:r>
               </a:p>
               <a:p>
@@ -12381,23 +12325,7 @@
                     <a:ea typeface="Helvetica" charset="0"/>
                     <a:cs typeface="Helvetica" charset="0"/>
                   </a:rPr>
-                  <a:t>effect</a:t>
-                </a:r>
-                <a:r>
-                  <a:rPr lang="en-US" sz="1200" dirty="0" smtClean="0">
-                    <a:latin typeface="Helvetica" charset="0"/>
-                    <a:ea typeface="Helvetica" charset="0"/>
-                    <a:cs typeface="Helvetica" charset="0"/>
-                  </a:rPr>
-                  <a:t> </a:t>
-                </a:r>
-                <a:r>
-                  <a:rPr lang="en-US" sz="1200" dirty="0" smtClean="0">
-                    <a:latin typeface="Helvetica" charset="0"/>
-                    <a:ea typeface="Helvetica" charset="0"/>
-                    <a:cs typeface="Helvetica" charset="0"/>
-                  </a:rPr>
-                  <a:t>(prop. = 1.0)</a:t>
+                  <a:t>effect (prop. = 1.0)</a:t>
                 </a:r>
                 <a:endParaRPr lang="en-US" sz="1200" dirty="0">
                   <a:latin typeface="Helvetica" charset="0"/>
@@ -13311,7 +13239,7 @@
           </p:nvSpPr>
           <p:spPr>
             <a:xfrm>
-              <a:off x="2883817" y="10326413"/>
+              <a:off x="3095849" y="10326413"/>
               <a:ext cx="3154774" cy="338554"/>
             </a:xfrm>
             <a:prstGeom prst="rect">
